--- a/Sprint 1 Presentation.pptx
+++ b/Sprint 1 Presentation.pptx
@@ -1,26 +1,26 @@
 
 <file path=ppt/presentation.xml><?xml version="1.0" encoding="utf-8"?>
-<p:presentation xmlns:a="http://schemas.openxmlformats.org/drawingml/2006/main" xmlns:r="http://schemas.openxmlformats.org/officeDocument/2006/relationships" xmlns:mc="http://schemas.openxmlformats.org/markup-compatibility/2006" xmlns:mv="urn:schemas-microsoft-com:mac:vml" xmlns:p="http://schemas.openxmlformats.org/presentationml/2006/main" xmlns:c="http://schemas.openxmlformats.org/drawingml/2006/chart" xmlns:dgm="http://schemas.openxmlformats.org/drawingml/2006/diagram" xmlns:o="urn:schemas-microsoft-com:office:office" xmlns:v="urn:schemas-microsoft-com:vml" xmlns:pvml="urn:schemas-microsoft-com:office:powerpoint" xmlns:com="http://schemas.openxmlformats.org/drawingml/2006/compatibility" xmlns:p14="http://schemas.microsoft.com/office/powerpoint/2010/main" xmlns:p15="http://schemas.microsoft.com/office/powerpoint/2012/main" autoCompressPictures="0" strictFirstAndLastChars="0" saveSubsetFonts="1">
+<p:presentation xmlns:a="http://schemas.openxmlformats.org/drawingml/2006/main" xmlns:r="http://schemas.openxmlformats.org/officeDocument/2006/relationships" xmlns:p="http://schemas.openxmlformats.org/presentationml/2006/main" strictFirstAndLastChars="0" saveSubsetFonts="1" autoCompressPictures="0">
   <p:sldMasterIdLst>
-    <p:sldMasterId id="2147483660" r:id="rId3"/>
+    <p:sldMasterId id="2147483660" r:id="rId1"/>
   </p:sldMasterIdLst>
   <p:notesMasterIdLst>
-    <p:notesMasterId r:id="rId4"/>
+    <p:notesMasterId r:id="rId10"/>
   </p:notesMasterIdLst>
   <p:sldIdLst>
-    <p:sldId id="256" r:id="rId5"/>
-    <p:sldId id="257" r:id="rId6"/>
-    <p:sldId id="258" r:id="rId7"/>
-    <p:sldId id="259" r:id="rId8"/>
-    <p:sldId id="260" r:id="rId9"/>
-    <p:sldId id="261" r:id="rId10"/>
-    <p:sldId id="262" r:id="rId11"/>
-    <p:sldId id="263" r:id="rId12"/>
+    <p:sldId id="256" r:id="rId2"/>
+    <p:sldId id="257" r:id="rId3"/>
+    <p:sldId id="258" r:id="rId4"/>
+    <p:sldId id="259" r:id="rId5"/>
+    <p:sldId id="260" r:id="rId6"/>
+    <p:sldId id="261" r:id="rId7"/>
+    <p:sldId id="262" r:id="rId8"/>
+    <p:sldId id="263" r:id="rId9"/>
   </p:sldIdLst>
-  <p:sldSz cy="6858000" cx="12192000"/>
+  <p:sldSz cx="12192000" cy="6858000"/>
   <p:notesSz cx="6858000" cy="9144000"/>
   <p:defaultTextStyle>
-    <a:defPPr lvl="0" marR="0" rtl="0" algn="l">
+    <a:defPPr marR="0" lvl="0" algn="l" rtl="0">
       <a:lnSpc>
         <a:spcPct val="100000"/>
       </a:lnSpc>
@@ -31,7 +31,7 @@
         <a:spcPts val="0"/>
       </a:spcAft>
     </a:defPPr>
-    <a:lvl1pPr lvl="0" marR="0" rtl="0" algn="l">
+    <a:lvl1pPr marR="0" lvl="0" algn="l" rtl="0">
       <a:lnSpc>
         <a:spcPct val="100000"/>
       </a:lnSpc>
@@ -45,7 +45,7 @@
         <a:srgbClr val="000000"/>
       </a:buClr>
       <a:buFont typeface="Arial"/>
-      <a:defRPr b="0" i="0" sz="1400" u="none" cap="none" strike="noStrike">
+      <a:defRPr sz="1400" b="0" i="0" u="none" strike="noStrike" cap="none">
         <a:solidFill>
           <a:srgbClr val="000000"/>
         </a:solidFill>
@@ -55,7 +55,7 @@
         <a:sym typeface="Arial"/>
       </a:defRPr>
     </a:lvl1pPr>
-    <a:lvl2pPr lvl="1" marR="0" rtl="0" algn="l">
+    <a:lvl2pPr marR="0" lvl="1" algn="l" rtl="0">
       <a:lnSpc>
         <a:spcPct val="100000"/>
       </a:lnSpc>
@@ -69,7 +69,7 @@
         <a:srgbClr val="000000"/>
       </a:buClr>
       <a:buFont typeface="Arial"/>
-      <a:defRPr b="0" i="0" sz="1400" u="none" cap="none" strike="noStrike">
+      <a:defRPr sz="1400" b="0" i="0" u="none" strike="noStrike" cap="none">
         <a:solidFill>
           <a:srgbClr val="000000"/>
         </a:solidFill>
@@ -79,7 +79,7 @@
         <a:sym typeface="Arial"/>
       </a:defRPr>
     </a:lvl2pPr>
-    <a:lvl3pPr lvl="2" marR="0" rtl="0" algn="l">
+    <a:lvl3pPr marR="0" lvl="2" algn="l" rtl="0">
       <a:lnSpc>
         <a:spcPct val="100000"/>
       </a:lnSpc>
@@ -93,7 +93,7 @@
         <a:srgbClr val="000000"/>
       </a:buClr>
       <a:buFont typeface="Arial"/>
-      <a:defRPr b="0" i="0" sz="1400" u="none" cap="none" strike="noStrike">
+      <a:defRPr sz="1400" b="0" i="0" u="none" strike="noStrike" cap="none">
         <a:solidFill>
           <a:srgbClr val="000000"/>
         </a:solidFill>
@@ -103,7 +103,7 @@
         <a:sym typeface="Arial"/>
       </a:defRPr>
     </a:lvl3pPr>
-    <a:lvl4pPr lvl="3" marR="0" rtl="0" algn="l">
+    <a:lvl4pPr marR="0" lvl="3" algn="l" rtl="0">
       <a:lnSpc>
         <a:spcPct val="100000"/>
       </a:lnSpc>
@@ -117,7 +117,7 @@
         <a:srgbClr val="000000"/>
       </a:buClr>
       <a:buFont typeface="Arial"/>
-      <a:defRPr b="0" i="0" sz="1400" u="none" cap="none" strike="noStrike">
+      <a:defRPr sz="1400" b="0" i="0" u="none" strike="noStrike" cap="none">
         <a:solidFill>
           <a:srgbClr val="000000"/>
         </a:solidFill>
@@ -127,7 +127,7 @@
         <a:sym typeface="Arial"/>
       </a:defRPr>
     </a:lvl4pPr>
-    <a:lvl5pPr lvl="4" marR="0" rtl="0" algn="l">
+    <a:lvl5pPr marR="0" lvl="4" algn="l" rtl="0">
       <a:lnSpc>
         <a:spcPct val="100000"/>
       </a:lnSpc>
@@ -141,7 +141,7 @@
         <a:srgbClr val="000000"/>
       </a:buClr>
       <a:buFont typeface="Arial"/>
-      <a:defRPr b="0" i="0" sz="1400" u="none" cap="none" strike="noStrike">
+      <a:defRPr sz="1400" b="0" i="0" u="none" strike="noStrike" cap="none">
         <a:solidFill>
           <a:srgbClr val="000000"/>
         </a:solidFill>
@@ -151,7 +151,7 @@
         <a:sym typeface="Arial"/>
       </a:defRPr>
     </a:lvl5pPr>
-    <a:lvl6pPr lvl="5" marR="0" rtl="0" algn="l">
+    <a:lvl6pPr marR="0" lvl="5" algn="l" rtl="0">
       <a:lnSpc>
         <a:spcPct val="100000"/>
       </a:lnSpc>
@@ -165,7 +165,7 @@
         <a:srgbClr val="000000"/>
       </a:buClr>
       <a:buFont typeface="Arial"/>
-      <a:defRPr b="0" i="0" sz="1400" u="none" cap="none" strike="noStrike">
+      <a:defRPr sz="1400" b="0" i="0" u="none" strike="noStrike" cap="none">
         <a:solidFill>
           <a:srgbClr val="000000"/>
         </a:solidFill>
@@ -175,7 +175,7 @@
         <a:sym typeface="Arial"/>
       </a:defRPr>
     </a:lvl6pPr>
-    <a:lvl7pPr lvl="6" marR="0" rtl="0" algn="l">
+    <a:lvl7pPr marR="0" lvl="6" algn="l" rtl="0">
       <a:lnSpc>
         <a:spcPct val="100000"/>
       </a:lnSpc>
@@ -189,7 +189,7 @@
         <a:srgbClr val="000000"/>
       </a:buClr>
       <a:buFont typeface="Arial"/>
-      <a:defRPr b="0" i="0" sz="1400" u="none" cap="none" strike="noStrike">
+      <a:defRPr sz="1400" b="0" i="0" u="none" strike="noStrike" cap="none">
         <a:solidFill>
           <a:srgbClr val="000000"/>
         </a:solidFill>
@@ -199,7 +199,7 @@
         <a:sym typeface="Arial"/>
       </a:defRPr>
     </a:lvl7pPr>
-    <a:lvl8pPr lvl="7" marR="0" rtl="0" algn="l">
+    <a:lvl8pPr marR="0" lvl="7" algn="l" rtl="0">
       <a:lnSpc>
         <a:spcPct val="100000"/>
       </a:lnSpc>
@@ -213,7 +213,7 @@
         <a:srgbClr val="000000"/>
       </a:buClr>
       <a:buFont typeface="Arial"/>
-      <a:defRPr b="0" i="0" sz="1400" u="none" cap="none" strike="noStrike">
+      <a:defRPr sz="1400" b="0" i="0" u="none" strike="noStrike" cap="none">
         <a:solidFill>
           <a:srgbClr val="000000"/>
         </a:solidFill>
@@ -223,7 +223,7 @@
         <a:sym typeface="Arial"/>
       </a:defRPr>
     </a:lvl8pPr>
-    <a:lvl9pPr lvl="8" marR="0" rtl="0" algn="l">
+    <a:lvl9pPr marR="0" lvl="8" algn="l" rtl="0">
       <a:lnSpc>
         <a:spcPct val="100000"/>
       </a:lnSpc>
@@ -237,7 +237,7 @@
         <a:srgbClr val="000000"/>
       </a:buClr>
       <a:buFont typeface="Arial"/>
-      <a:defRPr b="0" i="0" sz="1400" u="none" cap="none" strike="noStrike">
+      <a:defRPr sz="1400" b="0" i="0" u="none" strike="noStrike" cap="none">
         <a:solidFill>
           <a:srgbClr val="000000"/>
         </a:solidFill>
@@ -252,11 +252,16 @@
 </file>
 
 <file path=ppt/notesMasters/notesMaster1.xml><?xml version="1.0" encoding="utf-8"?>
-<p:notesMaster xmlns:a="http://schemas.openxmlformats.org/drawingml/2006/main" xmlns:r="http://schemas.openxmlformats.org/officeDocument/2006/relationships" xmlns:mc="http://schemas.openxmlformats.org/markup-compatibility/2006" xmlns:mv="urn:schemas-microsoft-com:mac:vml" xmlns:p="http://schemas.openxmlformats.org/presentationml/2006/main" xmlns:c="http://schemas.openxmlformats.org/drawingml/2006/chart" xmlns:dgm="http://schemas.openxmlformats.org/drawingml/2006/diagram" xmlns:o="urn:schemas-microsoft-com:office:office" xmlns:v="urn:schemas-microsoft-com:vml" xmlns:pvml="urn:schemas-microsoft-com:office:powerpoint" xmlns:com="http://schemas.openxmlformats.org/drawingml/2006/compatibility" xmlns:p14="http://schemas.microsoft.com/office/powerpoint/2010/main" xmlns:p15="http://schemas.microsoft.com/office/powerpoint/2012/main">
+<p:notesMaster xmlns:a="http://schemas.openxmlformats.org/drawingml/2006/main" xmlns:r="http://schemas.openxmlformats.org/officeDocument/2006/relationships" xmlns:p="http://schemas.openxmlformats.org/presentationml/2006/main">
   <p:cSld>
+    <p:bg>
+      <p:bgRef idx="1001">
+        <a:schemeClr val="bg1"/>
+      </p:bgRef>
+    </p:bg>
     <p:spTree>
       <p:nvGrpSpPr>
-        <p:cNvPr id="2" name="Shape 2"/>
+        <p:cNvPr id="1" name="Shape 2"/>
         <p:cNvGrpSpPr/>
         <p:nvPr/>
       </p:nvGrpSpPr>
@@ -271,9 +276,11 @@
       <p:sp>
         <p:nvSpPr>
           <p:cNvPr id="3" name="Google Shape;3;n"/>
-          <p:cNvSpPr/>
+          <p:cNvSpPr>
+            <a:spLocks noGrp="1" noRot="1" noChangeAspect="1"/>
+          </p:cNvSpPr>
           <p:nvPr>
-            <p:ph idx="2" type="sldImg"/>
+            <p:ph type="sldImg" idx="2"/>
           </p:nvPr>
         </p:nvSpPr>
         <p:spPr>
@@ -282,9 +289,13 @@
             <a:ext cx="4572225" cy="3429000"/>
           </a:xfrm>
           <a:custGeom>
-            <a:rect b="b" l="l" r="r" t="t"/>
+            <a:avLst/>
+            <a:gdLst/>
+            <a:ahLst/>
+            <a:cxnLst/>
+            <a:rect l="l" t="t" r="r" b="b"/>
             <a:pathLst>
-              <a:path extrusionOk="0" h="120000" w="120000">
+              <a:path w="120000" h="120000" extrusionOk="0">
                 <a:moveTo>
                   <a:pt x="0" y="0"/>
                 </a:moveTo>
@@ -302,23 +313,25 @@
             </a:pathLst>
           </a:custGeom>
           <a:noFill/>
-          <a:ln cap="flat" cmpd="sng" w="9525">
+          <a:ln w="9525" cap="flat" cmpd="sng">
             <a:solidFill>
               <a:srgbClr val="000000"/>
             </a:solidFill>
             <a:prstDash val="solid"/>
             <a:round/>
-            <a:headEnd len="sm" w="sm" type="none"/>
-            <a:tailEnd len="sm" w="sm" type="none"/>
+            <a:headEnd type="none" w="sm" len="sm"/>
+            <a:tailEnd type="none" w="sm" len="sm"/>
           </a:ln>
         </p:spPr>
       </p:sp>
       <p:sp>
         <p:nvSpPr>
           <p:cNvPr id="4" name="Google Shape;4;n"/>
-          <p:cNvSpPr txBox="1"/>
+          <p:cNvSpPr txBox="1">
+            <a:spLocks noGrp="1"/>
+          </p:cNvSpPr>
           <p:nvPr>
-            <p:ph idx="1" type="body"/>
+            <p:ph type="body" idx="1"/>
           </p:nvPr>
         </p:nvSpPr>
         <p:spPr>
@@ -335,9 +348,9 @@
           </a:ln>
         </p:spPr>
         <p:txBody>
-          <a:bodyPr anchorCtr="0" anchor="t" bIns="91425" lIns="91425" spcFirstLastPara="1" rIns="91425" wrap="square" tIns="91425"/>
+          <a:bodyPr spcFirstLastPara="1" wrap="square" lIns="91425" tIns="91425" rIns="91425" bIns="91425" anchor="t" anchorCtr="0"/>
           <a:lstStyle>
-            <a:lvl1pPr indent="-298450" lvl="0" marL="457200">
+            <a:lvl1pPr marL="457200" lvl="0" indent="-298450">
               <a:spcBef>
                 <a:spcPts val="0"/>
               </a:spcBef>
@@ -348,7 +361,7 @@
               <a:buChar char="●"/>
               <a:defRPr sz="1100"/>
             </a:lvl1pPr>
-            <a:lvl2pPr indent="-298450" lvl="1" marL="914400">
+            <a:lvl2pPr marL="914400" lvl="1" indent="-298450">
               <a:spcBef>
                 <a:spcPts val="0"/>
               </a:spcBef>
@@ -359,7 +372,7 @@
               <a:buChar char="○"/>
               <a:defRPr sz="1100"/>
             </a:lvl2pPr>
-            <a:lvl3pPr indent="-298450" lvl="2" marL="1371600">
+            <a:lvl3pPr marL="1371600" lvl="2" indent="-298450">
               <a:spcBef>
                 <a:spcPts val="0"/>
               </a:spcBef>
@@ -370,7 +383,7 @@
               <a:buChar char="■"/>
               <a:defRPr sz="1100"/>
             </a:lvl3pPr>
-            <a:lvl4pPr indent="-298450" lvl="3" marL="1828800">
+            <a:lvl4pPr marL="1828800" lvl="3" indent="-298450">
               <a:spcBef>
                 <a:spcPts val="0"/>
               </a:spcBef>
@@ -381,7 +394,7 @@
               <a:buChar char="●"/>
               <a:defRPr sz="1100"/>
             </a:lvl4pPr>
-            <a:lvl5pPr indent="-298450" lvl="4" marL="2286000">
+            <a:lvl5pPr marL="2286000" lvl="4" indent="-298450">
               <a:spcBef>
                 <a:spcPts val="0"/>
               </a:spcBef>
@@ -392,7 +405,7 @@
               <a:buChar char="○"/>
               <a:defRPr sz="1100"/>
             </a:lvl5pPr>
-            <a:lvl6pPr indent="-298450" lvl="5" marL="2743200">
+            <a:lvl6pPr marL="2743200" lvl="5" indent="-298450">
               <a:spcBef>
                 <a:spcPts val="0"/>
               </a:spcBef>
@@ -403,7 +416,7 @@
               <a:buChar char="■"/>
               <a:defRPr sz="1100"/>
             </a:lvl6pPr>
-            <a:lvl7pPr indent="-298450" lvl="6" marL="3200400">
+            <a:lvl7pPr marL="3200400" lvl="6" indent="-298450">
               <a:spcBef>
                 <a:spcPts val="0"/>
               </a:spcBef>
@@ -414,7 +427,7 @@
               <a:buChar char="●"/>
               <a:defRPr sz="1100"/>
             </a:lvl7pPr>
-            <a:lvl8pPr indent="-298450" lvl="7" marL="3657600">
+            <a:lvl8pPr marL="3657600" lvl="7" indent="-298450">
               <a:spcBef>
                 <a:spcPts val="0"/>
               </a:spcBef>
@@ -425,7 +438,7 @@
               <a:buChar char="○"/>
               <a:defRPr sz="1100"/>
             </a:lvl8pPr>
-            <a:lvl9pPr indent="-298450" lvl="8" marL="4114800">
+            <a:lvl9pPr marL="4114800" lvl="8" indent="-298450">
               <a:spcBef>
                 <a:spcPts val="0"/>
               </a:spcBef>
@@ -437,14 +450,21 @@
               <a:defRPr sz="1100"/>
             </a:lvl9pPr>
           </a:lstStyle>
-          <a:p/>
+          <a:p>
+            <a:endParaRPr/>
+          </a:p>
         </p:txBody>
       </p:sp>
     </p:spTree>
+    <p:extLst>
+      <p:ext uri="{BB962C8B-B14F-4D97-AF65-F5344CB8AC3E}">
+        <p14:creationId xmlns:p14="http://schemas.microsoft.com/office/powerpoint/2010/main" val="2034611600"/>
+      </p:ext>
+    </p:extLst>
   </p:cSld>
-  <p:clrMap accent1="accent1" accent2="accent2" accent3="accent3" accent4="accent4" accent5="accent5" accent6="accent6" bg1="lt1" bg2="dk2" tx1="dk1" tx2="lt2" folHlink="folHlink" hlink="hlink"/>
+  <p:clrMap bg1="lt1" tx1="dk1" bg2="dk2" tx2="lt2" accent1="accent1" accent2="accent2" accent3="accent3" accent4="accent4" accent5="accent5" accent6="accent6" hlink="hlink" folHlink="folHlink"/>
   <p:notesStyle>
-    <a:defPPr lvl="0" marR="0" rtl="0" algn="l">
+    <a:defPPr marR="0" lvl="0" algn="l" rtl="0">
       <a:lnSpc>
         <a:spcPct val="100000"/>
       </a:lnSpc>
@@ -455,7 +475,7 @@
         <a:spcPts val="0"/>
       </a:spcAft>
     </a:defPPr>
-    <a:lvl1pPr lvl="0" marR="0" rtl="0" algn="l">
+    <a:lvl1pPr marR="0" lvl="0" algn="l" rtl="0">
       <a:lnSpc>
         <a:spcPct val="100000"/>
       </a:lnSpc>
@@ -469,7 +489,7 @@
         <a:srgbClr val="000000"/>
       </a:buClr>
       <a:buFont typeface="Arial"/>
-      <a:defRPr b="0" i="0" sz="1400" u="none" cap="none" strike="noStrike">
+      <a:defRPr sz="1400" b="0" i="0" u="none" strike="noStrike" cap="none">
         <a:solidFill>
           <a:srgbClr val="000000"/>
         </a:solidFill>
@@ -479,7 +499,7 @@
         <a:sym typeface="Arial"/>
       </a:defRPr>
     </a:lvl1pPr>
-    <a:lvl2pPr lvl="1" marR="0" rtl="0" algn="l">
+    <a:lvl2pPr marR="0" lvl="1" algn="l" rtl="0">
       <a:lnSpc>
         <a:spcPct val="100000"/>
       </a:lnSpc>
@@ -493,7 +513,7 @@
         <a:srgbClr val="000000"/>
       </a:buClr>
       <a:buFont typeface="Arial"/>
-      <a:defRPr b="0" i="0" sz="1400" u="none" cap="none" strike="noStrike">
+      <a:defRPr sz="1400" b="0" i="0" u="none" strike="noStrike" cap="none">
         <a:solidFill>
           <a:srgbClr val="000000"/>
         </a:solidFill>
@@ -503,7 +523,7 @@
         <a:sym typeface="Arial"/>
       </a:defRPr>
     </a:lvl2pPr>
-    <a:lvl3pPr lvl="2" marR="0" rtl="0" algn="l">
+    <a:lvl3pPr marR="0" lvl="2" algn="l" rtl="0">
       <a:lnSpc>
         <a:spcPct val="100000"/>
       </a:lnSpc>
@@ -517,7 +537,7 @@
         <a:srgbClr val="000000"/>
       </a:buClr>
       <a:buFont typeface="Arial"/>
-      <a:defRPr b="0" i="0" sz="1400" u="none" cap="none" strike="noStrike">
+      <a:defRPr sz="1400" b="0" i="0" u="none" strike="noStrike" cap="none">
         <a:solidFill>
           <a:srgbClr val="000000"/>
         </a:solidFill>
@@ -527,7 +547,7 @@
         <a:sym typeface="Arial"/>
       </a:defRPr>
     </a:lvl3pPr>
-    <a:lvl4pPr lvl="3" marR="0" rtl="0" algn="l">
+    <a:lvl4pPr marR="0" lvl="3" algn="l" rtl="0">
       <a:lnSpc>
         <a:spcPct val="100000"/>
       </a:lnSpc>
@@ -541,7 +561,7 @@
         <a:srgbClr val="000000"/>
       </a:buClr>
       <a:buFont typeface="Arial"/>
-      <a:defRPr b="0" i="0" sz="1400" u="none" cap="none" strike="noStrike">
+      <a:defRPr sz="1400" b="0" i="0" u="none" strike="noStrike" cap="none">
         <a:solidFill>
           <a:srgbClr val="000000"/>
         </a:solidFill>
@@ -551,7 +571,7 @@
         <a:sym typeface="Arial"/>
       </a:defRPr>
     </a:lvl4pPr>
-    <a:lvl5pPr lvl="4" marR="0" rtl="0" algn="l">
+    <a:lvl5pPr marR="0" lvl="4" algn="l" rtl="0">
       <a:lnSpc>
         <a:spcPct val="100000"/>
       </a:lnSpc>
@@ -565,7 +585,7 @@
         <a:srgbClr val="000000"/>
       </a:buClr>
       <a:buFont typeface="Arial"/>
-      <a:defRPr b="0" i="0" sz="1400" u="none" cap="none" strike="noStrike">
+      <a:defRPr sz="1400" b="0" i="0" u="none" strike="noStrike" cap="none">
         <a:solidFill>
           <a:srgbClr val="000000"/>
         </a:solidFill>
@@ -575,7 +595,7 @@
         <a:sym typeface="Arial"/>
       </a:defRPr>
     </a:lvl5pPr>
-    <a:lvl6pPr lvl="5" marR="0" rtl="0" algn="l">
+    <a:lvl6pPr marR="0" lvl="5" algn="l" rtl="0">
       <a:lnSpc>
         <a:spcPct val="100000"/>
       </a:lnSpc>
@@ -589,7 +609,7 @@
         <a:srgbClr val="000000"/>
       </a:buClr>
       <a:buFont typeface="Arial"/>
-      <a:defRPr b="0" i="0" sz="1400" u="none" cap="none" strike="noStrike">
+      <a:defRPr sz="1400" b="0" i="0" u="none" strike="noStrike" cap="none">
         <a:solidFill>
           <a:srgbClr val="000000"/>
         </a:solidFill>
@@ -599,7 +619,7 @@
         <a:sym typeface="Arial"/>
       </a:defRPr>
     </a:lvl6pPr>
-    <a:lvl7pPr lvl="6" marR="0" rtl="0" algn="l">
+    <a:lvl7pPr marR="0" lvl="6" algn="l" rtl="0">
       <a:lnSpc>
         <a:spcPct val="100000"/>
       </a:lnSpc>
@@ -613,7 +633,7 @@
         <a:srgbClr val="000000"/>
       </a:buClr>
       <a:buFont typeface="Arial"/>
-      <a:defRPr b="0" i="0" sz="1400" u="none" cap="none" strike="noStrike">
+      <a:defRPr sz="1400" b="0" i="0" u="none" strike="noStrike" cap="none">
         <a:solidFill>
           <a:srgbClr val="000000"/>
         </a:solidFill>
@@ -623,7 +643,7 @@
         <a:sym typeface="Arial"/>
       </a:defRPr>
     </a:lvl7pPr>
-    <a:lvl8pPr lvl="7" marR="0" rtl="0" algn="l">
+    <a:lvl8pPr marR="0" lvl="7" algn="l" rtl="0">
       <a:lnSpc>
         <a:spcPct val="100000"/>
       </a:lnSpc>
@@ -637,7 +657,7 @@
         <a:srgbClr val="000000"/>
       </a:buClr>
       <a:buFont typeface="Arial"/>
-      <a:defRPr b="0" i="0" sz="1400" u="none" cap="none" strike="noStrike">
+      <a:defRPr sz="1400" b="0" i="0" u="none" strike="noStrike" cap="none">
         <a:solidFill>
           <a:srgbClr val="000000"/>
         </a:solidFill>
@@ -647,7 +667,7 @@
         <a:sym typeface="Arial"/>
       </a:defRPr>
     </a:lvl8pPr>
-    <a:lvl9pPr lvl="8" marR="0" rtl="0" algn="l">
+    <a:lvl9pPr marR="0" lvl="8" algn="l" rtl="0">
       <a:lnSpc>
         <a:spcPct val="100000"/>
       </a:lnSpc>
@@ -661,7 +681,7 @@
         <a:srgbClr val="000000"/>
       </a:buClr>
       <a:buFont typeface="Arial"/>
-      <a:defRPr b="0" i="0" sz="1400" u="none" cap="none" strike="noStrike">
+      <a:defRPr sz="1400" b="0" i="0" u="none" strike="noStrike" cap="none">
         <a:solidFill>
           <a:srgbClr val="000000"/>
         </a:solidFill>
@@ -676,11 +696,11 @@
 </file>
 
 <file path=ppt/notesSlides/notesSlide1.xml><?xml version="1.0" encoding="utf-8"?>
-<p:notes xmlns:a="http://schemas.openxmlformats.org/drawingml/2006/main" xmlns:r="http://schemas.openxmlformats.org/officeDocument/2006/relationships" xmlns:mc="http://schemas.openxmlformats.org/markup-compatibility/2006" xmlns:mv="urn:schemas-microsoft-com:mac:vml" xmlns:p="http://schemas.openxmlformats.org/presentationml/2006/main" xmlns:c="http://schemas.openxmlformats.org/drawingml/2006/chart" xmlns:dgm="http://schemas.openxmlformats.org/drawingml/2006/diagram" xmlns:o="urn:schemas-microsoft-com:office:office" xmlns:v="urn:schemas-microsoft-com:vml" xmlns:pvml="urn:schemas-microsoft-com:office:powerpoint" xmlns:com="http://schemas.openxmlformats.org/drawingml/2006/compatibility" xmlns:p14="http://schemas.microsoft.com/office/powerpoint/2010/main" xmlns:p15="http://schemas.microsoft.com/office/powerpoint/2012/main" showMasterPhAnim="0" showMasterSp="0">
+<p:notes xmlns:a="http://schemas.openxmlformats.org/drawingml/2006/main" xmlns:r="http://schemas.openxmlformats.org/officeDocument/2006/relationships" xmlns:p="http://schemas.openxmlformats.org/presentationml/2006/main" showMasterSp="0" showMasterPhAnim="0">
   <p:cSld>
     <p:spTree>
       <p:nvGrpSpPr>
-        <p:cNvPr id="56" name="Shape 56"/>
+        <p:cNvPr id="1" name="Shape 56"/>
         <p:cNvGrpSpPr/>
         <p:nvPr/>
       </p:nvGrpSpPr>
@@ -695,9 +715,11 @@
       <p:sp>
         <p:nvSpPr>
           <p:cNvPr id="57" name="Google Shape;57;p1:notes"/>
-          <p:cNvSpPr txBox="1"/>
+          <p:cNvSpPr txBox="1">
+            <a:spLocks noGrp="1"/>
+          </p:cNvSpPr>
           <p:nvPr>
-            <p:ph idx="1" type="body"/>
+            <p:ph type="body" idx="1"/>
           </p:nvPr>
         </p:nvSpPr>
         <p:spPr>
@@ -710,12 +732,12 @@
           </a:prstGeom>
         </p:spPr>
         <p:txBody>
-          <a:bodyPr anchorCtr="0" anchor="t" bIns="91425" lIns="91425" spcFirstLastPara="1" rIns="91425" wrap="square" tIns="91425">
+          <a:bodyPr spcFirstLastPara="1" wrap="square" lIns="91425" tIns="91425" rIns="91425" bIns="91425" anchor="t" anchorCtr="0">
             <a:noAutofit/>
           </a:bodyPr>
           <a:lstStyle/>
           <a:p>
-            <a:pPr indent="0" lvl="0" marL="0" rtl="0" algn="l">
+            <a:pPr marL="0" lvl="0" indent="0" algn="l" rtl="0">
               <a:spcBef>
                 <a:spcPts val="0"/>
               </a:spcBef>
@@ -724,9 +746,6 @@
               </a:spcAft>
               <a:buNone/>
             </a:pPr>
-            <a:r>
-              <a:t/>
-            </a:r>
             <a:endParaRPr/>
           </a:p>
         </p:txBody>
@@ -734,20 +753,26 @@
       <p:sp>
         <p:nvSpPr>
           <p:cNvPr id="58" name="Google Shape;58;p1:notes"/>
-          <p:cNvSpPr/>
+          <p:cNvSpPr>
+            <a:spLocks noGrp="1" noRot="1" noChangeAspect="1"/>
+          </p:cNvSpPr>
           <p:nvPr>
-            <p:ph idx="2" type="sldImg"/>
+            <p:ph type="sldImg" idx="2"/>
           </p:nvPr>
         </p:nvSpPr>
         <p:spPr>
           <a:xfrm>
-            <a:off x="1143225" y="685800"/>
-            <a:ext cx="4572225" cy="3429000"/>
+            <a:off x="381000" y="685800"/>
+            <a:ext cx="6096000" cy="3429000"/>
           </a:xfrm>
           <a:custGeom>
-            <a:rect b="b" l="l" r="r" t="t"/>
+            <a:avLst/>
+            <a:gdLst/>
+            <a:ahLst/>
+            <a:cxnLst/>
+            <a:rect l="l" t="t" r="r" b="b"/>
             <a:pathLst>
-              <a:path extrusionOk="0" h="120000" w="120000">
+              <a:path w="120000" h="120000" extrusionOk="0">
                 <a:moveTo>
                   <a:pt x="0" y="0"/>
                 </a:moveTo>
@@ -767,6 +792,11 @@
         </p:spPr>
       </p:sp>
     </p:spTree>
+    <p:extLst>
+      <p:ext uri="{BB962C8B-B14F-4D97-AF65-F5344CB8AC3E}">
+        <p14:creationId xmlns:p14="http://schemas.microsoft.com/office/powerpoint/2010/main" val="1335050019"/>
+      </p:ext>
+    </p:extLst>
   </p:cSld>
   <p:clrMapOvr>
     <a:masterClrMapping/>
@@ -775,11 +805,11 @@
 </file>
 
 <file path=ppt/notesSlides/notesSlide2.xml><?xml version="1.0" encoding="utf-8"?>
-<p:notes xmlns:a="http://schemas.openxmlformats.org/drawingml/2006/main" xmlns:r="http://schemas.openxmlformats.org/officeDocument/2006/relationships" xmlns:mc="http://schemas.openxmlformats.org/markup-compatibility/2006" xmlns:mv="urn:schemas-microsoft-com:mac:vml" xmlns:p="http://schemas.openxmlformats.org/presentationml/2006/main" xmlns:c="http://schemas.openxmlformats.org/drawingml/2006/chart" xmlns:dgm="http://schemas.openxmlformats.org/drawingml/2006/diagram" xmlns:o="urn:schemas-microsoft-com:office:office" xmlns:v="urn:schemas-microsoft-com:vml" xmlns:pvml="urn:schemas-microsoft-com:office:powerpoint" xmlns:com="http://schemas.openxmlformats.org/drawingml/2006/compatibility" xmlns:p14="http://schemas.microsoft.com/office/powerpoint/2010/main" xmlns:p15="http://schemas.microsoft.com/office/powerpoint/2012/main" showMasterPhAnim="0" showMasterSp="0">
+<p:notes xmlns:a="http://schemas.openxmlformats.org/drawingml/2006/main" xmlns:r="http://schemas.openxmlformats.org/officeDocument/2006/relationships" xmlns:p="http://schemas.openxmlformats.org/presentationml/2006/main" showMasterSp="0" showMasterPhAnim="0">
   <p:cSld>
     <p:spTree>
       <p:nvGrpSpPr>
-        <p:cNvPr id="62" name="Shape 62"/>
+        <p:cNvPr id="1" name="Shape 62"/>
         <p:cNvGrpSpPr/>
         <p:nvPr/>
       </p:nvGrpSpPr>
@@ -794,9 +824,11 @@
       <p:sp>
         <p:nvSpPr>
           <p:cNvPr id="63" name="Google Shape;63;p2:notes"/>
-          <p:cNvSpPr txBox="1"/>
+          <p:cNvSpPr txBox="1">
+            <a:spLocks noGrp="1"/>
+          </p:cNvSpPr>
           <p:nvPr>
-            <p:ph idx="1" type="body"/>
+            <p:ph type="body" idx="1"/>
           </p:nvPr>
         </p:nvSpPr>
         <p:spPr>
@@ -809,12 +841,12 @@
           </a:prstGeom>
         </p:spPr>
         <p:txBody>
-          <a:bodyPr anchorCtr="0" anchor="t" bIns="91425" lIns="91425" spcFirstLastPara="1" rIns="91425" wrap="square" tIns="91425">
+          <a:bodyPr spcFirstLastPara="1" wrap="square" lIns="91425" tIns="91425" rIns="91425" bIns="91425" anchor="t" anchorCtr="0">
             <a:noAutofit/>
           </a:bodyPr>
           <a:lstStyle/>
           <a:p>
-            <a:pPr indent="0" lvl="0" marL="0" rtl="0" algn="l">
+            <a:pPr marL="0" lvl="0" indent="0" algn="l" rtl="0">
               <a:spcBef>
                 <a:spcPts val="0"/>
               </a:spcBef>
@@ -823,9 +855,6 @@
               </a:spcAft>
               <a:buNone/>
             </a:pPr>
-            <a:r>
-              <a:t/>
-            </a:r>
             <a:endParaRPr/>
           </a:p>
         </p:txBody>
@@ -833,9 +862,11 @@
       <p:sp>
         <p:nvSpPr>
           <p:cNvPr id="64" name="Google Shape;64;p2:notes"/>
-          <p:cNvSpPr/>
+          <p:cNvSpPr>
+            <a:spLocks noGrp="1" noRot="1" noChangeAspect="1"/>
+          </p:cNvSpPr>
           <p:nvPr>
-            <p:ph idx="2" type="sldImg"/>
+            <p:ph type="sldImg" idx="2"/>
           </p:nvPr>
         </p:nvSpPr>
         <p:spPr>
@@ -844,9 +875,13 @@
             <a:ext cx="4572225" cy="3429000"/>
           </a:xfrm>
           <a:custGeom>
-            <a:rect b="b" l="l" r="r" t="t"/>
+            <a:avLst/>
+            <a:gdLst/>
+            <a:ahLst/>
+            <a:cxnLst/>
+            <a:rect l="l" t="t" r="r" b="b"/>
             <a:pathLst>
-              <a:path extrusionOk="0" h="120000" w="120000">
+              <a:path w="120000" h="120000" extrusionOk="0">
                 <a:moveTo>
                   <a:pt x="0" y="0"/>
                 </a:moveTo>
@@ -866,6 +901,11 @@
         </p:spPr>
       </p:sp>
     </p:spTree>
+    <p:extLst>
+      <p:ext uri="{BB962C8B-B14F-4D97-AF65-F5344CB8AC3E}">
+        <p14:creationId xmlns:p14="http://schemas.microsoft.com/office/powerpoint/2010/main" val="1276525477"/>
+      </p:ext>
+    </p:extLst>
   </p:cSld>
   <p:clrMapOvr>
     <a:masterClrMapping/>
@@ -874,11 +914,11 @@
 </file>
 
 <file path=ppt/notesSlides/notesSlide3.xml><?xml version="1.0" encoding="utf-8"?>
-<p:notes xmlns:a="http://schemas.openxmlformats.org/drawingml/2006/main" xmlns:r="http://schemas.openxmlformats.org/officeDocument/2006/relationships" xmlns:mc="http://schemas.openxmlformats.org/markup-compatibility/2006" xmlns:mv="urn:schemas-microsoft-com:mac:vml" xmlns:p="http://schemas.openxmlformats.org/presentationml/2006/main" xmlns:c="http://schemas.openxmlformats.org/drawingml/2006/chart" xmlns:dgm="http://schemas.openxmlformats.org/drawingml/2006/diagram" xmlns:o="urn:schemas-microsoft-com:office:office" xmlns:v="urn:schemas-microsoft-com:vml" xmlns:pvml="urn:schemas-microsoft-com:office:powerpoint" xmlns:com="http://schemas.openxmlformats.org/drawingml/2006/compatibility" xmlns:p14="http://schemas.microsoft.com/office/powerpoint/2010/main" xmlns:p15="http://schemas.microsoft.com/office/powerpoint/2012/main" showMasterPhAnim="0" showMasterSp="0">
+<p:notes xmlns:a="http://schemas.openxmlformats.org/drawingml/2006/main" xmlns:r="http://schemas.openxmlformats.org/officeDocument/2006/relationships" xmlns:p="http://schemas.openxmlformats.org/presentationml/2006/main" showMasterSp="0" showMasterPhAnim="0">
   <p:cSld>
     <p:spTree>
       <p:nvGrpSpPr>
-        <p:cNvPr id="68" name="Shape 68"/>
+        <p:cNvPr id="1" name="Shape 68"/>
         <p:cNvGrpSpPr/>
         <p:nvPr/>
       </p:nvGrpSpPr>
@@ -893,9 +933,11 @@
       <p:sp>
         <p:nvSpPr>
           <p:cNvPr id="69" name="Google Shape;69;p3:notes"/>
-          <p:cNvSpPr txBox="1"/>
+          <p:cNvSpPr txBox="1">
+            <a:spLocks noGrp="1"/>
+          </p:cNvSpPr>
           <p:nvPr>
-            <p:ph idx="1" type="body"/>
+            <p:ph type="body" idx="1"/>
           </p:nvPr>
         </p:nvSpPr>
         <p:spPr>
@@ -908,12 +950,12 @@
           </a:prstGeom>
         </p:spPr>
         <p:txBody>
-          <a:bodyPr anchorCtr="0" anchor="t" bIns="91425" lIns="91425" spcFirstLastPara="1" rIns="91425" wrap="square" tIns="91425">
+          <a:bodyPr spcFirstLastPara="1" wrap="square" lIns="91425" tIns="91425" rIns="91425" bIns="91425" anchor="t" anchorCtr="0">
             <a:noAutofit/>
           </a:bodyPr>
           <a:lstStyle/>
           <a:p>
-            <a:pPr indent="0" lvl="0" marL="0" rtl="0" algn="l">
+            <a:pPr marL="0" lvl="0" indent="0" algn="l" rtl="0">
               <a:spcBef>
                 <a:spcPts val="0"/>
               </a:spcBef>
@@ -922,9 +964,6 @@
               </a:spcAft>
               <a:buNone/>
             </a:pPr>
-            <a:r>
-              <a:t/>
-            </a:r>
             <a:endParaRPr/>
           </a:p>
         </p:txBody>
@@ -932,9 +971,11 @@
       <p:sp>
         <p:nvSpPr>
           <p:cNvPr id="70" name="Google Shape;70;p3:notes"/>
-          <p:cNvSpPr/>
+          <p:cNvSpPr>
+            <a:spLocks noGrp="1" noRot="1" noChangeAspect="1"/>
+          </p:cNvSpPr>
           <p:nvPr>
-            <p:ph idx="2" type="sldImg"/>
+            <p:ph type="sldImg" idx="2"/>
           </p:nvPr>
         </p:nvSpPr>
         <p:spPr>
@@ -943,9 +984,13 @@
             <a:ext cx="4572225" cy="3429000"/>
           </a:xfrm>
           <a:custGeom>
-            <a:rect b="b" l="l" r="r" t="t"/>
+            <a:avLst/>
+            <a:gdLst/>
+            <a:ahLst/>
+            <a:cxnLst/>
+            <a:rect l="l" t="t" r="r" b="b"/>
             <a:pathLst>
-              <a:path extrusionOk="0" h="120000" w="120000">
+              <a:path w="120000" h="120000" extrusionOk="0">
                 <a:moveTo>
                   <a:pt x="0" y="0"/>
                 </a:moveTo>
@@ -965,6 +1010,11 @@
         </p:spPr>
       </p:sp>
     </p:spTree>
+    <p:extLst>
+      <p:ext uri="{BB962C8B-B14F-4D97-AF65-F5344CB8AC3E}">
+        <p14:creationId xmlns:p14="http://schemas.microsoft.com/office/powerpoint/2010/main" val="1202058409"/>
+      </p:ext>
+    </p:extLst>
   </p:cSld>
   <p:clrMapOvr>
     <a:masterClrMapping/>
@@ -973,11 +1023,11 @@
 </file>
 
 <file path=ppt/notesSlides/notesSlide4.xml><?xml version="1.0" encoding="utf-8"?>
-<p:notes xmlns:a="http://schemas.openxmlformats.org/drawingml/2006/main" xmlns:r="http://schemas.openxmlformats.org/officeDocument/2006/relationships" xmlns:mc="http://schemas.openxmlformats.org/markup-compatibility/2006" xmlns:mv="urn:schemas-microsoft-com:mac:vml" xmlns:p="http://schemas.openxmlformats.org/presentationml/2006/main" xmlns:c="http://schemas.openxmlformats.org/drawingml/2006/chart" xmlns:dgm="http://schemas.openxmlformats.org/drawingml/2006/diagram" xmlns:o="urn:schemas-microsoft-com:office:office" xmlns:v="urn:schemas-microsoft-com:vml" xmlns:pvml="urn:schemas-microsoft-com:office:powerpoint" xmlns:com="http://schemas.openxmlformats.org/drawingml/2006/compatibility" xmlns:p14="http://schemas.microsoft.com/office/powerpoint/2010/main" xmlns:p15="http://schemas.microsoft.com/office/powerpoint/2012/main" showMasterPhAnim="0" showMasterSp="0">
+<p:notes xmlns:a="http://schemas.openxmlformats.org/drawingml/2006/main" xmlns:r="http://schemas.openxmlformats.org/officeDocument/2006/relationships" xmlns:p="http://schemas.openxmlformats.org/presentationml/2006/main" showMasterSp="0" showMasterPhAnim="0">
   <p:cSld>
     <p:spTree>
       <p:nvGrpSpPr>
-        <p:cNvPr id="74" name="Shape 74"/>
+        <p:cNvPr id="1" name="Shape 74"/>
         <p:cNvGrpSpPr/>
         <p:nvPr/>
       </p:nvGrpSpPr>
@@ -992,9 +1042,11 @@
       <p:sp>
         <p:nvSpPr>
           <p:cNvPr id="75" name="Google Shape;75;g4264f53127_0_0:notes"/>
-          <p:cNvSpPr/>
+          <p:cNvSpPr>
+            <a:spLocks noGrp="1" noRot="1" noChangeAspect="1"/>
+          </p:cNvSpPr>
           <p:nvPr>
-            <p:ph idx="2" type="sldImg"/>
+            <p:ph type="sldImg" idx="2"/>
           </p:nvPr>
         </p:nvSpPr>
         <p:spPr>
@@ -1003,9 +1055,13 @@
             <a:ext cx="4572300" cy="3429000"/>
           </a:xfrm>
           <a:custGeom>
-            <a:rect b="b" l="l" r="r" t="t"/>
+            <a:avLst/>
+            <a:gdLst/>
+            <a:ahLst/>
+            <a:cxnLst/>
+            <a:rect l="l" t="t" r="r" b="b"/>
             <a:pathLst>
-              <a:path extrusionOk="0" h="120000" w="120000">
+              <a:path w="120000" h="120000" extrusionOk="0">
                 <a:moveTo>
                   <a:pt x="0" y="0"/>
                 </a:moveTo>
@@ -1027,9 +1083,11 @@
       <p:sp>
         <p:nvSpPr>
           <p:cNvPr id="76" name="Google Shape;76;g4264f53127_0_0:notes"/>
-          <p:cNvSpPr txBox="1"/>
+          <p:cNvSpPr txBox="1">
+            <a:spLocks noGrp="1"/>
+          </p:cNvSpPr>
           <p:nvPr>
-            <p:ph idx="1" type="body"/>
+            <p:ph type="body" idx="1"/>
           </p:nvPr>
         </p:nvSpPr>
         <p:spPr>
@@ -1042,12 +1100,12 @@
           </a:prstGeom>
         </p:spPr>
         <p:txBody>
-          <a:bodyPr anchorCtr="0" anchor="t" bIns="91425" lIns="91425" spcFirstLastPara="1" rIns="91425" wrap="square" tIns="91425">
+          <a:bodyPr spcFirstLastPara="1" wrap="square" lIns="91425" tIns="91425" rIns="91425" bIns="91425" anchor="t" anchorCtr="0">
             <a:noAutofit/>
           </a:bodyPr>
           <a:lstStyle/>
           <a:p>
-            <a:pPr indent="0" lvl="0" marL="0" rtl="0" algn="l">
+            <a:pPr marL="0" lvl="0" indent="0" algn="l" rtl="0">
               <a:spcBef>
                 <a:spcPts val="0"/>
               </a:spcBef>
@@ -1056,14 +1114,16 @@
               </a:spcAft>
               <a:buNone/>
             </a:pPr>
-            <a:r>
-              <a:t/>
-            </a:r>
             <a:endParaRPr/>
           </a:p>
         </p:txBody>
       </p:sp>
     </p:spTree>
+    <p:extLst>
+      <p:ext uri="{BB962C8B-B14F-4D97-AF65-F5344CB8AC3E}">
+        <p14:creationId xmlns:p14="http://schemas.microsoft.com/office/powerpoint/2010/main" val="1617012734"/>
+      </p:ext>
+    </p:extLst>
   </p:cSld>
   <p:clrMapOvr>
     <a:masterClrMapping/>
@@ -1072,11 +1132,11 @@
 </file>
 
 <file path=ppt/notesSlides/notesSlide5.xml><?xml version="1.0" encoding="utf-8"?>
-<p:notes xmlns:a="http://schemas.openxmlformats.org/drawingml/2006/main" xmlns:r="http://schemas.openxmlformats.org/officeDocument/2006/relationships" xmlns:mc="http://schemas.openxmlformats.org/markup-compatibility/2006" xmlns:mv="urn:schemas-microsoft-com:mac:vml" xmlns:p="http://schemas.openxmlformats.org/presentationml/2006/main" xmlns:c="http://schemas.openxmlformats.org/drawingml/2006/chart" xmlns:dgm="http://schemas.openxmlformats.org/drawingml/2006/diagram" xmlns:o="urn:schemas-microsoft-com:office:office" xmlns:v="urn:schemas-microsoft-com:vml" xmlns:pvml="urn:schemas-microsoft-com:office:powerpoint" xmlns:com="http://schemas.openxmlformats.org/drawingml/2006/compatibility" xmlns:p14="http://schemas.microsoft.com/office/powerpoint/2010/main" xmlns:p15="http://schemas.microsoft.com/office/powerpoint/2012/main" showMasterPhAnim="0" showMasterSp="0">
+<p:notes xmlns:a="http://schemas.openxmlformats.org/drawingml/2006/main" xmlns:r="http://schemas.openxmlformats.org/officeDocument/2006/relationships" xmlns:p="http://schemas.openxmlformats.org/presentationml/2006/main" showMasterSp="0" showMasterPhAnim="0">
   <p:cSld>
     <p:spTree>
       <p:nvGrpSpPr>
-        <p:cNvPr id="80" name="Shape 80"/>
+        <p:cNvPr id="1" name="Shape 80"/>
         <p:cNvGrpSpPr/>
         <p:nvPr/>
       </p:nvGrpSpPr>
@@ -1091,9 +1151,11 @@
       <p:sp>
         <p:nvSpPr>
           <p:cNvPr id="81" name="Google Shape;81;p5:notes"/>
-          <p:cNvSpPr txBox="1"/>
+          <p:cNvSpPr txBox="1">
+            <a:spLocks noGrp="1"/>
+          </p:cNvSpPr>
           <p:nvPr>
-            <p:ph idx="1" type="body"/>
+            <p:ph type="body" idx="1"/>
           </p:nvPr>
         </p:nvSpPr>
         <p:spPr>
@@ -1106,12 +1168,12 @@
           </a:prstGeom>
         </p:spPr>
         <p:txBody>
-          <a:bodyPr anchorCtr="0" anchor="t" bIns="91425" lIns="91425" spcFirstLastPara="1" rIns="91425" wrap="square" tIns="91425">
+          <a:bodyPr spcFirstLastPara="1" wrap="square" lIns="91425" tIns="91425" rIns="91425" bIns="91425" anchor="t" anchorCtr="0">
             <a:noAutofit/>
           </a:bodyPr>
           <a:lstStyle/>
           <a:p>
-            <a:pPr indent="0" lvl="0" marL="0" rtl="0" algn="l">
+            <a:pPr marL="0" lvl="0" indent="0" algn="l" rtl="0">
               <a:spcBef>
                 <a:spcPts val="0"/>
               </a:spcBef>
@@ -1120,9 +1182,6 @@
               </a:spcAft>
               <a:buNone/>
             </a:pPr>
-            <a:r>
-              <a:t/>
-            </a:r>
             <a:endParaRPr/>
           </a:p>
         </p:txBody>
@@ -1130,9 +1189,11 @@
       <p:sp>
         <p:nvSpPr>
           <p:cNvPr id="82" name="Google Shape;82;p5:notes"/>
-          <p:cNvSpPr/>
+          <p:cNvSpPr>
+            <a:spLocks noGrp="1" noRot="1" noChangeAspect="1"/>
+          </p:cNvSpPr>
           <p:nvPr>
-            <p:ph idx="2" type="sldImg"/>
+            <p:ph type="sldImg" idx="2"/>
           </p:nvPr>
         </p:nvSpPr>
         <p:spPr>
@@ -1141,9 +1202,13 @@
             <a:ext cx="4572225" cy="3429000"/>
           </a:xfrm>
           <a:custGeom>
-            <a:rect b="b" l="l" r="r" t="t"/>
+            <a:avLst/>
+            <a:gdLst/>
+            <a:ahLst/>
+            <a:cxnLst/>
+            <a:rect l="l" t="t" r="r" b="b"/>
             <a:pathLst>
-              <a:path extrusionOk="0" h="120000" w="120000">
+              <a:path w="120000" h="120000" extrusionOk="0">
                 <a:moveTo>
                   <a:pt x="0" y="0"/>
                 </a:moveTo>
@@ -1163,6 +1228,11 @@
         </p:spPr>
       </p:sp>
     </p:spTree>
+    <p:extLst>
+      <p:ext uri="{BB962C8B-B14F-4D97-AF65-F5344CB8AC3E}">
+        <p14:creationId xmlns:p14="http://schemas.microsoft.com/office/powerpoint/2010/main" val="727467553"/>
+      </p:ext>
+    </p:extLst>
   </p:cSld>
   <p:clrMapOvr>
     <a:masterClrMapping/>
@@ -1171,11 +1241,11 @@
 </file>
 
 <file path=ppt/notesSlides/notesSlide6.xml><?xml version="1.0" encoding="utf-8"?>
-<p:notes xmlns:a="http://schemas.openxmlformats.org/drawingml/2006/main" xmlns:r="http://schemas.openxmlformats.org/officeDocument/2006/relationships" xmlns:mc="http://schemas.openxmlformats.org/markup-compatibility/2006" xmlns:mv="urn:schemas-microsoft-com:mac:vml" xmlns:p="http://schemas.openxmlformats.org/presentationml/2006/main" xmlns:c="http://schemas.openxmlformats.org/drawingml/2006/chart" xmlns:dgm="http://schemas.openxmlformats.org/drawingml/2006/diagram" xmlns:o="urn:schemas-microsoft-com:office:office" xmlns:v="urn:schemas-microsoft-com:vml" xmlns:pvml="urn:schemas-microsoft-com:office:powerpoint" xmlns:com="http://schemas.openxmlformats.org/drawingml/2006/compatibility" xmlns:p14="http://schemas.microsoft.com/office/powerpoint/2010/main" xmlns:p15="http://schemas.microsoft.com/office/powerpoint/2012/main" showMasterPhAnim="0" showMasterSp="0">
+<p:notes xmlns:a="http://schemas.openxmlformats.org/drawingml/2006/main" xmlns:r="http://schemas.openxmlformats.org/officeDocument/2006/relationships" xmlns:p="http://schemas.openxmlformats.org/presentationml/2006/main" showMasterSp="0" showMasterPhAnim="0">
   <p:cSld>
     <p:spTree>
       <p:nvGrpSpPr>
-        <p:cNvPr id="86" name="Shape 86"/>
+        <p:cNvPr id="1" name="Shape 86"/>
         <p:cNvGrpSpPr/>
         <p:nvPr/>
       </p:nvGrpSpPr>
@@ -1190,9 +1260,11 @@
       <p:sp>
         <p:nvSpPr>
           <p:cNvPr id="87" name="Google Shape;87;g41d653376a_0_51:notes"/>
-          <p:cNvSpPr/>
+          <p:cNvSpPr>
+            <a:spLocks noGrp="1" noRot="1" noChangeAspect="1"/>
+          </p:cNvSpPr>
           <p:nvPr>
-            <p:ph idx="2" type="sldImg"/>
+            <p:ph type="sldImg" idx="2"/>
           </p:nvPr>
         </p:nvSpPr>
         <p:spPr>
@@ -1201,9 +1273,13 @@
             <a:ext cx="4572300" cy="3429000"/>
           </a:xfrm>
           <a:custGeom>
-            <a:rect b="b" l="l" r="r" t="t"/>
+            <a:avLst/>
+            <a:gdLst/>
+            <a:ahLst/>
+            <a:cxnLst/>
+            <a:rect l="l" t="t" r="r" b="b"/>
             <a:pathLst>
-              <a:path extrusionOk="0" h="120000" w="120000">
+              <a:path w="120000" h="120000" extrusionOk="0">
                 <a:moveTo>
                   <a:pt x="0" y="0"/>
                 </a:moveTo>
@@ -1225,9 +1301,11 @@
       <p:sp>
         <p:nvSpPr>
           <p:cNvPr id="88" name="Google Shape;88;g41d653376a_0_51:notes"/>
-          <p:cNvSpPr txBox="1"/>
+          <p:cNvSpPr txBox="1">
+            <a:spLocks noGrp="1"/>
+          </p:cNvSpPr>
           <p:nvPr>
-            <p:ph idx="1" type="body"/>
+            <p:ph type="body" idx="1"/>
           </p:nvPr>
         </p:nvSpPr>
         <p:spPr>
@@ -1240,12 +1318,12 @@
           </a:prstGeom>
         </p:spPr>
         <p:txBody>
-          <a:bodyPr anchorCtr="0" anchor="t" bIns="91425" lIns="91425" spcFirstLastPara="1" rIns="91425" wrap="square" tIns="91425">
+          <a:bodyPr spcFirstLastPara="1" wrap="square" lIns="91425" tIns="91425" rIns="91425" bIns="91425" anchor="t" anchorCtr="0">
             <a:noAutofit/>
           </a:bodyPr>
           <a:lstStyle/>
           <a:p>
-            <a:pPr indent="0" lvl="0" marL="0" rtl="0" algn="l">
+            <a:pPr marL="0" lvl="0" indent="0" algn="l" rtl="0">
               <a:spcBef>
                 <a:spcPts val="0"/>
               </a:spcBef>
@@ -1254,14 +1332,16 @@
               </a:spcAft>
               <a:buNone/>
             </a:pPr>
-            <a:r>
-              <a:t/>
-            </a:r>
             <a:endParaRPr/>
           </a:p>
         </p:txBody>
       </p:sp>
     </p:spTree>
+    <p:extLst>
+      <p:ext uri="{BB962C8B-B14F-4D97-AF65-F5344CB8AC3E}">
+        <p14:creationId xmlns:p14="http://schemas.microsoft.com/office/powerpoint/2010/main" val="922760900"/>
+      </p:ext>
+    </p:extLst>
   </p:cSld>
   <p:clrMapOvr>
     <a:masterClrMapping/>
@@ -1270,11 +1350,11 @@
 </file>
 
 <file path=ppt/notesSlides/notesSlide7.xml><?xml version="1.0" encoding="utf-8"?>
-<p:notes xmlns:a="http://schemas.openxmlformats.org/drawingml/2006/main" xmlns:r="http://schemas.openxmlformats.org/officeDocument/2006/relationships" xmlns:mc="http://schemas.openxmlformats.org/markup-compatibility/2006" xmlns:mv="urn:schemas-microsoft-com:mac:vml" xmlns:p="http://schemas.openxmlformats.org/presentationml/2006/main" xmlns:c="http://schemas.openxmlformats.org/drawingml/2006/chart" xmlns:dgm="http://schemas.openxmlformats.org/drawingml/2006/diagram" xmlns:o="urn:schemas-microsoft-com:office:office" xmlns:v="urn:schemas-microsoft-com:vml" xmlns:pvml="urn:schemas-microsoft-com:office:powerpoint" xmlns:com="http://schemas.openxmlformats.org/drawingml/2006/compatibility" xmlns:p14="http://schemas.microsoft.com/office/powerpoint/2010/main" xmlns:p15="http://schemas.microsoft.com/office/powerpoint/2012/main" showMasterPhAnim="0" showMasterSp="0">
+<p:notes xmlns:a="http://schemas.openxmlformats.org/drawingml/2006/main" xmlns:r="http://schemas.openxmlformats.org/officeDocument/2006/relationships" xmlns:p="http://schemas.openxmlformats.org/presentationml/2006/main" showMasterSp="0" showMasterPhAnim="0">
   <p:cSld>
     <p:spTree>
       <p:nvGrpSpPr>
-        <p:cNvPr id="92" name="Shape 92"/>
+        <p:cNvPr id="1" name="Shape 92"/>
         <p:cNvGrpSpPr/>
         <p:nvPr/>
       </p:nvGrpSpPr>
@@ -1289,9 +1369,11 @@
       <p:sp>
         <p:nvSpPr>
           <p:cNvPr id="93" name="Google Shape;93;p6:notes"/>
-          <p:cNvSpPr txBox="1"/>
+          <p:cNvSpPr txBox="1">
+            <a:spLocks noGrp="1"/>
+          </p:cNvSpPr>
           <p:nvPr>
-            <p:ph idx="1" type="body"/>
+            <p:ph type="body" idx="1"/>
           </p:nvPr>
         </p:nvSpPr>
         <p:spPr>
@@ -1304,12 +1386,12 @@
           </a:prstGeom>
         </p:spPr>
         <p:txBody>
-          <a:bodyPr anchorCtr="0" anchor="t" bIns="91425" lIns="91425" spcFirstLastPara="1" rIns="91425" wrap="square" tIns="91425">
+          <a:bodyPr spcFirstLastPara="1" wrap="square" lIns="91425" tIns="91425" rIns="91425" bIns="91425" anchor="t" anchorCtr="0">
             <a:noAutofit/>
           </a:bodyPr>
           <a:lstStyle/>
           <a:p>
-            <a:pPr indent="0" lvl="0" marL="0" rtl="0" algn="l">
+            <a:pPr marL="0" lvl="0" indent="0" algn="l" rtl="0">
               <a:spcBef>
                 <a:spcPts val="0"/>
               </a:spcBef>
@@ -1318,9 +1400,6 @@
               </a:spcAft>
               <a:buNone/>
             </a:pPr>
-            <a:r>
-              <a:t/>
-            </a:r>
             <a:endParaRPr/>
           </a:p>
         </p:txBody>
@@ -1328,9 +1407,11 @@
       <p:sp>
         <p:nvSpPr>
           <p:cNvPr id="94" name="Google Shape;94;p6:notes"/>
-          <p:cNvSpPr/>
+          <p:cNvSpPr>
+            <a:spLocks noGrp="1" noRot="1" noChangeAspect="1"/>
+          </p:cNvSpPr>
           <p:nvPr>
-            <p:ph idx="2" type="sldImg"/>
+            <p:ph type="sldImg" idx="2"/>
           </p:nvPr>
         </p:nvSpPr>
         <p:spPr>
@@ -1339,9 +1420,13 @@
             <a:ext cx="4572225" cy="3429000"/>
           </a:xfrm>
           <a:custGeom>
-            <a:rect b="b" l="l" r="r" t="t"/>
+            <a:avLst/>
+            <a:gdLst/>
+            <a:ahLst/>
+            <a:cxnLst/>
+            <a:rect l="l" t="t" r="r" b="b"/>
             <a:pathLst>
-              <a:path extrusionOk="0" h="120000" w="120000">
+              <a:path w="120000" h="120000" extrusionOk="0">
                 <a:moveTo>
                   <a:pt x="0" y="0"/>
                 </a:moveTo>
@@ -1361,6 +1446,11 @@
         </p:spPr>
       </p:sp>
     </p:spTree>
+    <p:extLst>
+      <p:ext uri="{BB962C8B-B14F-4D97-AF65-F5344CB8AC3E}">
+        <p14:creationId xmlns:p14="http://schemas.microsoft.com/office/powerpoint/2010/main" val="1863031313"/>
+      </p:ext>
+    </p:extLst>
   </p:cSld>
   <p:clrMapOvr>
     <a:masterClrMapping/>
@@ -1369,11 +1459,11 @@
 </file>
 
 <file path=ppt/notesSlides/notesSlide8.xml><?xml version="1.0" encoding="utf-8"?>
-<p:notes xmlns:a="http://schemas.openxmlformats.org/drawingml/2006/main" xmlns:r="http://schemas.openxmlformats.org/officeDocument/2006/relationships" xmlns:mc="http://schemas.openxmlformats.org/markup-compatibility/2006" xmlns:mv="urn:schemas-microsoft-com:mac:vml" xmlns:p="http://schemas.openxmlformats.org/presentationml/2006/main" xmlns:c="http://schemas.openxmlformats.org/drawingml/2006/chart" xmlns:dgm="http://schemas.openxmlformats.org/drawingml/2006/diagram" xmlns:o="urn:schemas-microsoft-com:office:office" xmlns:v="urn:schemas-microsoft-com:vml" xmlns:pvml="urn:schemas-microsoft-com:office:powerpoint" xmlns:com="http://schemas.openxmlformats.org/drawingml/2006/compatibility" xmlns:p14="http://schemas.microsoft.com/office/powerpoint/2010/main" xmlns:p15="http://schemas.microsoft.com/office/powerpoint/2012/main" showMasterPhAnim="0" showMasterSp="0">
+<p:notes xmlns:a="http://schemas.openxmlformats.org/drawingml/2006/main" xmlns:r="http://schemas.openxmlformats.org/officeDocument/2006/relationships" xmlns:p="http://schemas.openxmlformats.org/presentationml/2006/main" showMasterSp="0" showMasterPhAnim="0">
   <p:cSld>
     <p:spTree>
       <p:nvGrpSpPr>
-        <p:cNvPr id="98" name="Shape 98"/>
+        <p:cNvPr id="1" name="Shape 98"/>
         <p:cNvGrpSpPr/>
         <p:nvPr/>
       </p:nvGrpSpPr>
@@ -1388,9 +1478,11 @@
       <p:sp>
         <p:nvSpPr>
           <p:cNvPr id="99" name="Google Shape;99;g41d7f812a5_0_5:notes"/>
-          <p:cNvSpPr txBox="1"/>
+          <p:cNvSpPr txBox="1">
+            <a:spLocks noGrp="1"/>
+          </p:cNvSpPr>
           <p:nvPr>
-            <p:ph idx="1" type="body"/>
+            <p:ph type="body" idx="1"/>
           </p:nvPr>
         </p:nvSpPr>
         <p:spPr>
@@ -1403,12 +1495,12 @@
           </a:prstGeom>
         </p:spPr>
         <p:txBody>
-          <a:bodyPr anchorCtr="0" anchor="t" bIns="91425" lIns="91425" spcFirstLastPara="1" rIns="91425" wrap="square" tIns="91425">
+          <a:bodyPr spcFirstLastPara="1" wrap="square" lIns="91425" tIns="91425" rIns="91425" bIns="91425" anchor="t" anchorCtr="0">
             <a:noAutofit/>
           </a:bodyPr>
           <a:lstStyle/>
           <a:p>
-            <a:pPr indent="0" lvl="0" marL="0" rtl="0" algn="l">
+            <a:pPr marL="0" lvl="0" indent="0" algn="l" rtl="0">
               <a:spcBef>
                 <a:spcPts val="0"/>
               </a:spcBef>
@@ -1417,9 +1509,6 @@
               </a:spcAft>
               <a:buNone/>
             </a:pPr>
-            <a:r>
-              <a:t/>
-            </a:r>
             <a:endParaRPr/>
           </a:p>
         </p:txBody>
@@ -1427,9 +1516,11 @@
       <p:sp>
         <p:nvSpPr>
           <p:cNvPr id="100" name="Google Shape;100;g41d7f812a5_0_5:notes"/>
-          <p:cNvSpPr/>
+          <p:cNvSpPr>
+            <a:spLocks noGrp="1" noRot="1" noChangeAspect="1"/>
+          </p:cNvSpPr>
           <p:nvPr>
-            <p:ph idx="2" type="sldImg"/>
+            <p:ph type="sldImg" idx="2"/>
           </p:nvPr>
         </p:nvSpPr>
         <p:spPr>
@@ -1438,9 +1529,13 @@
             <a:ext cx="4572300" cy="3429000"/>
           </a:xfrm>
           <a:custGeom>
-            <a:rect b="b" l="l" r="r" t="t"/>
+            <a:avLst/>
+            <a:gdLst/>
+            <a:ahLst/>
+            <a:cxnLst/>
+            <a:rect l="l" t="t" r="r" b="b"/>
             <a:pathLst>
-              <a:path extrusionOk="0" h="120000" w="120000">
+              <a:path w="120000" h="120000" extrusionOk="0">
                 <a:moveTo>
                   <a:pt x="0" y="0"/>
                 </a:moveTo>
@@ -1460,6 +1555,11 @@
         </p:spPr>
       </p:sp>
     </p:spTree>
+    <p:extLst>
+      <p:ext uri="{BB962C8B-B14F-4D97-AF65-F5344CB8AC3E}">
+        <p14:creationId xmlns:p14="http://schemas.microsoft.com/office/powerpoint/2010/main" val="1655704331"/>
+      </p:ext>
+    </p:extLst>
   </p:cSld>
   <p:clrMapOvr>
     <a:masterClrMapping/>
@@ -1468,11 +1568,11 @@
 </file>
 
 <file path=ppt/slideLayouts/slideLayout1.xml><?xml version="1.0" encoding="utf-8"?>
-<p:sldLayout xmlns:a="http://schemas.openxmlformats.org/drawingml/2006/main" xmlns:r="http://schemas.openxmlformats.org/officeDocument/2006/relationships" xmlns:mc="http://schemas.openxmlformats.org/markup-compatibility/2006" xmlns:mv="urn:schemas-microsoft-com:mac:vml" xmlns:p="http://schemas.openxmlformats.org/presentationml/2006/main" xmlns:c="http://schemas.openxmlformats.org/drawingml/2006/chart" xmlns:dgm="http://schemas.openxmlformats.org/drawingml/2006/diagram" xmlns:o="urn:schemas-microsoft-com:office:office" xmlns:v="urn:schemas-microsoft-com:vml" xmlns:pvml="urn:schemas-microsoft-com:office:powerpoint" xmlns:com="http://schemas.openxmlformats.org/drawingml/2006/compatibility" xmlns:p14="http://schemas.microsoft.com/office/powerpoint/2010/main" xmlns:p15="http://schemas.microsoft.com/office/powerpoint/2012/main" matchingName="Title slide" type="title">
+<p:sldLayout xmlns:a="http://schemas.openxmlformats.org/drawingml/2006/main" xmlns:r="http://schemas.openxmlformats.org/officeDocument/2006/relationships" xmlns:p="http://schemas.openxmlformats.org/presentationml/2006/main" matchingName="Title slide" type="title">
   <p:cSld name="TITLE">
     <p:spTree>
       <p:nvGrpSpPr>
-        <p:cNvPr id="9" name="Shape 9"/>
+        <p:cNvPr id="1" name="Shape 9"/>
         <p:cNvGrpSpPr/>
         <p:nvPr/>
       </p:nvGrpSpPr>
@@ -1487,7 +1587,9 @@
       <p:sp>
         <p:nvSpPr>
           <p:cNvPr id="10" name="Google Shape;10;p2"/>
-          <p:cNvSpPr txBox="1"/>
+          <p:cNvSpPr txBox="1">
+            <a:spLocks noGrp="1"/>
+          </p:cNvSpPr>
           <p:nvPr>
             <p:ph type="ctrTitle"/>
           </p:nvPr>
@@ -1502,7 +1604,7 @@
           </a:prstGeom>
         </p:spPr>
         <p:txBody>
-          <a:bodyPr anchorCtr="0" anchor="b" bIns="121900" lIns="121900" spcFirstLastPara="1" rIns="121900" wrap="square" tIns="121900"/>
+          <a:bodyPr spcFirstLastPara="1" wrap="square" lIns="121900" tIns="121900" rIns="121900" bIns="121900" anchor="b" anchorCtr="0"/>
           <a:lstStyle>
             <a:lvl1pPr lvl="0" algn="ctr">
               <a:spcBef>
@@ -1604,15 +1706,19 @@
               <a:defRPr sz="6900"/>
             </a:lvl9pPr>
           </a:lstStyle>
-          <a:p/>
+          <a:p>
+            <a:endParaRPr/>
+          </a:p>
         </p:txBody>
       </p:sp>
       <p:sp>
         <p:nvSpPr>
           <p:cNvPr id="11" name="Google Shape;11;p2"/>
-          <p:cNvSpPr txBox="1"/>
+          <p:cNvSpPr txBox="1">
+            <a:spLocks noGrp="1"/>
+          </p:cNvSpPr>
           <p:nvPr>
-            <p:ph idx="1" type="subTitle"/>
+            <p:ph type="subTitle" idx="1"/>
           </p:nvPr>
         </p:nvSpPr>
         <p:spPr>
@@ -1625,7 +1731,7 @@
           </a:prstGeom>
         </p:spPr>
         <p:txBody>
-          <a:bodyPr anchorCtr="0" anchor="t" bIns="121900" lIns="121900" spcFirstLastPara="1" rIns="121900" wrap="square" tIns="121900"/>
+          <a:bodyPr spcFirstLastPara="1" wrap="square" lIns="121900" tIns="121900" rIns="121900" bIns="121900" anchor="t" anchorCtr="0"/>
           <a:lstStyle>
             <a:lvl1pPr lvl="0" algn="ctr">
               <a:lnSpc>
@@ -1754,15 +1860,19 @@
               <a:defRPr sz="3700"/>
             </a:lvl9pPr>
           </a:lstStyle>
-          <a:p/>
+          <a:p>
+            <a:endParaRPr/>
+          </a:p>
         </p:txBody>
       </p:sp>
       <p:sp>
         <p:nvSpPr>
           <p:cNvPr id="12" name="Google Shape;12;p2"/>
-          <p:cNvSpPr txBox="1"/>
+          <p:cNvSpPr txBox="1">
+            <a:spLocks noGrp="1"/>
+          </p:cNvSpPr>
           <p:nvPr>
-            <p:ph idx="12" type="sldNum"/>
+            <p:ph type="sldNum" idx="12"/>
           </p:nvPr>
         </p:nvSpPr>
         <p:spPr>
@@ -1775,7 +1885,7 @@
           </a:prstGeom>
         </p:spPr>
         <p:txBody>
-          <a:bodyPr anchorCtr="0" anchor="ctr" bIns="121900" lIns="121900" spcFirstLastPara="1" rIns="121900" wrap="square" tIns="121900">
+          <a:bodyPr spcFirstLastPara="1" wrap="square" lIns="121900" tIns="121900" rIns="121900" bIns="121900" anchor="ctr" anchorCtr="0">
             <a:noAutofit/>
           </a:bodyPr>
           <a:lstStyle>
@@ -1817,7 +1927,7 @@
             </a:lvl9pPr>
           </a:lstStyle>
           <a:p>
-            <a:pPr indent="0" lvl="0" marL="0" rtl="0" algn="r">
+            <a:pPr marL="0" lvl="0" indent="0" algn="r" rtl="0">
               <a:spcBef>
                 <a:spcPts val="0"/>
               </a:spcBef>
@@ -1843,11 +1953,11 @@
 </file>
 
 <file path=ppt/slideLayouts/slideLayout10.xml><?xml version="1.0" encoding="utf-8"?>
-<p:sldLayout xmlns:a="http://schemas.openxmlformats.org/drawingml/2006/main" xmlns:r="http://schemas.openxmlformats.org/officeDocument/2006/relationships" xmlns:mc="http://schemas.openxmlformats.org/markup-compatibility/2006" xmlns:mv="urn:schemas-microsoft-com:mac:vml" xmlns:p="http://schemas.openxmlformats.org/presentationml/2006/main" xmlns:c="http://schemas.openxmlformats.org/drawingml/2006/chart" xmlns:dgm="http://schemas.openxmlformats.org/drawingml/2006/diagram" xmlns:o="urn:schemas-microsoft-com:office:office" xmlns:v="urn:schemas-microsoft-com:vml" xmlns:pvml="urn:schemas-microsoft-com:office:powerpoint" xmlns:com="http://schemas.openxmlformats.org/drawingml/2006/compatibility" xmlns:p14="http://schemas.microsoft.com/office/powerpoint/2010/main" xmlns:p15="http://schemas.microsoft.com/office/powerpoint/2012/main" matchingName="Big number">
+<p:sldLayout xmlns:a="http://schemas.openxmlformats.org/drawingml/2006/main" xmlns:r="http://schemas.openxmlformats.org/officeDocument/2006/relationships" xmlns:p="http://schemas.openxmlformats.org/presentationml/2006/main" matchingName="Big number">
   <p:cSld name="BIG_NUMBER">
     <p:spTree>
       <p:nvGrpSpPr>
-        <p:cNvPr id="44" name="Shape 44"/>
+        <p:cNvPr id="1" name="Shape 44"/>
         <p:cNvGrpSpPr/>
         <p:nvPr/>
       </p:nvGrpSpPr>
@@ -1862,9 +1972,11 @@
       <p:sp>
         <p:nvSpPr>
           <p:cNvPr id="45" name="Google Shape;45;p11"/>
-          <p:cNvSpPr txBox="1"/>
+          <p:cNvSpPr txBox="1">
+            <a:spLocks noGrp="1"/>
+          </p:cNvSpPr>
           <p:nvPr>
-            <p:ph hasCustomPrompt="1" type="title"/>
+            <p:ph type="title" hasCustomPrompt="1"/>
           </p:nvPr>
         </p:nvSpPr>
         <p:spPr>
@@ -1877,7 +1989,7 @@
           </a:prstGeom>
         </p:spPr>
         <p:txBody>
-          <a:bodyPr anchorCtr="0" anchor="b" bIns="121900" lIns="121900" spcFirstLastPara="1" rIns="121900" wrap="square" tIns="121900"/>
+          <a:bodyPr spcFirstLastPara="1" wrap="square" lIns="121900" tIns="121900" rIns="121900" bIns="121900" anchor="b" anchorCtr="0"/>
           <a:lstStyle>
             <a:lvl1pPr lvl="0" algn="ctr">
               <a:spcBef>
@@ -1989,9 +2101,11 @@
       <p:sp>
         <p:nvSpPr>
           <p:cNvPr id="46" name="Google Shape;46;p11"/>
-          <p:cNvSpPr txBox="1"/>
+          <p:cNvSpPr txBox="1">
+            <a:spLocks noGrp="1"/>
+          </p:cNvSpPr>
           <p:nvPr>
-            <p:ph idx="1" type="body"/>
+            <p:ph type="body" idx="1"/>
           </p:nvPr>
         </p:nvSpPr>
         <p:spPr>
@@ -2004,9 +2118,9 @@
           </a:prstGeom>
         </p:spPr>
         <p:txBody>
-          <a:bodyPr anchorCtr="0" anchor="t" bIns="121900" lIns="121900" spcFirstLastPara="1" rIns="121900" wrap="square" tIns="121900"/>
+          <a:bodyPr spcFirstLastPara="1" wrap="square" lIns="121900" tIns="121900" rIns="121900" bIns="121900" anchor="t" anchorCtr="0"/>
           <a:lstStyle>
-            <a:lvl1pPr indent="-381000" lvl="0" marL="457200" algn="ctr">
+            <a:lvl1pPr marL="457200" lvl="0" indent="-381000" algn="ctr">
               <a:spcBef>
                 <a:spcPts val="0"/>
               </a:spcBef>
@@ -2017,7 +2131,7 @@
               <a:buChar char="●"/>
               <a:defRPr/>
             </a:lvl1pPr>
-            <a:lvl2pPr indent="-349250" lvl="1" marL="914400" algn="ctr">
+            <a:lvl2pPr marL="914400" lvl="1" indent="-349250" algn="ctr">
               <a:spcBef>
                 <a:spcPts val="2100"/>
               </a:spcBef>
@@ -2028,7 +2142,7 @@
               <a:buChar char="○"/>
               <a:defRPr/>
             </a:lvl2pPr>
-            <a:lvl3pPr indent="-349250" lvl="2" marL="1371600" algn="ctr">
+            <a:lvl3pPr marL="1371600" lvl="2" indent="-349250" algn="ctr">
               <a:spcBef>
                 <a:spcPts val="2100"/>
               </a:spcBef>
@@ -2039,7 +2153,7 @@
               <a:buChar char="■"/>
               <a:defRPr/>
             </a:lvl3pPr>
-            <a:lvl4pPr indent="-349250" lvl="3" marL="1828800" algn="ctr">
+            <a:lvl4pPr marL="1828800" lvl="3" indent="-349250" algn="ctr">
               <a:spcBef>
                 <a:spcPts val="2100"/>
               </a:spcBef>
@@ -2050,7 +2164,7 @@
               <a:buChar char="●"/>
               <a:defRPr/>
             </a:lvl4pPr>
-            <a:lvl5pPr indent="-349250" lvl="4" marL="2286000" algn="ctr">
+            <a:lvl5pPr marL="2286000" lvl="4" indent="-349250" algn="ctr">
               <a:spcBef>
                 <a:spcPts val="2100"/>
               </a:spcBef>
@@ -2061,7 +2175,7 @@
               <a:buChar char="○"/>
               <a:defRPr/>
             </a:lvl5pPr>
-            <a:lvl6pPr indent="-349250" lvl="5" marL="2743200" algn="ctr">
+            <a:lvl6pPr marL="2743200" lvl="5" indent="-349250" algn="ctr">
               <a:spcBef>
                 <a:spcPts val="2100"/>
               </a:spcBef>
@@ -2072,7 +2186,7 @@
               <a:buChar char="■"/>
               <a:defRPr/>
             </a:lvl6pPr>
-            <a:lvl7pPr indent="-349250" lvl="6" marL="3200400" algn="ctr">
+            <a:lvl7pPr marL="3200400" lvl="6" indent="-349250" algn="ctr">
               <a:spcBef>
                 <a:spcPts val="2100"/>
               </a:spcBef>
@@ -2083,7 +2197,7 @@
               <a:buChar char="●"/>
               <a:defRPr/>
             </a:lvl7pPr>
-            <a:lvl8pPr indent="-349250" lvl="7" marL="3657600" algn="ctr">
+            <a:lvl8pPr marL="3657600" lvl="7" indent="-349250" algn="ctr">
               <a:spcBef>
                 <a:spcPts val="2100"/>
               </a:spcBef>
@@ -2094,7 +2208,7 @@
               <a:buChar char="○"/>
               <a:defRPr/>
             </a:lvl8pPr>
-            <a:lvl9pPr indent="-349250" lvl="8" marL="4114800" algn="ctr">
+            <a:lvl9pPr marL="4114800" lvl="8" indent="-349250" algn="ctr">
               <a:spcBef>
                 <a:spcPts val="2100"/>
               </a:spcBef>
@@ -2106,15 +2220,19 @@
               <a:defRPr/>
             </a:lvl9pPr>
           </a:lstStyle>
-          <a:p/>
+          <a:p>
+            <a:endParaRPr/>
+          </a:p>
         </p:txBody>
       </p:sp>
       <p:sp>
         <p:nvSpPr>
           <p:cNvPr id="47" name="Google Shape;47;p11"/>
-          <p:cNvSpPr txBox="1"/>
+          <p:cNvSpPr txBox="1">
+            <a:spLocks noGrp="1"/>
+          </p:cNvSpPr>
           <p:nvPr>
-            <p:ph idx="12" type="sldNum"/>
+            <p:ph type="sldNum" idx="12"/>
           </p:nvPr>
         </p:nvSpPr>
         <p:spPr>
@@ -2127,7 +2245,7 @@
           </a:prstGeom>
         </p:spPr>
         <p:txBody>
-          <a:bodyPr anchorCtr="0" anchor="ctr" bIns="121900" lIns="121900" spcFirstLastPara="1" rIns="121900" wrap="square" tIns="121900">
+          <a:bodyPr spcFirstLastPara="1" wrap="square" lIns="121900" tIns="121900" rIns="121900" bIns="121900" anchor="ctr" anchorCtr="0">
             <a:noAutofit/>
           </a:bodyPr>
           <a:lstStyle>
@@ -2169,7 +2287,7 @@
             </a:lvl9pPr>
           </a:lstStyle>
           <a:p>
-            <a:pPr indent="0" lvl="0" marL="0" rtl="0" algn="r">
+            <a:pPr marL="0" lvl="0" indent="0" algn="r" rtl="0">
               <a:spcBef>
                 <a:spcPts val="0"/>
               </a:spcBef>
@@ -2195,11 +2313,11 @@
 </file>
 
 <file path=ppt/slideLayouts/slideLayout11.xml><?xml version="1.0" encoding="utf-8"?>
-<p:sldLayout xmlns:a="http://schemas.openxmlformats.org/drawingml/2006/main" xmlns:r="http://schemas.openxmlformats.org/officeDocument/2006/relationships" xmlns:mc="http://schemas.openxmlformats.org/markup-compatibility/2006" xmlns:mv="urn:schemas-microsoft-com:mac:vml" xmlns:p="http://schemas.openxmlformats.org/presentationml/2006/main" xmlns:c="http://schemas.openxmlformats.org/drawingml/2006/chart" xmlns:dgm="http://schemas.openxmlformats.org/drawingml/2006/diagram" xmlns:o="urn:schemas-microsoft-com:office:office" xmlns:v="urn:schemas-microsoft-com:vml" xmlns:pvml="urn:schemas-microsoft-com:office:powerpoint" xmlns:com="http://schemas.openxmlformats.org/drawingml/2006/compatibility" xmlns:p14="http://schemas.microsoft.com/office/powerpoint/2010/main" xmlns:p15="http://schemas.microsoft.com/office/powerpoint/2012/main" matchingName="Blank" type="blank">
+<p:sldLayout xmlns:a="http://schemas.openxmlformats.org/drawingml/2006/main" xmlns:r="http://schemas.openxmlformats.org/officeDocument/2006/relationships" xmlns:p="http://schemas.openxmlformats.org/presentationml/2006/main" matchingName="Blank" type="blank">
   <p:cSld name="BLANK">
     <p:spTree>
       <p:nvGrpSpPr>
-        <p:cNvPr id="48" name="Shape 48"/>
+        <p:cNvPr id="1" name="Shape 48"/>
         <p:cNvGrpSpPr/>
         <p:nvPr/>
       </p:nvGrpSpPr>
@@ -2214,9 +2332,11 @@
       <p:sp>
         <p:nvSpPr>
           <p:cNvPr id="49" name="Google Shape;49;p12"/>
-          <p:cNvSpPr txBox="1"/>
+          <p:cNvSpPr txBox="1">
+            <a:spLocks noGrp="1"/>
+          </p:cNvSpPr>
           <p:nvPr>
-            <p:ph idx="12" type="sldNum"/>
+            <p:ph type="sldNum" idx="12"/>
           </p:nvPr>
         </p:nvSpPr>
         <p:spPr>
@@ -2229,7 +2349,7 @@
           </a:prstGeom>
         </p:spPr>
         <p:txBody>
-          <a:bodyPr anchorCtr="0" anchor="ctr" bIns="121900" lIns="121900" spcFirstLastPara="1" rIns="121900" wrap="square" tIns="121900">
+          <a:bodyPr spcFirstLastPara="1" wrap="square" lIns="121900" tIns="121900" rIns="121900" bIns="121900" anchor="ctr" anchorCtr="0">
             <a:noAutofit/>
           </a:bodyPr>
           <a:lstStyle>
@@ -2271,7 +2391,7 @@
             </a:lvl9pPr>
           </a:lstStyle>
           <a:p>
-            <a:pPr indent="0" lvl="0" marL="0" rtl="0" algn="r">
+            <a:pPr marL="0" lvl="0" indent="0" algn="r" rtl="0">
               <a:spcBef>
                 <a:spcPts val="0"/>
               </a:spcBef>
@@ -2297,11 +2417,11 @@
 </file>
 
 <file path=ppt/slideLayouts/slideLayout12.xml><?xml version="1.0" encoding="utf-8"?>
-<p:sldLayout xmlns:a="http://schemas.openxmlformats.org/drawingml/2006/main" xmlns:r="http://schemas.openxmlformats.org/officeDocument/2006/relationships" xmlns:mc="http://schemas.openxmlformats.org/markup-compatibility/2006" xmlns:mv="urn:schemas-microsoft-com:mac:vml" xmlns:p="http://schemas.openxmlformats.org/presentationml/2006/main" xmlns:c="http://schemas.openxmlformats.org/drawingml/2006/chart" xmlns:dgm="http://schemas.openxmlformats.org/drawingml/2006/diagram" xmlns:o="urn:schemas-microsoft-com:office:office" xmlns:v="urn:schemas-microsoft-com:vml" xmlns:pvml="urn:schemas-microsoft-com:office:powerpoint" xmlns:com="http://schemas.openxmlformats.org/drawingml/2006/compatibility" xmlns:p14="http://schemas.microsoft.com/office/powerpoint/2010/main" xmlns:p15="http://schemas.microsoft.com/office/powerpoint/2012/main" matchingName="Title and Content" type="obj">
+<p:sldLayout xmlns:a="http://schemas.openxmlformats.org/drawingml/2006/main" xmlns:r="http://schemas.openxmlformats.org/officeDocument/2006/relationships" xmlns:p="http://schemas.openxmlformats.org/presentationml/2006/main" matchingName="Title and Content" type="obj">
   <p:cSld name="OBJECT">
     <p:spTree>
       <p:nvGrpSpPr>
-        <p:cNvPr id="50" name="Shape 50"/>
+        <p:cNvPr id="1" name="Shape 50"/>
         <p:cNvGrpSpPr/>
         <p:nvPr/>
       </p:nvGrpSpPr>
@@ -2316,7 +2436,9 @@
       <p:sp>
         <p:nvSpPr>
           <p:cNvPr id="51" name="Google Shape;51;p13"/>
-          <p:cNvSpPr txBox="1"/>
+          <p:cNvSpPr txBox="1">
+            <a:spLocks noGrp="1"/>
+          </p:cNvSpPr>
           <p:nvPr>
             <p:ph type="title"/>
           </p:nvPr>
@@ -2335,9 +2457,9 @@
           </a:ln>
         </p:spPr>
         <p:txBody>
-          <a:bodyPr anchorCtr="0" anchor="ctr" bIns="45700" lIns="91425" spcFirstLastPara="1" rIns="91425" wrap="square" tIns="45700"/>
+          <a:bodyPr spcFirstLastPara="1" wrap="square" lIns="91425" tIns="45700" rIns="91425" bIns="45700" anchor="ctr" anchorCtr="0"/>
           <a:lstStyle>
-            <a:lvl1pPr lvl="0" marR="0" rtl="0" algn="l">
+            <a:lvl1pPr marR="0" lvl="0" algn="l" rtl="0">
               <a:lnSpc>
                 <a:spcPct val="90000"/>
               </a:lnSpc>
@@ -2353,7 +2475,7 @@
               <a:buSzPts val="4400"/>
               <a:buFont typeface="Calibri"/>
               <a:buNone/>
-              <a:defRPr b="0" i="0" sz="4400" u="none" cap="none" strike="noStrike">
+              <a:defRPr sz="4400" b="0" i="0" u="none" strike="noStrike" cap="none">
                 <a:solidFill>
                   <a:schemeClr val="dk1"/>
                 </a:solidFill>
@@ -2452,15 +2574,19 @@
               <a:defRPr sz="1800"/>
             </a:lvl9pPr>
           </a:lstStyle>
-          <a:p/>
+          <a:p>
+            <a:endParaRPr/>
+          </a:p>
         </p:txBody>
       </p:sp>
       <p:sp>
         <p:nvSpPr>
           <p:cNvPr id="52" name="Google Shape;52;p13"/>
-          <p:cNvSpPr txBox="1"/>
+          <p:cNvSpPr txBox="1">
+            <a:spLocks noGrp="1"/>
+          </p:cNvSpPr>
           <p:nvPr>
-            <p:ph idx="1" type="body"/>
+            <p:ph type="body" idx="1"/>
           </p:nvPr>
         </p:nvSpPr>
         <p:spPr>
@@ -2477,9 +2603,9 @@
           </a:ln>
         </p:spPr>
         <p:txBody>
-          <a:bodyPr anchorCtr="0" anchor="t" bIns="45700" lIns="91425" spcFirstLastPara="1" rIns="91425" wrap="square" tIns="45700"/>
+          <a:bodyPr spcFirstLastPara="1" wrap="square" lIns="91425" tIns="45700" rIns="91425" bIns="45700" anchor="t" anchorCtr="0"/>
           <a:lstStyle>
-            <a:lvl1pPr indent="-406400" lvl="0" marL="457200" marR="0" rtl="0" algn="l">
+            <a:lvl1pPr marL="457200" marR="0" lvl="0" indent="-406400" algn="l" rtl="0">
               <a:lnSpc>
                 <a:spcPct val="90000"/>
               </a:lnSpc>
@@ -2495,7 +2621,7 @@
               <a:buSzPts val="2800"/>
               <a:buFont typeface="Arial"/>
               <a:buChar char="•"/>
-              <a:defRPr b="0" i="0" sz="2800" u="none" cap="none" strike="noStrike">
+              <a:defRPr sz="2800" b="0" i="0" u="none" strike="noStrike" cap="none">
                 <a:solidFill>
                   <a:schemeClr val="dk1"/>
                 </a:solidFill>
@@ -2505,7 +2631,7 @@
                 <a:sym typeface="Calibri"/>
               </a:defRPr>
             </a:lvl1pPr>
-            <a:lvl2pPr indent="-381000" lvl="1" marL="914400" marR="0" rtl="0" algn="l">
+            <a:lvl2pPr marL="914400" marR="0" lvl="1" indent="-381000" algn="l" rtl="0">
               <a:lnSpc>
                 <a:spcPct val="90000"/>
               </a:lnSpc>
@@ -2521,7 +2647,7 @@
               <a:buSzPts val="2400"/>
               <a:buFont typeface="Arial"/>
               <a:buChar char="•"/>
-              <a:defRPr b="0" i="0" sz="2400" u="none" cap="none" strike="noStrike">
+              <a:defRPr sz="2400" b="0" i="0" u="none" strike="noStrike" cap="none">
                 <a:solidFill>
                   <a:schemeClr val="dk1"/>
                 </a:solidFill>
@@ -2531,7 +2657,7 @@
                 <a:sym typeface="Calibri"/>
               </a:defRPr>
             </a:lvl2pPr>
-            <a:lvl3pPr indent="-355600" lvl="2" marL="1371600" marR="0" rtl="0" algn="l">
+            <a:lvl3pPr marL="1371600" marR="0" lvl="2" indent="-355600" algn="l" rtl="0">
               <a:lnSpc>
                 <a:spcPct val="90000"/>
               </a:lnSpc>
@@ -2547,7 +2673,7 @@
               <a:buSzPts val="2000"/>
               <a:buFont typeface="Arial"/>
               <a:buChar char="•"/>
-              <a:defRPr b="0" i="0" sz="2000" u="none" cap="none" strike="noStrike">
+              <a:defRPr sz="2000" b="0" i="0" u="none" strike="noStrike" cap="none">
                 <a:solidFill>
                   <a:schemeClr val="dk1"/>
                 </a:solidFill>
@@ -2557,7 +2683,7 @@
                 <a:sym typeface="Calibri"/>
               </a:defRPr>
             </a:lvl3pPr>
-            <a:lvl4pPr indent="-342900" lvl="3" marL="1828800" marR="0" rtl="0" algn="l">
+            <a:lvl4pPr marL="1828800" marR="0" lvl="3" indent="-342900" algn="l" rtl="0">
               <a:lnSpc>
                 <a:spcPct val="90000"/>
               </a:lnSpc>
@@ -2573,7 +2699,7 @@
               <a:buSzPts val="1800"/>
               <a:buFont typeface="Arial"/>
               <a:buChar char="•"/>
-              <a:defRPr b="0" i="0" sz="1800" u="none" cap="none" strike="noStrike">
+              <a:defRPr sz="1800" b="0" i="0" u="none" strike="noStrike" cap="none">
                 <a:solidFill>
                   <a:schemeClr val="dk1"/>
                 </a:solidFill>
@@ -2583,7 +2709,7 @@
                 <a:sym typeface="Calibri"/>
               </a:defRPr>
             </a:lvl4pPr>
-            <a:lvl5pPr indent="-342900" lvl="4" marL="2286000" marR="0" rtl="0" algn="l">
+            <a:lvl5pPr marL="2286000" marR="0" lvl="4" indent="-342900" algn="l" rtl="0">
               <a:lnSpc>
                 <a:spcPct val="90000"/>
               </a:lnSpc>
@@ -2599,7 +2725,7 @@
               <a:buSzPts val="1800"/>
               <a:buFont typeface="Arial"/>
               <a:buChar char="•"/>
-              <a:defRPr b="0" i="0" sz="1800" u="none" cap="none" strike="noStrike">
+              <a:defRPr sz="1800" b="0" i="0" u="none" strike="noStrike" cap="none">
                 <a:solidFill>
                   <a:schemeClr val="dk1"/>
                 </a:solidFill>
@@ -2609,7 +2735,7 @@
                 <a:sym typeface="Calibri"/>
               </a:defRPr>
             </a:lvl5pPr>
-            <a:lvl6pPr indent="-342900" lvl="5" marL="2743200" marR="0" rtl="0" algn="l">
+            <a:lvl6pPr marL="2743200" marR="0" lvl="5" indent="-342900" algn="l" rtl="0">
               <a:lnSpc>
                 <a:spcPct val="90000"/>
               </a:lnSpc>
@@ -2625,7 +2751,7 @@
               <a:buSzPts val="1800"/>
               <a:buFont typeface="Arial"/>
               <a:buChar char="•"/>
-              <a:defRPr b="0" i="0" sz="1800" u="none" cap="none" strike="noStrike">
+              <a:defRPr sz="1800" b="0" i="0" u="none" strike="noStrike" cap="none">
                 <a:solidFill>
                   <a:schemeClr val="dk1"/>
                 </a:solidFill>
@@ -2635,7 +2761,7 @@
                 <a:sym typeface="Calibri"/>
               </a:defRPr>
             </a:lvl6pPr>
-            <a:lvl7pPr indent="-342900" lvl="6" marL="3200400" marR="0" rtl="0" algn="l">
+            <a:lvl7pPr marL="3200400" marR="0" lvl="6" indent="-342900" algn="l" rtl="0">
               <a:lnSpc>
                 <a:spcPct val="90000"/>
               </a:lnSpc>
@@ -2651,7 +2777,7 @@
               <a:buSzPts val="1800"/>
               <a:buFont typeface="Arial"/>
               <a:buChar char="•"/>
-              <a:defRPr b="0" i="0" sz="1800" u="none" cap="none" strike="noStrike">
+              <a:defRPr sz="1800" b="0" i="0" u="none" strike="noStrike" cap="none">
                 <a:solidFill>
                   <a:schemeClr val="dk1"/>
                 </a:solidFill>
@@ -2661,7 +2787,7 @@
                 <a:sym typeface="Calibri"/>
               </a:defRPr>
             </a:lvl7pPr>
-            <a:lvl8pPr indent="-342900" lvl="7" marL="3657600" marR="0" rtl="0" algn="l">
+            <a:lvl8pPr marL="3657600" marR="0" lvl="7" indent="-342900" algn="l" rtl="0">
               <a:lnSpc>
                 <a:spcPct val="90000"/>
               </a:lnSpc>
@@ -2677,7 +2803,7 @@
               <a:buSzPts val="1800"/>
               <a:buFont typeface="Arial"/>
               <a:buChar char="•"/>
-              <a:defRPr b="0" i="0" sz="1800" u="none" cap="none" strike="noStrike">
+              <a:defRPr sz="1800" b="0" i="0" u="none" strike="noStrike" cap="none">
                 <a:solidFill>
                   <a:schemeClr val="dk1"/>
                 </a:solidFill>
@@ -2687,7 +2813,7 @@
                 <a:sym typeface="Calibri"/>
               </a:defRPr>
             </a:lvl8pPr>
-            <a:lvl9pPr indent="-342900" lvl="8" marL="4114800" marR="0" rtl="0" algn="l">
+            <a:lvl9pPr marL="4114800" marR="0" lvl="8" indent="-342900" algn="l" rtl="0">
               <a:lnSpc>
                 <a:spcPct val="90000"/>
               </a:lnSpc>
@@ -2703,7 +2829,7 @@
               <a:buSzPts val="1800"/>
               <a:buFont typeface="Arial"/>
               <a:buChar char="•"/>
-              <a:defRPr b="0" i="0" sz="1800" u="none" cap="none" strike="noStrike">
+              <a:defRPr sz="1800" b="0" i="0" u="none" strike="noStrike" cap="none">
                 <a:solidFill>
                   <a:schemeClr val="dk1"/>
                 </a:solidFill>
@@ -2714,15 +2840,19 @@
               </a:defRPr>
             </a:lvl9pPr>
           </a:lstStyle>
-          <a:p/>
+          <a:p>
+            <a:endParaRPr/>
+          </a:p>
         </p:txBody>
       </p:sp>
       <p:sp>
         <p:nvSpPr>
           <p:cNvPr id="53" name="Google Shape;53;p13"/>
-          <p:cNvSpPr txBox="1"/>
+          <p:cNvSpPr txBox="1">
+            <a:spLocks noGrp="1"/>
+          </p:cNvSpPr>
           <p:nvPr>
-            <p:ph idx="10" type="dt"/>
+            <p:ph type="dt" idx="10"/>
           </p:nvPr>
         </p:nvSpPr>
         <p:spPr>
@@ -2739,9 +2869,9 @@
           </a:ln>
         </p:spPr>
         <p:txBody>
-          <a:bodyPr anchorCtr="0" anchor="ctr" bIns="45700" lIns="91425" spcFirstLastPara="1" rIns="91425" wrap="square" tIns="45700"/>
+          <a:bodyPr spcFirstLastPara="1" wrap="square" lIns="91425" tIns="45700" rIns="91425" bIns="45700" anchor="ctr" anchorCtr="0"/>
           <a:lstStyle>
-            <a:lvl1pPr lvl="0" marR="0" rtl="0" algn="l">
+            <a:lvl1pPr marR="0" lvl="0" algn="l" rtl="0">
               <a:spcBef>
                 <a:spcPts val="0"/>
               </a:spcBef>
@@ -2750,7 +2880,7 @@
               </a:spcAft>
               <a:buSzPts val="1400"/>
               <a:buNone/>
-              <a:defRPr b="0" i="0" sz="1200" u="none" cap="none" strike="noStrike">
+              <a:defRPr sz="1200" b="0" i="0" u="none" strike="noStrike" cap="none">
                 <a:solidFill>
                   <a:srgbClr val="888888"/>
                 </a:solidFill>
@@ -2760,7 +2890,7 @@
                 <a:sym typeface="Calibri"/>
               </a:defRPr>
             </a:lvl1pPr>
-            <a:lvl2pPr lvl="1" marR="0" rtl="0" algn="l">
+            <a:lvl2pPr marR="0" lvl="1" algn="l" rtl="0">
               <a:spcBef>
                 <a:spcPts val="0"/>
               </a:spcBef>
@@ -2769,7 +2899,7 @@
               </a:spcAft>
               <a:buSzPts val="1400"/>
               <a:buNone/>
-              <a:defRPr b="0" i="0" sz="1800" u="none" cap="none" strike="noStrike">
+              <a:defRPr sz="1800" b="0" i="0" u="none" strike="noStrike" cap="none">
                 <a:solidFill>
                   <a:schemeClr val="dk1"/>
                 </a:solidFill>
@@ -2779,7 +2909,7 @@
                 <a:sym typeface="Calibri"/>
               </a:defRPr>
             </a:lvl2pPr>
-            <a:lvl3pPr lvl="2" marR="0" rtl="0" algn="l">
+            <a:lvl3pPr marR="0" lvl="2" algn="l" rtl="0">
               <a:spcBef>
                 <a:spcPts val="0"/>
               </a:spcBef>
@@ -2788,7 +2918,7 @@
               </a:spcAft>
               <a:buSzPts val="1400"/>
               <a:buNone/>
-              <a:defRPr b="0" i="0" sz="1800" u="none" cap="none" strike="noStrike">
+              <a:defRPr sz="1800" b="0" i="0" u="none" strike="noStrike" cap="none">
                 <a:solidFill>
                   <a:schemeClr val="dk1"/>
                 </a:solidFill>
@@ -2798,7 +2928,7 @@
                 <a:sym typeface="Calibri"/>
               </a:defRPr>
             </a:lvl3pPr>
-            <a:lvl4pPr lvl="3" marR="0" rtl="0" algn="l">
+            <a:lvl4pPr marR="0" lvl="3" algn="l" rtl="0">
               <a:spcBef>
                 <a:spcPts val="0"/>
               </a:spcBef>
@@ -2807,7 +2937,7 @@
               </a:spcAft>
               <a:buSzPts val="1400"/>
               <a:buNone/>
-              <a:defRPr b="0" i="0" sz="1800" u="none" cap="none" strike="noStrike">
+              <a:defRPr sz="1800" b="0" i="0" u="none" strike="noStrike" cap="none">
                 <a:solidFill>
                   <a:schemeClr val="dk1"/>
                 </a:solidFill>
@@ -2817,7 +2947,7 @@
                 <a:sym typeface="Calibri"/>
               </a:defRPr>
             </a:lvl4pPr>
-            <a:lvl5pPr lvl="4" marR="0" rtl="0" algn="l">
+            <a:lvl5pPr marR="0" lvl="4" algn="l" rtl="0">
               <a:spcBef>
                 <a:spcPts val="0"/>
               </a:spcBef>
@@ -2826,7 +2956,7 @@
               </a:spcAft>
               <a:buSzPts val="1400"/>
               <a:buNone/>
-              <a:defRPr b="0" i="0" sz="1800" u="none" cap="none" strike="noStrike">
+              <a:defRPr sz="1800" b="0" i="0" u="none" strike="noStrike" cap="none">
                 <a:solidFill>
                   <a:schemeClr val="dk1"/>
                 </a:solidFill>
@@ -2836,7 +2966,7 @@
                 <a:sym typeface="Calibri"/>
               </a:defRPr>
             </a:lvl5pPr>
-            <a:lvl6pPr lvl="5" marR="0" rtl="0" algn="l">
+            <a:lvl6pPr marR="0" lvl="5" algn="l" rtl="0">
               <a:spcBef>
                 <a:spcPts val="0"/>
               </a:spcBef>
@@ -2845,7 +2975,7 @@
               </a:spcAft>
               <a:buSzPts val="1400"/>
               <a:buNone/>
-              <a:defRPr b="0" i="0" sz="1800" u="none" cap="none" strike="noStrike">
+              <a:defRPr sz="1800" b="0" i="0" u="none" strike="noStrike" cap="none">
                 <a:solidFill>
                   <a:schemeClr val="dk1"/>
                 </a:solidFill>
@@ -2855,7 +2985,7 @@
                 <a:sym typeface="Calibri"/>
               </a:defRPr>
             </a:lvl6pPr>
-            <a:lvl7pPr lvl="6" marR="0" rtl="0" algn="l">
+            <a:lvl7pPr marR="0" lvl="6" algn="l" rtl="0">
               <a:spcBef>
                 <a:spcPts val="0"/>
               </a:spcBef>
@@ -2864,7 +2994,7 @@
               </a:spcAft>
               <a:buSzPts val="1400"/>
               <a:buNone/>
-              <a:defRPr b="0" i="0" sz="1800" u="none" cap="none" strike="noStrike">
+              <a:defRPr sz="1800" b="0" i="0" u="none" strike="noStrike" cap="none">
                 <a:solidFill>
                   <a:schemeClr val="dk1"/>
                 </a:solidFill>
@@ -2874,7 +3004,7 @@
                 <a:sym typeface="Calibri"/>
               </a:defRPr>
             </a:lvl7pPr>
-            <a:lvl8pPr lvl="7" marR="0" rtl="0" algn="l">
+            <a:lvl8pPr marR="0" lvl="7" algn="l" rtl="0">
               <a:spcBef>
                 <a:spcPts val="0"/>
               </a:spcBef>
@@ -2883,7 +3013,7 @@
               </a:spcAft>
               <a:buSzPts val="1400"/>
               <a:buNone/>
-              <a:defRPr b="0" i="0" sz="1800" u="none" cap="none" strike="noStrike">
+              <a:defRPr sz="1800" b="0" i="0" u="none" strike="noStrike" cap="none">
                 <a:solidFill>
                   <a:schemeClr val="dk1"/>
                 </a:solidFill>
@@ -2893,7 +3023,7 @@
                 <a:sym typeface="Calibri"/>
               </a:defRPr>
             </a:lvl8pPr>
-            <a:lvl9pPr lvl="8" marR="0" rtl="0" algn="l">
+            <a:lvl9pPr marR="0" lvl="8" algn="l" rtl="0">
               <a:spcBef>
                 <a:spcPts val="0"/>
               </a:spcBef>
@@ -2902,7 +3032,7 @@
               </a:spcAft>
               <a:buSzPts val="1400"/>
               <a:buNone/>
-              <a:defRPr b="0" i="0" sz="1800" u="none" cap="none" strike="noStrike">
+              <a:defRPr sz="1800" b="0" i="0" u="none" strike="noStrike" cap="none">
                 <a:solidFill>
                   <a:schemeClr val="dk1"/>
                 </a:solidFill>
@@ -2913,15 +3043,19 @@
               </a:defRPr>
             </a:lvl9pPr>
           </a:lstStyle>
-          <a:p/>
+          <a:p>
+            <a:endParaRPr/>
+          </a:p>
         </p:txBody>
       </p:sp>
       <p:sp>
         <p:nvSpPr>
           <p:cNvPr id="54" name="Google Shape;54;p13"/>
-          <p:cNvSpPr txBox="1"/>
+          <p:cNvSpPr txBox="1">
+            <a:spLocks noGrp="1"/>
+          </p:cNvSpPr>
           <p:nvPr>
-            <p:ph idx="11" type="ftr"/>
+            <p:ph type="ftr" idx="11"/>
           </p:nvPr>
         </p:nvSpPr>
         <p:spPr>
@@ -2938,9 +3072,9 @@
           </a:ln>
         </p:spPr>
         <p:txBody>
-          <a:bodyPr anchorCtr="0" anchor="ctr" bIns="45700" lIns="91425" spcFirstLastPara="1" rIns="91425" wrap="square" tIns="45700"/>
+          <a:bodyPr spcFirstLastPara="1" wrap="square" lIns="91425" tIns="45700" rIns="91425" bIns="45700" anchor="ctr" anchorCtr="0"/>
           <a:lstStyle>
-            <a:lvl1pPr lvl="0" marR="0" rtl="0" algn="ctr">
+            <a:lvl1pPr marR="0" lvl="0" algn="ctr" rtl="0">
               <a:spcBef>
                 <a:spcPts val="0"/>
               </a:spcBef>
@@ -2949,7 +3083,7 @@
               </a:spcAft>
               <a:buSzPts val="1400"/>
               <a:buNone/>
-              <a:defRPr b="0" i="0" sz="1200" u="none" cap="none" strike="noStrike">
+              <a:defRPr sz="1200" b="0" i="0" u="none" strike="noStrike" cap="none">
                 <a:solidFill>
                   <a:srgbClr val="888888"/>
                 </a:solidFill>
@@ -2959,7 +3093,7 @@
                 <a:sym typeface="Calibri"/>
               </a:defRPr>
             </a:lvl1pPr>
-            <a:lvl2pPr lvl="1" marR="0" rtl="0" algn="l">
+            <a:lvl2pPr marR="0" lvl="1" algn="l" rtl="0">
               <a:spcBef>
                 <a:spcPts val="0"/>
               </a:spcBef>
@@ -2968,7 +3102,7 @@
               </a:spcAft>
               <a:buSzPts val="1400"/>
               <a:buNone/>
-              <a:defRPr b="0" i="0" sz="1800" u="none" cap="none" strike="noStrike">
+              <a:defRPr sz="1800" b="0" i="0" u="none" strike="noStrike" cap="none">
                 <a:solidFill>
                   <a:schemeClr val="dk1"/>
                 </a:solidFill>
@@ -2978,7 +3112,7 @@
                 <a:sym typeface="Calibri"/>
               </a:defRPr>
             </a:lvl2pPr>
-            <a:lvl3pPr lvl="2" marR="0" rtl="0" algn="l">
+            <a:lvl3pPr marR="0" lvl="2" algn="l" rtl="0">
               <a:spcBef>
                 <a:spcPts val="0"/>
               </a:spcBef>
@@ -2987,7 +3121,7 @@
               </a:spcAft>
               <a:buSzPts val="1400"/>
               <a:buNone/>
-              <a:defRPr b="0" i="0" sz="1800" u="none" cap="none" strike="noStrike">
+              <a:defRPr sz="1800" b="0" i="0" u="none" strike="noStrike" cap="none">
                 <a:solidFill>
                   <a:schemeClr val="dk1"/>
                 </a:solidFill>
@@ -2997,7 +3131,7 @@
                 <a:sym typeface="Calibri"/>
               </a:defRPr>
             </a:lvl3pPr>
-            <a:lvl4pPr lvl="3" marR="0" rtl="0" algn="l">
+            <a:lvl4pPr marR="0" lvl="3" algn="l" rtl="0">
               <a:spcBef>
                 <a:spcPts val="0"/>
               </a:spcBef>
@@ -3006,7 +3140,7 @@
               </a:spcAft>
               <a:buSzPts val="1400"/>
               <a:buNone/>
-              <a:defRPr b="0" i="0" sz="1800" u="none" cap="none" strike="noStrike">
+              <a:defRPr sz="1800" b="0" i="0" u="none" strike="noStrike" cap="none">
                 <a:solidFill>
                   <a:schemeClr val="dk1"/>
                 </a:solidFill>
@@ -3016,7 +3150,7 @@
                 <a:sym typeface="Calibri"/>
               </a:defRPr>
             </a:lvl4pPr>
-            <a:lvl5pPr lvl="4" marR="0" rtl="0" algn="l">
+            <a:lvl5pPr marR="0" lvl="4" algn="l" rtl="0">
               <a:spcBef>
                 <a:spcPts val="0"/>
               </a:spcBef>
@@ -3025,7 +3159,7 @@
               </a:spcAft>
               <a:buSzPts val="1400"/>
               <a:buNone/>
-              <a:defRPr b="0" i="0" sz="1800" u="none" cap="none" strike="noStrike">
+              <a:defRPr sz="1800" b="0" i="0" u="none" strike="noStrike" cap="none">
                 <a:solidFill>
                   <a:schemeClr val="dk1"/>
                 </a:solidFill>
@@ -3035,7 +3169,7 @@
                 <a:sym typeface="Calibri"/>
               </a:defRPr>
             </a:lvl5pPr>
-            <a:lvl6pPr lvl="5" marR="0" rtl="0" algn="l">
+            <a:lvl6pPr marR="0" lvl="5" algn="l" rtl="0">
               <a:spcBef>
                 <a:spcPts val="0"/>
               </a:spcBef>
@@ -3044,7 +3178,7 @@
               </a:spcAft>
               <a:buSzPts val="1400"/>
               <a:buNone/>
-              <a:defRPr b="0" i="0" sz="1800" u="none" cap="none" strike="noStrike">
+              <a:defRPr sz="1800" b="0" i="0" u="none" strike="noStrike" cap="none">
                 <a:solidFill>
                   <a:schemeClr val="dk1"/>
                 </a:solidFill>
@@ -3054,7 +3188,7 @@
                 <a:sym typeface="Calibri"/>
               </a:defRPr>
             </a:lvl6pPr>
-            <a:lvl7pPr lvl="6" marR="0" rtl="0" algn="l">
+            <a:lvl7pPr marR="0" lvl="6" algn="l" rtl="0">
               <a:spcBef>
                 <a:spcPts val="0"/>
               </a:spcBef>
@@ -3063,7 +3197,7 @@
               </a:spcAft>
               <a:buSzPts val="1400"/>
               <a:buNone/>
-              <a:defRPr b="0" i="0" sz="1800" u="none" cap="none" strike="noStrike">
+              <a:defRPr sz="1800" b="0" i="0" u="none" strike="noStrike" cap="none">
                 <a:solidFill>
                   <a:schemeClr val="dk1"/>
                 </a:solidFill>
@@ -3073,7 +3207,7 @@
                 <a:sym typeface="Calibri"/>
               </a:defRPr>
             </a:lvl7pPr>
-            <a:lvl8pPr lvl="7" marR="0" rtl="0" algn="l">
+            <a:lvl8pPr marR="0" lvl="7" algn="l" rtl="0">
               <a:spcBef>
                 <a:spcPts val="0"/>
               </a:spcBef>
@@ -3082,7 +3216,7 @@
               </a:spcAft>
               <a:buSzPts val="1400"/>
               <a:buNone/>
-              <a:defRPr b="0" i="0" sz="1800" u="none" cap="none" strike="noStrike">
+              <a:defRPr sz="1800" b="0" i="0" u="none" strike="noStrike" cap="none">
                 <a:solidFill>
                   <a:schemeClr val="dk1"/>
                 </a:solidFill>
@@ -3092,7 +3226,7 @@
                 <a:sym typeface="Calibri"/>
               </a:defRPr>
             </a:lvl8pPr>
-            <a:lvl9pPr lvl="8" marR="0" rtl="0" algn="l">
+            <a:lvl9pPr marR="0" lvl="8" algn="l" rtl="0">
               <a:spcBef>
                 <a:spcPts val="0"/>
               </a:spcBef>
@@ -3101,7 +3235,7 @@
               </a:spcAft>
               <a:buSzPts val="1400"/>
               <a:buNone/>
-              <a:defRPr b="0" i="0" sz="1800" u="none" cap="none" strike="noStrike">
+              <a:defRPr sz="1800" b="0" i="0" u="none" strike="noStrike" cap="none">
                 <a:solidFill>
                   <a:schemeClr val="dk1"/>
                 </a:solidFill>
@@ -3112,15 +3246,19 @@
               </a:defRPr>
             </a:lvl9pPr>
           </a:lstStyle>
-          <a:p/>
+          <a:p>
+            <a:endParaRPr/>
+          </a:p>
         </p:txBody>
       </p:sp>
       <p:sp>
         <p:nvSpPr>
           <p:cNvPr id="55" name="Google Shape;55;p13"/>
-          <p:cNvSpPr txBox="1"/>
+          <p:cNvSpPr txBox="1">
+            <a:spLocks noGrp="1"/>
+          </p:cNvSpPr>
           <p:nvPr>
-            <p:ph idx="12" type="sldNum"/>
+            <p:ph type="sldNum" idx="12"/>
           </p:nvPr>
         </p:nvSpPr>
         <p:spPr>
@@ -3137,16 +3275,16 @@
           </a:ln>
         </p:spPr>
         <p:txBody>
-          <a:bodyPr anchorCtr="0" anchor="ctr" bIns="45700" lIns="91425" spcFirstLastPara="1" rIns="91425" wrap="square" tIns="45700">
+          <a:bodyPr spcFirstLastPara="1" wrap="square" lIns="91425" tIns="45700" rIns="91425" bIns="45700" anchor="ctr" anchorCtr="0">
             <a:noAutofit/>
           </a:bodyPr>
           <a:lstStyle>
-            <a:lvl1pPr indent="0" lvl="0" marL="0" marR="0" rtl="0" algn="r">
-              <a:spcBef>
-                <a:spcPts val="0"/>
-              </a:spcBef>
-              <a:buNone/>
-              <a:defRPr b="0" i="0" sz="1200" u="none" cap="none" strike="noStrike">
+            <a:lvl1pPr marL="0" marR="0" lvl="0" indent="0" algn="r" rtl="0">
+              <a:spcBef>
+                <a:spcPts val="0"/>
+              </a:spcBef>
+              <a:buNone/>
+              <a:defRPr sz="1200" b="0" i="0" u="none" strike="noStrike" cap="none">
                 <a:solidFill>
                   <a:srgbClr val="888888"/>
                 </a:solidFill>
@@ -3156,12 +3294,12 @@
                 <a:sym typeface="Calibri"/>
               </a:defRPr>
             </a:lvl1pPr>
-            <a:lvl2pPr indent="0" lvl="1" marL="0" marR="0" rtl="0" algn="r">
-              <a:spcBef>
-                <a:spcPts val="0"/>
-              </a:spcBef>
-              <a:buNone/>
-              <a:defRPr b="0" i="0" sz="1200" u="none" cap="none" strike="noStrike">
+            <a:lvl2pPr marL="0" marR="0" lvl="1" indent="0" algn="r" rtl="0">
+              <a:spcBef>
+                <a:spcPts val="0"/>
+              </a:spcBef>
+              <a:buNone/>
+              <a:defRPr sz="1200" b="0" i="0" u="none" strike="noStrike" cap="none">
                 <a:solidFill>
                   <a:srgbClr val="888888"/>
                 </a:solidFill>
@@ -3171,12 +3309,12 @@
                 <a:sym typeface="Calibri"/>
               </a:defRPr>
             </a:lvl2pPr>
-            <a:lvl3pPr indent="0" lvl="2" marL="0" marR="0" rtl="0" algn="r">
-              <a:spcBef>
-                <a:spcPts val="0"/>
-              </a:spcBef>
-              <a:buNone/>
-              <a:defRPr b="0" i="0" sz="1200" u="none" cap="none" strike="noStrike">
+            <a:lvl3pPr marL="0" marR="0" lvl="2" indent="0" algn="r" rtl="0">
+              <a:spcBef>
+                <a:spcPts val="0"/>
+              </a:spcBef>
+              <a:buNone/>
+              <a:defRPr sz="1200" b="0" i="0" u="none" strike="noStrike" cap="none">
                 <a:solidFill>
                   <a:srgbClr val="888888"/>
                 </a:solidFill>
@@ -3186,12 +3324,12 @@
                 <a:sym typeface="Calibri"/>
               </a:defRPr>
             </a:lvl3pPr>
-            <a:lvl4pPr indent="0" lvl="3" marL="0" marR="0" rtl="0" algn="r">
-              <a:spcBef>
-                <a:spcPts val="0"/>
-              </a:spcBef>
-              <a:buNone/>
-              <a:defRPr b="0" i="0" sz="1200" u="none" cap="none" strike="noStrike">
+            <a:lvl4pPr marL="0" marR="0" lvl="3" indent="0" algn="r" rtl="0">
+              <a:spcBef>
+                <a:spcPts val="0"/>
+              </a:spcBef>
+              <a:buNone/>
+              <a:defRPr sz="1200" b="0" i="0" u="none" strike="noStrike" cap="none">
                 <a:solidFill>
                   <a:srgbClr val="888888"/>
                 </a:solidFill>
@@ -3201,12 +3339,12 @@
                 <a:sym typeface="Calibri"/>
               </a:defRPr>
             </a:lvl4pPr>
-            <a:lvl5pPr indent="0" lvl="4" marL="0" marR="0" rtl="0" algn="r">
-              <a:spcBef>
-                <a:spcPts val="0"/>
-              </a:spcBef>
-              <a:buNone/>
-              <a:defRPr b="0" i="0" sz="1200" u="none" cap="none" strike="noStrike">
+            <a:lvl5pPr marL="0" marR="0" lvl="4" indent="0" algn="r" rtl="0">
+              <a:spcBef>
+                <a:spcPts val="0"/>
+              </a:spcBef>
+              <a:buNone/>
+              <a:defRPr sz="1200" b="0" i="0" u="none" strike="noStrike" cap="none">
                 <a:solidFill>
                   <a:srgbClr val="888888"/>
                 </a:solidFill>
@@ -3216,12 +3354,12 @@
                 <a:sym typeface="Calibri"/>
               </a:defRPr>
             </a:lvl5pPr>
-            <a:lvl6pPr indent="0" lvl="5" marL="0" marR="0" rtl="0" algn="r">
-              <a:spcBef>
-                <a:spcPts val="0"/>
-              </a:spcBef>
-              <a:buNone/>
-              <a:defRPr b="0" i="0" sz="1200" u="none" cap="none" strike="noStrike">
+            <a:lvl6pPr marL="0" marR="0" lvl="5" indent="0" algn="r" rtl="0">
+              <a:spcBef>
+                <a:spcPts val="0"/>
+              </a:spcBef>
+              <a:buNone/>
+              <a:defRPr sz="1200" b="0" i="0" u="none" strike="noStrike" cap="none">
                 <a:solidFill>
                   <a:srgbClr val="888888"/>
                 </a:solidFill>
@@ -3231,12 +3369,12 @@
                 <a:sym typeface="Calibri"/>
               </a:defRPr>
             </a:lvl6pPr>
-            <a:lvl7pPr indent="0" lvl="6" marL="0" marR="0" rtl="0" algn="r">
-              <a:spcBef>
-                <a:spcPts val="0"/>
-              </a:spcBef>
-              <a:buNone/>
-              <a:defRPr b="0" i="0" sz="1200" u="none" cap="none" strike="noStrike">
+            <a:lvl7pPr marL="0" marR="0" lvl="6" indent="0" algn="r" rtl="0">
+              <a:spcBef>
+                <a:spcPts val="0"/>
+              </a:spcBef>
+              <a:buNone/>
+              <a:defRPr sz="1200" b="0" i="0" u="none" strike="noStrike" cap="none">
                 <a:solidFill>
                   <a:srgbClr val="888888"/>
                 </a:solidFill>
@@ -3246,12 +3384,12 @@
                 <a:sym typeface="Calibri"/>
               </a:defRPr>
             </a:lvl7pPr>
-            <a:lvl8pPr indent="0" lvl="7" marL="0" marR="0" rtl="0" algn="r">
-              <a:spcBef>
-                <a:spcPts val="0"/>
-              </a:spcBef>
-              <a:buNone/>
-              <a:defRPr b="0" i="0" sz="1200" u="none" cap="none" strike="noStrike">
+            <a:lvl8pPr marL="0" marR="0" lvl="7" indent="0" algn="r" rtl="0">
+              <a:spcBef>
+                <a:spcPts val="0"/>
+              </a:spcBef>
+              <a:buNone/>
+              <a:defRPr sz="1200" b="0" i="0" u="none" strike="noStrike" cap="none">
                 <a:solidFill>
                   <a:srgbClr val="888888"/>
                 </a:solidFill>
@@ -3261,12 +3399,12 @@
                 <a:sym typeface="Calibri"/>
               </a:defRPr>
             </a:lvl8pPr>
-            <a:lvl9pPr indent="0" lvl="8" marL="0" marR="0" rtl="0" algn="r">
-              <a:spcBef>
-                <a:spcPts val="0"/>
-              </a:spcBef>
-              <a:buNone/>
-              <a:defRPr b="0" i="0" sz="1200" u="none" cap="none" strike="noStrike">
+            <a:lvl9pPr marL="0" marR="0" lvl="8" indent="0" algn="r" rtl="0">
+              <a:spcBef>
+                <a:spcPts val="0"/>
+              </a:spcBef>
+              <a:buNone/>
+              <a:defRPr sz="1200" b="0" i="0" u="none" strike="noStrike" cap="none">
                 <a:solidFill>
                   <a:srgbClr val="888888"/>
                 </a:solidFill>
@@ -3278,7 +3416,7 @@
             </a:lvl9pPr>
           </a:lstStyle>
           <a:p>
-            <a:pPr indent="0" lvl="0" marL="0" rtl="0" algn="r">
+            <a:pPr marL="0" lvl="0" indent="0" algn="r" rtl="0">
               <a:spcBef>
                 <a:spcPts val="0"/>
               </a:spcBef>
@@ -3304,11 +3442,11 @@
 </file>
 
 <file path=ppt/slideLayouts/slideLayout2.xml><?xml version="1.0" encoding="utf-8"?>
-<p:sldLayout xmlns:a="http://schemas.openxmlformats.org/drawingml/2006/main" xmlns:r="http://schemas.openxmlformats.org/officeDocument/2006/relationships" xmlns:mc="http://schemas.openxmlformats.org/markup-compatibility/2006" xmlns:mv="urn:schemas-microsoft-com:mac:vml" xmlns:p="http://schemas.openxmlformats.org/presentationml/2006/main" xmlns:c="http://schemas.openxmlformats.org/drawingml/2006/chart" xmlns:dgm="http://schemas.openxmlformats.org/drawingml/2006/diagram" xmlns:o="urn:schemas-microsoft-com:office:office" xmlns:v="urn:schemas-microsoft-com:vml" xmlns:pvml="urn:schemas-microsoft-com:office:powerpoint" xmlns:com="http://schemas.openxmlformats.org/drawingml/2006/compatibility" xmlns:p14="http://schemas.microsoft.com/office/powerpoint/2010/main" xmlns:p15="http://schemas.microsoft.com/office/powerpoint/2012/main" matchingName="Section header" type="secHead">
+<p:sldLayout xmlns:a="http://schemas.openxmlformats.org/drawingml/2006/main" xmlns:r="http://schemas.openxmlformats.org/officeDocument/2006/relationships" xmlns:p="http://schemas.openxmlformats.org/presentationml/2006/main" matchingName="Section header" type="secHead">
   <p:cSld name="SECTION_HEADER">
     <p:spTree>
       <p:nvGrpSpPr>
-        <p:cNvPr id="13" name="Shape 13"/>
+        <p:cNvPr id="1" name="Shape 13"/>
         <p:cNvGrpSpPr/>
         <p:nvPr/>
       </p:nvGrpSpPr>
@@ -3323,7 +3461,9 @@
       <p:sp>
         <p:nvSpPr>
           <p:cNvPr id="14" name="Google Shape;14;p3"/>
-          <p:cNvSpPr txBox="1"/>
+          <p:cNvSpPr txBox="1">
+            <a:spLocks noGrp="1"/>
+          </p:cNvSpPr>
           <p:nvPr>
             <p:ph type="title"/>
           </p:nvPr>
@@ -3338,7 +3478,7 @@
           </a:prstGeom>
         </p:spPr>
         <p:txBody>
-          <a:bodyPr anchorCtr="0" anchor="ctr" bIns="121900" lIns="121900" spcFirstLastPara="1" rIns="121900" wrap="square" tIns="121900"/>
+          <a:bodyPr spcFirstLastPara="1" wrap="square" lIns="121900" tIns="121900" rIns="121900" bIns="121900" anchor="ctr" anchorCtr="0"/>
           <a:lstStyle>
             <a:lvl1pPr lvl="0" algn="ctr">
               <a:spcBef>
@@ -3440,15 +3580,19 @@
               <a:defRPr sz="4800"/>
             </a:lvl9pPr>
           </a:lstStyle>
-          <a:p/>
+          <a:p>
+            <a:endParaRPr/>
+          </a:p>
         </p:txBody>
       </p:sp>
       <p:sp>
         <p:nvSpPr>
           <p:cNvPr id="15" name="Google Shape;15;p3"/>
-          <p:cNvSpPr txBox="1"/>
+          <p:cNvSpPr txBox="1">
+            <a:spLocks noGrp="1"/>
+          </p:cNvSpPr>
           <p:nvPr>
-            <p:ph idx="12" type="sldNum"/>
+            <p:ph type="sldNum" idx="12"/>
           </p:nvPr>
         </p:nvSpPr>
         <p:spPr>
@@ -3461,7 +3605,7 @@
           </a:prstGeom>
         </p:spPr>
         <p:txBody>
-          <a:bodyPr anchorCtr="0" anchor="ctr" bIns="121900" lIns="121900" spcFirstLastPara="1" rIns="121900" wrap="square" tIns="121900">
+          <a:bodyPr spcFirstLastPara="1" wrap="square" lIns="121900" tIns="121900" rIns="121900" bIns="121900" anchor="ctr" anchorCtr="0">
             <a:noAutofit/>
           </a:bodyPr>
           <a:lstStyle>
@@ -3503,7 +3647,7 @@
             </a:lvl9pPr>
           </a:lstStyle>
           <a:p>
-            <a:pPr indent="0" lvl="0" marL="0" rtl="0" algn="r">
+            <a:pPr marL="0" lvl="0" indent="0" algn="r" rtl="0">
               <a:spcBef>
                 <a:spcPts val="0"/>
               </a:spcBef>
@@ -3529,11 +3673,11 @@
 </file>
 
 <file path=ppt/slideLayouts/slideLayout3.xml><?xml version="1.0" encoding="utf-8"?>
-<p:sldLayout xmlns:a="http://schemas.openxmlformats.org/drawingml/2006/main" xmlns:r="http://schemas.openxmlformats.org/officeDocument/2006/relationships" xmlns:mc="http://schemas.openxmlformats.org/markup-compatibility/2006" xmlns:mv="urn:schemas-microsoft-com:mac:vml" xmlns:p="http://schemas.openxmlformats.org/presentationml/2006/main" xmlns:c="http://schemas.openxmlformats.org/drawingml/2006/chart" xmlns:dgm="http://schemas.openxmlformats.org/drawingml/2006/diagram" xmlns:o="urn:schemas-microsoft-com:office:office" xmlns:v="urn:schemas-microsoft-com:vml" xmlns:pvml="urn:schemas-microsoft-com:office:powerpoint" xmlns:com="http://schemas.openxmlformats.org/drawingml/2006/compatibility" xmlns:p14="http://schemas.microsoft.com/office/powerpoint/2010/main" xmlns:p15="http://schemas.microsoft.com/office/powerpoint/2012/main" matchingName="Title and body" type="tx">
+<p:sldLayout xmlns:a="http://schemas.openxmlformats.org/drawingml/2006/main" xmlns:r="http://schemas.openxmlformats.org/officeDocument/2006/relationships" xmlns:p="http://schemas.openxmlformats.org/presentationml/2006/main" matchingName="Title and body" type="tx">
   <p:cSld name="TITLE_AND_BODY">
     <p:spTree>
       <p:nvGrpSpPr>
-        <p:cNvPr id="16" name="Shape 16"/>
+        <p:cNvPr id="1" name="Shape 16"/>
         <p:cNvGrpSpPr/>
         <p:nvPr/>
       </p:nvGrpSpPr>
@@ -3548,7 +3692,9 @@
       <p:sp>
         <p:nvSpPr>
           <p:cNvPr id="17" name="Google Shape;17;p4"/>
-          <p:cNvSpPr txBox="1"/>
+          <p:cNvSpPr txBox="1">
+            <a:spLocks noGrp="1"/>
+          </p:cNvSpPr>
           <p:nvPr>
             <p:ph type="title"/>
           </p:nvPr>
@@ -3563,7 +3709,7 @@
           </a:prstGeom>
         </p:spPr>
         <p:txBody>
-          <a:bodyPr anchorCtr="0" anchor="t" bIns="121900" lIns="121900" spcFirstLastPara="1" rIns="121900" wrap="square" tIns="121900"/>
+          <a:bodyPr spcFirstLastPara="1" wrap="square" lIns="121900" tIns="121900" rIns="121900" bIns="121900" anchor="t" anchorCtr="0"/>
           <a:lstStyle>
             <a:lvl1pPr lvl="0">
               <a:spcBef>
@@ -3665,15 +3811,19 @@
               <a:defRPr/>
             </a:lvl9pPr>
           </a:lstStyle>
-          <a:p/>
+          <a:p>
+            <a:endParaRPr/>
+          </a:p>
         </p:txBody>
       </p:sp>
       <p:sp>
         <p:nvSpPr>
           <p:cNvPr id="18" name="Google Shape;18;p4"/>
-          <p:cNvSpPr txBox="1"/>
+          <p:cNvSpPr txBox="1">
+            <a:spLocks noGrp="1"/>
+          </p:cNvSpPr>
           <p:nvPr>
-            <p:ph idx="1" type="body"/>
+            <p:ph type="body" idx="1"/>
           </p:nvPr>
         </p:nvSpPr>
         <p:spPr>
@@ -3686,9 +3836,9 @@
           </a:prstGeom>
         </p:spPr>
         <p:txBody>
-          <a:bodyPr anchorCtr="0" anchor="t" bIns="121900" lIns="121900" spcFirstLastPara="1" rIns="121900" wrap="square" tIns="121900"/>
+          <a:bodyPr spcFirstLastPara="1" wrap="square" lIns="121900" tIns="121900" rIns="121900" bIns="121900" anchor="t" anchorCtr="0"/>
           <a:lstStyle>
-            <a:lvl1pPr indent="-381000" lvl="0" marL="457200">
+            <a:lvl1pPr marL="457200" lvl="0" indent="-381000">
               <a:spcBef>
                 <a:spcPts val="0"/>
               </a:spcBef>
@@ -3699,7 +3849,7 @@
               <a:buChar char="●"/>
               <a:defRPr/>
             </a:lvl1pPr>
-            <a:lvl2pPr indent="-349250" lvl="1" marL="914400">
+            <a:lvl2pPr marL="914400" lvl="1" indent="-349250">
               <a:spcBef>
                 <a:spcPts val="2100"/>
               </a:spcBef>
@@ -3710,7 +3860,7 @@
               <a:buChar char="○"/>
               <a:defRPr/>
             </a:lvl2pPr>
-            <a:lvl3pPr indent="-349250" lvl="2" marL="1371600">
+            <a:lvl3pPr marL="1371600" lvl="2" indent="-349250">
               <a:spcBef>
                 <a:spcPts val="2100"/>
               </a:spcBef>
@@ -3721,7 +3871,7 @@
               <a:buChar char="■"/>
               <a:defRPr/>
             </a:lvl3pPr>
-            <a:lvl4pPr indent="-349250" lvl="3" marL="1828800">
+            <a:lvl4pPr marL="1828800" lvl="3" indent="-349250">
               <a:spcBef>
                 <a:spcPts val="2100"/>
               </a:spcBef>
@@ -3732,7 +3882,7 @@
               <a:buChar char="●"/>
               <a:defRPr/>
             </a:lvl4pPr>
-            <a:lvl5pPr indent="-349250" lvl="4" marL="2286000">
+            <a:lvl5pPr marL="2286000" lvl="4" indent="-349250">
               <a:spcBef>
                 <a:spcPts val="2100"/>
               </a:spcBef>
@@ -3743,7 +3893,7 @@
               <a:buChar char="○"/>
               <a:defRPr/>
             </a:lvl5pPr>
-            <a:lvl6pPr indent="-349250" lvl="5" marL="2743200">
+            <a:lvl6pPr marL="2743200" lvl="5" indent="-349250">
               <a:spcBef>
                 <a:spcPts val="2100"/>
               </a:spcBef>
@@ -3754,7 +3904,7 @@
               <a:buChar char="■"/>
               <a:defRPr/>
             </a:lvl6pPr>
-            <a:lvl7pPr indent="-349250" lvl="6" marL="3200400">
+            <a:lvl7pPr marL="3200400" lvl="6" indent="-349250">
               <a:spcBef>
                 <a:spcPts val="2100"/>
               </a:spcBef>
@@ -3765,7 +3915,7 @@
               <a:buChar char="●"/>
               <a:defRPr/>
             </a:lvl7pPr>
-            <a:lvl8pPr indent="-349250" lvl="7" marL="3657600">
+            <a:lvl8pPr marL="3657600" lvl="7" indent="-349250">
               <a:spcBef>
                 <a:spcPts val="2100"/>
               </a:spcBef>
@@ -3776,7 +3926,7 @@
               <a:buChar char="○"/>
               <a:defRPr/>
             </a:lvl8pPr>
-            <a:lvl9pPr indent="-349250" lvl="8" marL="4114800">
+            <a:lvl9pPr marL="4114800" lvl="8" indent="-349250">
               <a:spcBef>
                 <a:spcPts val="2100"/>
               </a:spcBef>
@@ -3788,15 +3938,19 @@
               <a:defRPr/>
             </a:lvl9pPr>
           </a:lstStyle>
-          <a:p/>
+          <a:p>
+            <a:endParaRPr/>
+          </a:p>
         </p:txBody>
       </p:sp>
       <p:sp>
         <p:nvSpPr>
           <p:cNvPr id="19" name="Google Shape;19;p4"/>
-          <p:cNvSpPr txBox="1"/>
+          <p:cNvSpPr txBox="1">
+            <a:spLocks noGrp="1"/>
+          </p:cNvSpPr>
           <p:nvPr>
-            <p:ph idx="12" type="sldNum"/>
+            <p:ph type="sldNum" idx="12"/>
           </p:nvPr>
         </p:nvSpPr>
         <p:spPr>
@@ -3809,7 +3963,7 @@
           </a:prstGeom>
         </p:spPr>
         <p:txBody>
-          <a:bodyPr anchorCtr="0" anchor="ctr" bIns="121900" lIns="121900" spcFirstLastPara="1" rIns="121900" wrap="square" tIns="121900">
+          <a:bodyPr spcFirstLastPara="1" wrap="square" lIns="121900" tIns="121900" rIns="121900" bIns="121900" anchor="ctr" anchorCtr="0">
             <a:noAutofit/>
           </a:bodyPr>
           <a:lstStyle>
@@ -3851,7 +4005,7 @@
             </a:lvl9pPr>
           </a:lstStyle>
           <a:p>
-            <a:pPr indent="0" lvl="0" marL="0" rtl="0" algn="r">
+            <a:pPr marL="0" lvl="0" indent="0" algn="r" rtl="0">
               <a:spcBef>
                 <a:spcPts val="0"/>
               </a:spcBef>
@@ -3877,11 +4031,11 @@
 </file>
 
 <file path=ppt/slideLayouts/slideLayout4.xml><?xml version="1.0" encoding="utf-8"?>
-<p:sldLayout xmlns:a="http://schemas.openxmlformats.org/drawingml/2006/main" xmlns:r="http://schemas.openxmlformats.org/officeDocument/2006/relationships" xmlns:mc="http://schemas.openxmlformats.org/markup-compatibility/2006" xmlns:mv="urn:schemas-microsoft-com:mac:vml" xmlns:p="http://schemas.openxmlformats.org/presentationml/2006/main" xmlns:c="http://schemas.openxmlformats.org/drawingml/2006/chart" xmlns:dgm="http://schemas.openxmlformats.org/drawingml/2006/diagram" xmlns:o="urn:schemas-microsoft-com:office:office" xmlns:v="urn:schemas-microsoft-com:vml" xmlns:pvml="urn:schemas-microsoft-com:office:powerpoint" xmlns:com="http://schemas.openxmlformats.org/drawingml/2006/compatibility" xmlns:p14="http://schemas.microsoft.com/office/powerpoint/2010/main" xmlns:p15="http://schemas.microsoft.com/office/powerpoint/2012/main" matchingName="Title and two columns" type="twoColTx">
+<p:sldLayout xmlns:a="http://schemas.openxmlformats.org/drawingml/2006/main" xmlns:r="http://schemas.openxmlformats.org/officeDocument/2006/relationships" xmlns:p="http://schemas.openxmlformats.org/presentationml/2006/main" matchingName="Title and two columns" type="twoColTx">
   <p:cSld name="TITLE_AND_TWO_COLUMNS">
     <p:spTree>
       <p:nvGrpSpPr>
-        <p:cNvPr id="20" name="Shape 20"/>
+        <p:cNvPr id="1" name="Shape 20"/>
         <p:cNvGrpSpPr/>
         <p:nvPr/>
       </p:nvGrpSpPr>
@@ -3896,7 +4050,9 @@
       <p:sp>
         <p:nvSpPr>
           <p:cNvPr id="21" name="Google Shape;21;p5"/>
-          <p:cNvSpPr txBox="1"/>
+          <p:cNvSpPr txBox="1">
+            <a:spLocks noGrp="1"/>
+          </p:cNvSpPr>
           <p:nvPr>
             <p:ph type="title"/>
           </p:nvPr>
@@ -3911,7 +4067,7 @@
           </a:prstGeom>
         </p:spPr>
         <p:txBody>
-          <a:bodyPr anchorCtr="0" anchor="t" bIns="121900" lIns="121900" spcFirstLastPara="1" rIns="121900" wrap="square" tIns="121900"/>
+          <a:bodyPr spcFirstLastPara="1" wrap="square" lIns="121900" tIns="121900" rIns="121900" bIns="121900" anchor="t" anchorCtr="0"/>
           <a:lstStyle>
             <a:lvl1pPr lvl="0">
               <a:spcBef>
@@ -4013,15 +4169,19 @@
               <a:defRPr/>
             </a:lvl9pPr>
           </a:lstStyle>
-          <a:p/>
+          <a:p>
+            <a:endParaRPr/>
+          </a:p>
         </p:txBody>
       </p:sp>
       <p:sp>
         <p:nvSpPr>
           <p:cNvPr id="22" name="Google Shape;22;p5"/>
-          <p:cNvSpPr txBox="1"/>
+          <p:cNvSpPr txBox="1">
+            <a:spLocks noGrp="1"/>
+          </p:cNvSpPr>
           <p:nvPr>
-            <p:ph idx="1" type="body"/>
+            <p:ph type="body" idx="1"/>
           </p:nvPr>
         </p:nvSpPr>
         <p:spPr>
@@ -4034,9 +4194,9 @@
           </a:prstGeom>
         </p:spPr>
         <p:txBody>
-          <a:bodyPr anchorCtr="0" anchor="t" bIns="121900" lIns="121900" spcFirstLastPara="1" rIns="121900" wrap="square" tIns="121900"/>
+          <a:bodyPr spcFirstLastPara="1" wrap="square" lIns="121900" tIns="121900" rIns="121900" bIns="121900" anchor="t" anchorCtr="0"/>
           <a:lstStyle>
-            <a:lvl1pPr indent="-349250" lvl="0" marL="457200">
+            <a:lvl1pPr marL="457200" lvl="0" indent="-349250">
               <a:spcBef>
                 <a:spcPts val="0"/>
               </a:spcBef>
@@ -4047,7 +4207,7 @@
               <a:buChar char="●"/>
               <a:defRPr sz="1900"/>
             </a:lvl1pPr>
-            <a:lvl2pPr indent="-330200" lvl="1" marL="914400">
+            <a:lvl2pPr marL="914400" lvl="1" indent="-330200">
               <a:spcBef>
                 <a:spcPts val="2100"/>
               </a:spcBef>
@@ -4058,7 +4218,7 @@
               <a:buChar char="○"/>
               <a:defRPr sz="1600"/>
             </a:lvl2pPr>
-            <a:lvl3pPr indent="-330200" lvl="2" marL="1371600">
+            <a:lvl3pPr marL="1371600" lvl="2" indent="-330200">
               <a:spcBef>
                 <a:spcPts val="2100"/>
               </a:spcBef>
@@ -4069,7 +4229,7 @@
               <a:buChar char="■"/>
               <a:defRPr sz="1600"/>
             </a:lvl3pPr>
-            <a:lvl4pPr indent="-330200" lvl="3" marL="1828800">
+            <a:lvl4pPr marL="1828800" lvl="3" indent="-330200">
               <a:spcBef>
                 <a:spcPts val="2100"/>
               </a:spcBef>
@@ -4080,7 +4240,7 @@
               <a:buChar char="●"/>
               <a:defRPr sz="1600"/>
             </a:lvl4pPr>
-            <a:lvl5pPr indent="-330200" lvl="4" marL="2286000">
+            <a:lvl5pPr marL="2286000" lvl="4" indent="-330200">
               <a:spcBef>
                 <a:spcPts val="2100"/>
               </a:spcBef>
@@ -4091,7 +4251,7 @@
               <a:buChar char="○"/>
               <a:defRPr sz="1600"/>
             </a:lvl5pPr>
-            <a:lvl6pPr indent="-330200" lvl="5" marL="2743200">
+            <a:lvl6pPr marL="2743200" lvl="5" indent="-330200">
               <a:spcBef>
                 <a:spcPts val="2100"/>
               </a:spcBef>
@@ -4102,7 +4262,7 @@
               <a:buChar char="■"/>
               <a:defRPr sz="1600"/>
             </a:lvl6pPr>
-            <a:lvl7pPr indent="-330200" lvl="6" marL="3200400">
+            <a:lvl7pPr marL="3200400" lvl="6" indent="-330200">
               <a:spcBef>
                 <a:spcPts val="2100"/>
               </a:spcBef>
@@ -4113,7 +4273,7 @@
               <a:buChar char="●"/>
               <a:defRPr sz="1600"/>
             </a:lvl7pPr>
-            <a:lvl8pPr indent="-330200" lvl="7" marL="3657600">
+            <a:lvl8pPr marL="3657600" lvl="7" indent="-330200">
               <a:spcBef>
                 <a:spcPts val="2100"/>
               </a:spcBef>
@@ -4124,7 +4284,7 @@
               <a:buChar char="○"/>
               <a:defRPr sz="1600"/>
             </a:lvl8pPr>
-            <a:lvl9pPr indent="-330200" lvl="8" marL="4114800">
+            <a:lvl9pPr marL="4114800" lvl="8" indent="-330200">
               <a:spcBef>
                 <a:spcPts val="2100"/>
               </a:spcBef>
@@ -4136,15 +4296,19 @@
               <a:defRPr sz="1600"/>
             </a:lvl9pPr>
           </a:lstStyle>
-          <a:p/>
+          <a:p>
+            <a:endParaRPr/>
+          </a:p>
         </p:txBody>
       </p:sp>
       <p:sp>
         <p:nvSpPr>
           <p:cNvPr id="23" name="Google Shape;23;p5"/>
-          <p:cNvSpPr txBox="1"/>
+          <p:cNvSpPr txBox="1">
+            <a:spLocks noGrp="1"/>
+          </p:cNvSpPr>
           <p:nvPr>
-            <p:ph idx="2" type="body"/>
+            <p:ph type="body" idx="2"/>
           </p:nvPr>
         </p:nvSpPr>
         <p:spPr>
@@ -4157,9 +4321,9 @@
           </a:prstGeom>
         </p:spPr>
         <p:txBody>
-          <a:bodyPr anchorCtr="0" anchor="t" bIns="121900" lIns="121900" spcFirstLastPara="1" rIns="121900" wrap="square" tIns="121900"/>
+          <a:bodyPr spcFirstLastPara="1" wrap="square" lIns="121900" tIns="121900" rIns="121900" bIns="121900" anchor="t" anchorCtr="0"/>
           <a:lstStyle>
-            <a:lvl1pPr indent="-349250" lvl="0" marL="457200">
+            <a:lvl1pPr marL="457200" lvl="0" indent="-349250">
               <a:spcBef>
                 <a:spcPts val="0"/>
               </a:spcBef>
@@ -4170,7 +4334,7 @@
               <a:buChar char="●"/>
               <a:defRPr sz="1900"/>
             </a:lvl1pPr>
-            <a:lvl2pPr indent="-330200" lvl="1" marL="914400">
+            <a:lvl2pPr marL="914400" lvl="1" indent="-330200">
               <a:spcBef>
                 <a:spcPts val="2100"/>
               </a:spcBef>
@@ -4181,7 +4345,7 @@
               <a:buChar char="○"/>
               <a:defRPr sz="1600"/>
             </a:lvl2pPr>
-            <a:lvl3pPr indent="-330200" lvl="2" marL="1371600">
+            <a:lvl3pPr marL="1371600" lvl="2" indent="-330200">
               <a:spcBef>
                 <a:spcPts val="2100"/>
               </a:spcBef>
@@ -4192,7 +4356,7 @@
               <a:buChar char="■"/>
               <a:defRPr sz="1600"/>
             </a:lvl3pPr>
-            <a:lvl4pPr indent="-330200" lvl="3" marL="1828800">
+            <a:lvl4pPr marL="1828800" lvl="3" indent="-330200">
               <a:spcBef>
                 <a:spcPts val="2100"/>
               </a:spcBef>
@@ -4203,7 +4367,7 @@
               <a:buChar char="●"/>
               <a:defRPr sz="1600"/>
             </a:lvl4pPr>
-            <a:lvl5pPr indent="-330200" lvl="4" marL="2286000">
+            <a:lvl5pPr marL="2286000" lvl="4" indent="-330200">
               <a:spcBef>
                 <a:spcPts val="2100"/>
               </a:spcBef>
@@ -4214,7 +4378,7 @@
               <a:buChar char="○"/>
               <a:defRPr sz="1600"/>
             </a:lvl5pPr>
-            <a:lvl6pPr indent="-330200" lvl="5" marL="2743200">
+            <a:lvl6pPr marL="2743200" lvl="5" indent="-330200">
               <a:spcBef>
                 <a:spcPts val="2100"/>
               </a:spcBef>
@@ -4225,7 +4389,7 @@
               <a:buChar char="■"/>
               <a:defRPr sz="1600"/>
             </a:lvl6pPr>
-            <a:lvl7pPr indent="-330200" lvl="6" marL="3200400">
+            <a:lvl7pPr marL="3200400" lvl="6" indent="-330200">
               <a:spcBef>
                 <a:spcPts val="2100"/>
               </a:spcBef>
@@ -4236,7 +4400,7 @@
               <a:buChar char="●"/>
               <a:defRPr sz="1600"/>
             </a:lvl7pPr>
-            <a:lvl8pPr indent="-330200" lvl="7" marL="3657600">
+            <a:lvl8pPr marL="3657600" lvl="7" indent="-330200">
               <a:spcBef>
                 <a:spcPts val="2100"/>
               </a:spcBef>
@@ -4247,7 +4411,7 @@
               <a:buChar char="○"/>
               <a:defRPr sz="1600"/>
             </a:lvl8pPr>
-            <a:lvl9pPr indent="-330200" lvl="8" marL="4114800">
+            <a:lvl9pPr marL="4114800" lvl="8" indent="-330200">
               <a:spcBef>
                 <a:spcPts val="2100"/>
               </a:spcBef>
@@ -4259,15 +4423,19 @@
               <a:defRPr sz="1600"/>
             </a:lvl9pPr>
           </a:lstStyle>
-          <a:p/>
+          <a:p>
+            <a:endParaRPr/>
+          </a:p>
         </p:txBody>
       </p:sp>
       <p:sp>
         <p:nvSpPr>
           <p:cNvPr id="24" name="Google Shape;24;p5"/>
-          <p:cNvSpPr txBox="1"/>
+          <p:cNvSpPr txBox="1">
+            <a:spLocks noGrp="1"/>
+          </p:cNvSpPr>
           <p:nvPr>
-            <p:ph idx="12" type="sldNum"/>
+            <p:ph type="sldNum" idx="12"/>
           </p:nvPr>
         </p:nvSpPr>
         <p:spPr>
@@ -4280,7 +4448,7 @@
           </a:prstGeom>
         </p:spPr>
         <p:txBody>
-          <a:bodyPr anchorCtr="0" anchor="ctr" bIns="121900" lIns="121900" spcFirstLastPara="1" rIns="121900" wrap="square" tIns="121900">
+          <a:bodyPr spcFirstLastPara="1" wrap="square" lIns="121900" tIns="121900" rIns="121900" bIns="121900" anchor="ctr" anchorCtr="0">
             <a:noAutofit/>
           </a:bodyPr>
           <a:lstStyle>
@@ -4322,7 +4490,7 @@
             </a:lvl9pPr>
           </a:lstStyle>
           <a:p>
-            <a:pPr indent="0" lvl="0" marL="0" rtl="0" algn="r">
+            <a:pPr marL="0" lvl="0" indent="0" algn="r" rtl="0">
               <a:spcBef>
                 <a:spcPts val="0"/>
               </a:spcBef>
@@ -4348,11 +4516,11 @@
 </file>
 
 <file path=ppt/slideLayouts/slideLayout5.xml><?xml version="1.0" encoding="utf-8"?>
-<p:sldLayout xmlns:a="http://schemas.openxmlformats.org/drawingml/2006/main" xmlns:r="http://schemas.openxmlformats.org/officeDocument/2006/relationships" xmlns:mc="http://schemas.openxmlformats.org/markup-compatibility/2006" xmlns:mv="urn:schemas-microsoft-com:mac:vml" xmlns:p="http://schemas.openxmlformats.org/presentationml/2006/main" xmlns:c="http://schemas.openxmlformats.org/drawingml/2006/chart" xmlns:dgm="http://schemas.openxmlformats.org/drawingml/2006/diagram" xmlns:o="urn:schemas-microsoft-com:office:office" xmlns:v="urn:schemas-microsoft-com:vml" xmlns:pvml="urn:schemas-microsoft-com:office:powerpoint" xmlns:com="http://schemas.openxmlformats.org/drawingml/2006/compatibility" xmlns:p14="http://schemas.microsoft.com/office/powerpoint/2010/main" xmlns:p15="http://schemas.microsoft.com/office/powerpoint/2012/main" matchingName="Title only" type="titleOnly">
+<p:sldLayout xmlns:a="http://schemas.openxmlformats.org/drawingml/2006/main" xmlns:r="http://schemas.openxmlformats.org/officeDocument/2006/relationships" xmlns:p="http://schemas.openxmlformats.org/presentationml/2006/main" matchingName="Title only" type="titleOnly">
   <p:cSld name="TITLE_ONLY">
     <p:spTree>
       <p:nvGrpSpPr>
-        <p:cNvPr id="25" name="Shape 25"/>
+        <p:cNvPr id="1" name="Shape 25"/>
         <p:cNvGrpSpPr/>
         <p:nvPr/>
       </p:nvGrpSpPr>
@@ -4367,7 +4535,9 @@
       <p:sp>
         <p:nvSpPr>
           <p:cNvPr id="26" name="Google Shape;26;p6"/>
-          <p:cNvSpPr txBox="1"/>
+          <p:cNvSpPr txBox="1">
+            <a:spLocks noGrp="1"/>
+          </p:cNvSpPr>
           <p:nvPr>
             <p:ph type="title"/>
           </p:nvPr>
@@ -4382,7 +4552,7 @@
           </a:prstGeom>
         </p:spPr>
         <p:txBody>
-          <a:bodyPr anchorCtr="0" anchor="t" bIns="121900" lIns="121900" spcFirstLastPara="1" rIns="121900" wrap="square" tIns="121900"/>
+          <a:bodyPr spcFirstLastPara="1" wrap="square" lIns="121900" tIns="121900" rIns="121900" bIns="121900" anchor="t" anchorCtr="0"/>
           <a:lstStyle>
             <a:lvl1pPr lvl="0">
               <a:spcBef>
@@ -4484,15 +4654,19 @@
               <a:defRPr/>
             </a:lvl9pPr>
           </a:lstStyle>
-          <a:p/>
+          <a:p>
+            <a:endParaRPr/>
+          </a:p>
         </p:txBody>
       </p:sp>
       <p:sp>
         <p:nvSpPr>
           <p:cNvPr id="27" name="Google Shape;27;p6"/>
-          <p:cNvSpPr txBox="1"/>
+          <p:cNvSpPr txBox="1">
+            <a:spLocks noGrp="1"/>
+          </p:cNvSpPr>
           <p:nvPr>
-            <p:ph idx="12" type="sldNum"/>
+            <p:ph type="sldNum" idx="12"/>
           </p:nvPr>
         </p:nvSpPr>
         <p:spPr>
@@ -4505,7 +4679,7 @@
           </a:prstGeom>
         </p:spPr>
         <p:txBody>
-          <a:bodyPr anchorCtr="0" anchor="ctr" bIns="121900" lIns="121900" spcFirstLastPara="1" rIns="121900" wrap="square" tIns="121900">
+          <a:bodyPr spcFirstLastPara="1" wrap="square" lIns="121900" tIns="121900" rIns="121900" bIns="121900" anchor="ctr" anchorCtr="0">
             <a:noAutofit/>
           </a:bodyPr>
           <a:lstStyle>
@@ -4547,7 +4721,7 @@
             </a:lvl9pPr>
           </a:lstStyle>
           <a:p>
-            <a:pPr indent="0" lvl="0" marL="0" rtl="0" algn="r">
+            <a:pPr marL="0" lvl="0" indent="0" algn="r" rtl="0">
               <a:spcBef>
                 <a:spcPts val="0"/>
               </a:spcBef>
@@ -4573,11 +4747,11 @@
 </file>
 
 <file path=ppt/slideLayouts/slideLayout6.xml><?xml version="1.0" encoding="utf-8"?>
-<p:sldLayout xmlns:a="http://schemas.openxmlformats.org/drawingml/2006/main" xmlns:r="http://schemas.openxmlformats.org/officeDocument/2006/relationships" xmlns:mc="http://schemas.openxmlformats.org/markup-compatibility/2006" xmlns:mv="urn:schemas-microsoft-com:mac:vml" xmlns:p="http://schemas.openxmlformats.org/presentationml/2006/main" xmlns:c="http://schemas.openxmlformats.org/drawingml/2006/chart" xmlns:dgm="http://schemas.openxmlformats.org/drawingml/2006/diagram" xmlns:o="urn:schemas-microsoft-com:office:office" xmlns:v="urn:schemas-microsoft-com:vml" xmlns:pvml="urn:schemas-microsoft-com:office:powerpoint" xmlns:com="http://schemas.openxmlformats.org/drawingml/2006/compatibility" xmlns:p14="http://schemas.microsoft.com/office/powerpoint/2010/main" xmlns:p15="http://schemas.microsoft.com/office/powerpoint/2012/main" matchingName="One column text">
+<p:sldLayout xmlns:a="http://schemas.openxmlformats.org/drawingml/2006/main" xmlns:r="http://schemas.openxmlformats.org/officeDocument/2006/relationships" xmlns:p="http://schemas.openxmlformats.org/presentationml/2006/main" matchingName="One column text">
   <p:cSld name="ONE_COLUMN_TEXT">
     <p:spTree>
       <p:nvGrpSpPr>
-        <p:cNvPr id="28" name="Shape 28"/>
+        <p:cNvPr id="1" name="Shape 28"/>
         <p:cNvGrpSpPr/>
         <p:nvPr/>
       </p:nvGrpSpPr>
@@ -4592,7 +4766,9 @@
       <p:sp>
         <p:nvSpPr>
           <p:cNvPr id="29" name="Google Shape;29;p7"/>
-          <p:cNvSpPr txBox="1"/>
+          <p:cNvSpPr txBox="1">
+            <a:spLocks noGrp="1"/>
+          </p:cNvSpPr>
           <p:nvPr>
             <p:ph type="title"/>
           </p:nvPr>
@@ -4607,7 +4783,7 @@
           </a:prstGeom>
         </p:spPr>
         <p:txBody>
-          <a:bodyPr anchorCtr="0" anchor="b" bIns="121900" lIns="121900" spcFirstLastPara="1" rIns="121900" wrap="square" tIns="121900"/>
+          <a:bodyPr spcFirstLastPara="1" wrap="square" lIns="121900" tIns="121900" rIns="121900" bIns="121900" anchor="b" anchorCtr="0"/>
           <a:lstStyle>
             <a:lvl1pPr lvl="0">
               <a:spcBef>
@@ -4709,15 +4885,19 @@
               <a:defRPr sz="3200"/>
             </a:lvl9pPr>
           </a:lstStyle>
-          <a:p/>
+          <a:p>
+            <a:endParaRPr/>
+          </a:p>
         </p:txBody>
       </p:sp>
       <p:sp>
         <p:nvSpPr>
           <p:cNvPr id="30" name="Google Shape;30;p7"/>
-          <p:cNvSpPr txBox="1"/>
+          <p:cNvSpPr txBox="1">
+            <a:spLocks noGrp="1"/>
+          </p:cNvSpPr>
           <p:nvPr>
-            <p:ph idx="1" type="body"/>
+            <p:ph type="body" idx="1"/>
           </p:nvPr>
         </p:nvSpPr>
         <p:spPr>
@@ -4730,9 +4910,9 @@
           </a:prstGeom>
         </p:spPr>
         <p:txBody>
-          <a:bodyPr anchorCtr="0" anchor="t" bIns="121900" lIns="121900" spcFirstLastPara="1" rIns="121900" wrap="square" tIns="121900"/>
+          <a:bodyPr spcFirstLastPara="1" wrap="square" lIns="121900" tIns="121900" rIns="121900" bIns="121900" anchor="t" anchorCtr="0"/>
           <a:lstStyle>
-            <a:lvl1pPr indent="-330200" lvl="0" marL="457200">
+            <a:lvl1pPr marL="457200" lvl="0" indent="-330200">
               <a:spcBef>
                 <a:spcPts val="0"/>
               </a:spcBef>
@@ -4743,7 +4923,7 @@
               <a:buChar char="●"/>
               <a:defRPr sz="1600"/>
             </a:lvl1pPr>
-            <a:lvl2pPr indent="-330200" lvl="1" marL="914400">
+            <a:lvl2pPr marL="914400" lvl="1" indent="-330200">
               <a:spcBef>
                 <a:spcPts val="2100"/>
               </a:spcBef>
@@ -4754,7 +4934,7 @@
               <a:buChar char="○"/>
               <a:defRPr sz="1600"/>
             </a:lvl2pPr>
-            <a:lvl3pPr indent="-330200" lvl="2" marL="1371600">
+            <a:lvl3pPr marL="1371600" lvl="2" indent="-330200">
               <a:spcBef>
                 <a:spcPts val="2100"/>
               </a:spcBef>
@@ -4765,7 +4945,7 @@
               <a:buChar char="■"/>
               <a:defRPr sz="1600"/>
             </a:lvl3pPr>
-            <a:lvl4pPr indent="-330200" lvl="3" marL="1828800">
+            <a:lvl4pPr marL="1828800" lvl="3" indent="-330200">
               <a:spcBef>
                 <a:spcPts val="2100"/>
               </a:spcBef>
@@ -4776,7 +4956,7 @@
               <a:buChar char="●"/>
               <a:defRPr sz="1600"/>
             </a:lvl4pPr>
-            <a:lvl5pPr indent="-330200" lvl="4" marL="2286000">
+            <a:lvl5pPr marL="2286000" lvl="4" indent="-330200">
               <a:spcBef>
                 <a:spcPts val="2100"/>
               </a:spcBef>
@@ -4787,7 +4967,7 @@
               <a:buChar char="○"/>
               <a:defRPr sz="1600"/>
             </a:lvl5pPr>
-            <a:lvl6pPr indent="-330200" lvl="5" marL="2743200">
+            <a:lvl6pPr marL="2743200" lvl="5" indent="-330200">
               <a:spcBef>
                 <a:spcPts val="2100"/>
               </a:spcBef>
@@ -4798,7 +4978,7 @@
               <a:buChar char="■"/>
               <a:defRPr sz="1600"/>
             </a:lvl6pPr>
-            <a:lvl7pPr indent="-330200" lvl="6" marL="3200400">
+            <a:lvl7pPr marL="3200400" lvl="6" indent="-330200">
               <a:spcBef>
                 <a:spcPts val="2100"/>
               </a:spcBef>
@@ -4809,7 +4989,7 @@
               <a:buChar char="●"/>
               <a:defRPr sz="1600"/>
             </a:lvl7pPr>
-            <a:lvl8pPr indent="-330200" lvl="7" marL="3657600">
+            <a:lvl8pPr marL="3657600" lvl="7" indent="-330200">
               <a:spcBef>
                 <a:spcPts val="2100"/>
               </a:spcBef>
@@ -4820,7 +5000,7 @@
               <a:buChar char="○"/>
               <a:defRPr sz="1600"/>
             </a:lvl8pPr>
-            <a:lvl9pPr indent="-330200" lvl="8" marL="4114800">
+            <a:lvl9pPr marL="4114800" lvl="8" indent="-330200">
               <a:spcBef>
                 <a:spcPts val="2100"/>
               </a:spcBef>
@@ -4832,15 +5012,19 @@
               <a:defRPr sz="1600"/>
             </a:lvl9pPr>
           </a:lstStyle>
-          <a:p/>
+          <a:p>
+            <a:endParaRPr/>
+          </a:p>
         </p:txBody>
       </p:sp>
       <p:sp>
         <p:nvSpPr>
           <p:cNvPr id="31" name="Google Shape;31;p7"/>
-          <p:cNvSpPr txBox="1"/>
+          <p:cNvSpPr txBox="1">
+            <a:spLocks noGrp="1"/>
+          </p:cNvSpPr>
           <p:nvPr>
-            <p:ph idx="12" type="sldNum"/>
+            <p:ph type="sldNum" idx="12"/>
           </p:nvPr>
         </p:nvSpPr>
         <p:spPr>
@@ -4853,7 +5037,7 @@
           </a:prstGeom>
         </p:spPr>
         <p:txBody>
-          <a:bodyPr anchorCtr="0" anchor="ctr" bIns="121900" lIns="121900" spcFirstLastPara="1" rIns="121900" wrap="square" tIns="121900">
+          <a:bodyPr spcFirstLastPara="1" wrap="square" lIns="121900" tIns="121900" rIns="121900" bIns="121900" anchor="ctr" anchorCtr="0">
             <a:noAutofit/>
           </a:bodyPr>
           <a:lstStyle>
@@ -4895,7 +5079,7 @@
             </a:lvl9pPr>
           </a:lstStyle>
           <a:p>
-            <a:pPr indent="0" lvl="0" marL="0" rtl="0" algn="r">
+            <a:pPr marL="0" lvl="0" indent="0" algn="r" rtl="0">
               <a:spcBef>
                 <a:spcPts val="0"/>
               </a:spcBef>
@@ -4921,11 +5105,11 @@
 </file>
 
 <file path=ppt/slideLayouts/slideLayout7.xml><?xml version="1.0" encoding="utf-8"?>
-<p:sldLayout xmlns:a="http://schemas.openxmlformats.org/drawingml/2006/main" xmlns:r="http://schemas.openxmlformats.org/officeDocument/2006/relationships" xmlns:mc="http://schemas.openxmlformats.org/markup-compatibility/2006" xmlns:mv="urn:schemas-microsoft-com:mac:vml" xmlns:p="http://schemas.openxmlformats.org/presentationml/2006/main" xmlns:c="http://schemas.openxmlformats.org/drawingml/2006/chart" xmlns:dgm="http://schemas.openxmlformats.org/drawingml/2006/diagram" xmlns:o="urn:schemas-microsoft-com:office:office" xmlns:v="urn:schemas-microsoft-com:vml" xmlns:pvml="urn:schemas-microsoft-com:office:powerpoint" xmlns:com="http://schemas.openxmlformats.org/drawingml/2006/compatibility" xmlns:p14="http://schemas.microsoft.com/office/powerpoint/2010/main" xmlns:p15="http://schemas.microsoft.com/office/powerpoint/2012/main" matchingName="Main point">
+<p:sldLayout xmlns:a="http://schemas.openxmlformats.org/drawingml/2006/main" xmlns:r="http://schemas.openxmlformats.org/officeDocument/2006/relationships" xmlns:p="http://schemas.openxmlformats.org/presentationml/2006/main" matchingName="Main point">
   <p:cSld name="MAIN_POINT">
     <p:spTree>
       <p:nvGrpSpPr>
-        <p:cNvPr id="32" name="Shape 32"/>
+        <p:cNvPr id="1" name="Shape 32"/>
         <p:cNvGrpSpPr/>
         <p:nvPr/>
       </p:nvGrpSpPr>
@@ -4940,7 +5124,9 @@
       <p:sp>
         <p:nvSpPr>
           <p:cNvPr id="33" name="Google Shape;33;p8"/>
-          <p:cNvSpPr txBox="1"/>
+          <p:cNvSpPr txBox="1">
+            <a:spLocks noGrp="1"/>
+          </p:cNvSpPr>
           <p:nvPr>
             <p:ph type="title"/>
           </p:nvPr>
@@ -4955,7 +5141,7 @@
           </a:prstGeom>
         </p:spPr>
         <p:txBody>
-          <a:bodyPr anchorCtr="0" anchor="ctr" bIns="121900" lIns="121900" spcFirstLastPara="1" rIns="121900" wrap="square" tIns="121900"/>
+          <a:bodyPr spcFirstLastPara="1" wrap="square" lIns="121900" tIns="121900" rIns="121900" bIns="121900" anchor="ctr" anchorCtr="0"/>
           <a:lstStyle>
             <a:lvl1pPr lvl="0">
               <a:spcBef>
@@ -5057,15 +5243,19 @@
               <a:defRPr sz="6400"/>
             </a:lvl9pPr>
           </a:lstStyle>
-          <a:p/>
+          <a:p>
+            <a:endParaRPr/>
+          </a:p>
         </p:txBody>
       </p:sp>
       <p:sp>
         <p:nvSpPr>
           <p:cNvPr id="34" name="Google Shape;34;p8"/>
-          <p:cNvSpPr txBox="1"/>
+          <p:cNvSpPr txBox="1">
+            <a:spLocks noGrp="1"/>
+          </p:cNvSpPr>
           <p:nvPr>
-            <p:ph idx="12" type="sldNum"/>
+            <p:ph type="sldNum" idx="12"/>
           </p:nvPr>
         </p:nvSpPr>
         <p:spPr>
@@ -5078,7 +5268,7 @@
           </a:prstGeom>
         </p:spPr>
         <p:txBody>
-          <a:bodyPr anchorCtr="0" anchor="ctr" bIns="121900" lIns="121900" spcFirstLastPara="1" rIns="121900" wrap="square" tIns="121900">
+          <a:bodyPr spcFirstLastPara="1" wrap="square" lIns="121900" tIns="121900" rIns="121900" bIns="121900" anchor="ctr" anchorCtr="0">
             <a:noAutofit/>
           </a:bodyPr>
           <a:lstStyle>
@@ -5120,7 +5310,7 @@
             </a:lvl9pPr>
           </a:lstStyle>
           <a:p>
-            <a:pPr indent="0" lvl="0" marL="0" rtl="0" algn="r">
+            <a:pPr marL="0" lvl="0" indent="0" algn="r" rtl="0">
               <a:spcBef>
                 <a:spcPts val="0"/>
               </a:spcBef>
@@ -5146,11 +5336,11 @@
 </file>
 
 <file path=ppt/slideLayouts/slideLayout8.xml><?xml version="1.0" encoding="utf-8"?>
-<p:sldLayout xmlns:a="http://schemas.openxmlformats.org/drawingml/2006/main" xmlns:r="http://schemas.openxmlformats.org/officeDocument/2006/relationships" xmlns:mc="http://schemas.openxmlformats.org/markup-compatibility/2006" xmlns:mv="urn:schemas-microsoft-com:mac:vml" xmlns:p="http://schemas.openxmlformats.org/presentationml/2006/main" xmlns:c="http://schemas.openxmlformats.org/drawingml/2006/chart" xmlns:dgm="http://schemas.openxmlformats.org/drawingml/2006/diagram" xmlns:o="urn:schemas-microsoft-com:office:office" xmlns:v="urn:schemas-microsoft-com:vml" xmlns:pvml="urn:schemas-microsoft-com:office:powerpoint" xmlns:com="http://schemas.openxmlformats.org/drawingml/2006/compatibility" xmlns:p14="http://schemas.microsoft.com/office/powerpoint/2010/main" xmlns:p15="http://schemas.microsoft.com/office/powerpoint/2012/main" matchingName="Section title and description">
+<p:sldLayout xmlns:a="http://schemas.openxmlformats.org/drawingml/2006/main" xmlns:r="http://schemas.openxmlformats.org/officeDocument/2006/relationships" xmlns:p="http://schemas.openxmlformats.org/presentationml/2006/main" matchingName="Section title and description">
   <p:cSld name="SECTION_TITLE_AND_DESCRIPTION">
     <p:spTree>
       <p:nvGrpSpPr>
-        <p:cNvPr id="35" name="Shape 35"/>
+        <p:cNvPr id="1" name="Shape 35"/>
         <p:cNvGrpSpPr/>
         <p:nvPr/>
       </p:nvGrpSpPr>
@@ -5184,12 +5374,12 @@
           </a:ln>
         </p:spPr>
         <p:txBody>
-          <a:bodyPr anchorCtr="0" anchor="ctr" bIns="121900" lIns="121900" spcFirstLastPara="1" rIns="121900" wrap="square" tIns="121900">
+          <a:bodyPr spcFirstLastPara="1" wrap="square" lIns="121900" tIns="121900" rIns="121900" bIns="121900" anchor="ctr" anchorCtr="0">
             <a:noAutofit/>
           </a:bodyPr>
           <a:lstStyle/>
           <a:p>
-            <a:pPr indent="0" lvl="0" marL="0" rtl="0" algn="l">
+            <a:pPr marL="0" lvl="0" indent="0" algn="l" rtl="0">
               <a:spcBef>
                 <a:spcPts val="0"/>
               </a:spcBef>
@@ -5198,9 +5388,6 @@
               </a:spcAft>
               <a:buNone/>
             </a:pPr>
-            <a:r>
-              <a:t/>
-            </a:r>
             <a:endParaRPr/>
           </a:p>
         </p:txBody>
@@ -5208,7 +5395,9 @@
       <p:sp>
         <p:nvSpPr>
           <p:cNvPr id="37" name="Google Shape;37;p9"/>
-          <p:cNvSpPr txBox="1"/>
+          <p:cNvSpPr txBox="1">
+            <a:spLocks noGrp="1"/>
+          </p:cNvSpPr>
           <p:nvPr>
             <p:ph type="title"/>
           </p:nvPr>
@@ -5223,7 +5412,7 @@
           </a:prstGeom>
         </p:spPr>
         <p:txBody>
-          <a:bodyPr anchorCtr="0" anchor="b" bIns="121900" lIns="121900" spcFirstLastPara="1" rIns="121900" wrap="square" tIns="121900"/>
+          <a:bodyPr spcFirstLastPara="1" wrap="square" lIns="121900" tIns="121900" rIns="121900" bIns="121900" anchor="b" anchorCtr="0"/>
           <a:lstStyle>
             <a:lvl1pPr lvl="0" algn="ctr">
               <a:spcBef>
@@ -5325,15 +5514,19 @@
               <a:defRPr sz="5600"/>
             </a:lvl9pPr>
           </a:lstStyle>
-          <a:p/>
+          <a:p>
+            <a:endParaRPr/>
+          </a:p>
         </p:txBody>
       </p:sp>
       <p:sp>
         <p:nvSpPr>
           <p:cNvPr id="38" name="Google Shape;38;p9"/>
-          <p:cNvSpPr txBox="1"/>
+          <p:cNvSpPr txBox="1">
+            <a:spLocks noGrp="1"/>
+          </p:cNvSpPr>
           <p:nvPr>
-            <p:ph idx="1" type="subTitle"/>
+            <p:ph type="subTitle" idx="1"/>
           </p:nvPr>
         </p:nvSpPr>
         <p:spPr>
@@ -5346,7 +5539,7 @@
           </a:prstGeom>
         </p:spPr>
         <p:txBody>
-          <a:bodyPr anchorCtr="0" anchor="t" bIns="121900" lIns="121900" spcFirstLastPara="1" rIns="121900" wrap="square" tIns="121900"/>
+          <a:bodyPr spcFirstLastPara="1" wrap="square" lIns="121900" tIns="121900" rIns="121900" bIns="121900" anchor="t" anchorCtr="0"/>
           <a:lstStyle>
             <a:lvl1pPr lvl="0" algn="ctr">
               <a:lnSpc>
@@ -5475,15 +5668,19 @@
               <a:defRPr sz="2800"/>
             </a:lvl9pPr>
           </a:lstStyle>
-          <a:p/>
+          <a:p>
+            <a:endParaRPr/>
+          </a:p>
         </p:txBody>
       </p:sp>
       <p:sp>
         <p:nvSpPr>
           <p:cNvPr id="39" name="Google Shape;39;p9"/>
-          <p:cNvSpPr txBox="1"/>
+          <p:cNvSpPr txBox="1">
+            <a:spLocks noGrp="1"/>
+          </p:cNvSpPr>
           <p:nvPr>
-            <p:ph idx="2" type="body"/>
+            <p:ph type="body" idx="2"/>
           </p:nvPr>
         </p:nvSpPr>
         <p:spPr>
@@ -5496,9 +5693,9 @@
           </a:prstGeom>
         </p:spPr>
         <p:txBody>
-          <a:bodyPr anchorCtr="0" anchor="ctr" bIns="121900" lIns="121900" spcFirstLastPara="1" rIns="121900" wrap="square" tIns="121900"/>
+          <a:bodyPr spcFirstLastPara="1" wrap="square" lIns="121900" tIns="121900" rIns="121900" bIns="121900" anchor="ctr" anchorCtr="0"/>
           <a:lstStyle>
-            <a:lvl1pPr indent="-381000" lvl="0" marL="457200">
+            <a:lvl1pPr marL="457200" lvl="0" indent="-381000">
               <a:spcBef>
                 <a:spcPts val="0"/>
               </a:spcBef>
@@ -5516,7 +5713,7 @@
                 </a:solidFill>
               </a:defRPr>
             </a:lvl1pPr>
-            <a:lvl2pPr indent="-349250" lvl="1" marL="914400">
+            <a:lvl2pPr marL="914400" lvl="1" indent="-349250">
               <a:spcBef>
                 <a:spcPts val="2100"/>
               </a:spcBef>
@@ -5534,7 +5731,7 @@
                 </a:solidFill>
               </a:defRPr>
             </a:lvl2pPr>
-            <a:lvl3pPr indent="-349250" lvl="2" marL="1371600">
+            <a:lvl3pPr marL="1371600" lvl="2" indent="-349250">
               <a:spcBef>
                 <a:spcPts val="2100"/>
               </a:spcBef>
@@ -5552,7 +5749,7 @@
                 </a:solidFill>
               </a:defRPr>
             </a:lvl3pPr>
-            <a:lvl4pPr indent="-349250" lvl="3" marL="1828800">
+            <a:lvl4pPr marL="1828800" lvl="3" indent="-349250">
               <a:spcBef>
                 <a:spcPts val="2100"/>
               </a:spcBef>
@@ -5570,7 +5767,7 @@
                 </a:solidFill>
               </a:defRPr>
             </a:lvl4pPr>
-            <a:lvl5pPr indent="-349250" lvl="4" marL="2286000">
+            <a:lvl5pPr marL="2286000" lvl="4" indent="-349250">
               <a:spcBef>
                 <a:spcPts val="2100"/>
               </a:spcBef>
@@ -5588,7 +5785,7 @@
                 </a:solidFill>
               </a:defRPr>
             </a:lvl5pPr>
-            <a:lvl6pPr indent="-349250" lvl="5" marL="2743200">
+            <a:lvl6pPr marL="2743200" lvl="5" indent="-349250">
               <a:spcBef>
                 <a:spcPts val="2100"/>
               </a:spcBef>
@@ -5606,7 +5803,7 @@
                 </a:solidFill>
               </a:defRPr>
             </a:lvl6pPr>
-            <a:lvl7pPr indent="-349250" lvl="6" marL="3200400">
+            <a:lvl7pPr marL="3200400" lvl="6" indent="-349250">
               <a:spcBef>
                 <a:spcPts val="2100"/>
               </a:spcBef>
@@ -5624,7 +5821,7 @@
                 </a:solidFill>
               </a:defRPr>
             </a:lvl7pPr>
-            <a:lvl8pPr indent="-349250" lvl="7" marL="3657600">
+            <a:lvl8pPr marL="3657600" lvl="7" indent="-349250">
               <a:spcBef>
                 <a:spcPts val="2100"/>
               </a:spcBef>
@@ -5642,7 +5839,7 @@
                 </a:solidFill>
               </a:defRPr>
             </a:lvl8pPr>
-            <a:lvl9pPr indent="-349250" lvl="8" marL="4114800">
+            <a:lvl9pPr marL="4114800" lvl="8" indent="-349250">
               <a:spcBef>
                 <a:spcPts val="2100"/>
               </a:spcBef>
@@ -5661,15 +5858,19 @@
               </a:defRPr>
             </a:lvl9pPr>
           </a:lstStyle>
-          <a:p/>
+          <a:p>
+            <a:endParaRPr/>
+          </a:p>
         </p:txBody>
       </p:sp>
       <p:sp>
         <p:nvSpPr>
           <p:cNvPr id="40" name="Google Shape;40;p9"/>
-          <p:cNvSpPr txBox="1"/>
+          <p:cNvSpPr txBox="1">
+            <a:spLocks noGrp="1"/>
+          </p:cNvSpPr>
           <p:nvPr>
-            <p:ph idx="12" type="sldNum"/>
+            <p:ph type="sldNum" idx="12"/>
           </p:nvPr>
         </p:nvSpPr>
         <p:spPr>
@@ -5682,7 +5883,7 @@
           </a:prstGeom>
         </p:spPr>
         <p:txBody>
-          <a:bodyPr anchorCtr="0" anchor="ctr" bIns="121900" lIns="121900" spcFirstLastPara="1" rIns="121900" wrap="square" tIns="121900">
+          <a:bodyPr spcFirstLastPara="1" wrap="square" lIns="121900" tIns="121900" rIns="121900" bIns="121900" anchor="ctr" anchorCtr="0">
             <a:noAutofit/>
           </a:bodyPr>
           <a:lstStyle>
@@ -5724,7 +5925,7 @@
             </a:lvl9pPr>
           </a:lstStyle>
           <a:p>
-            <a:pPr indent="0" lvl="0" marL="0" rtl="0" algn="r">
+            <a:pPr marL="0" lvl="0" indent="0" algn="r" rtl="0">
               <a:spcBef>
                 <a:spcPts val="0"/>
               </a:spcBef>
@@ -5750,11 +5951,11 @@
 </file>
 
 <file path=ppt/slideLayouts/slideLayout9.xml><?xml version="1.0" encoding="utf-8"?>
-<p:sldLayout xmlns:a="http://schemas.openxmlformats.org/drawingml/2006/main" xmlns:r="http://schemas.openxmlformats.org/officeDocument/2006/relationships" xmlns:mc="http://schemas.openxmlformats.org/markup-compatibility/2006" xmlns:mv="urn:schemas-microsoft-com:mac:vml" xmlns:p="http://schemas.openxmlformats.org/presentationml/2006/main" xmlns:c="http://schemas.openxmlformats.org/drawingml/2006/chart" xmlns:dgm="http://schemas.openxmlformats.org/drawingml/2006/diagram" xmlns:o="urn:schemas-microsoft-com:office:office" xmlns:v="urn:schemas-microsoft-com:vml" xmlns:pvml="urn:schemas-microsoft-com:office:powerpoint" xmlns:com="http://schemas.openxmlformats.org/drawingml/2006/compatibility" xmlns:p14="http://schemas.microsoft.com/office/powerpoint/2010/main" xmlns:p15="http://schemas.microsoft.com/office/powerpoint/2012/main" matchingName="Caption">
+<p:sldLayout xmlns:a="http://schemas.openxmlformats.org/drawingml/2006/main" xmlns:r="http://schemas.openxmlformats.org/officeDocument/2006/relationships" xmlns:p="http://schemas.openxmlformats.org/presentationml/2006/main" matchingName="Caption">
   <p:cSld name="CAPTION_ONLY">
     <p:spTree>
       <p:nvGrpSpPr>
-        <p:cNvPr id="41" name="Shape 41"/>
+        <p:cNvPr id="1" name="Shape 41"/>
         <p:cNvGrpSpPr/>
         <p:nvPr/>
       </p:nvGrpSpPr>
@@ -5769,9 +5970,11 @@
       <p:sp>
         <p:nvSpPr>
           <p:cNvPr id="42" name="Google Shape;42;p10"/>
-          <p:cNvSpPr txBox="1"/>
+          <p:cNvSpPr txBox="1">
+            <a:spLocks noGrp="1"/>
+          </p:cNvSpPr>
           <p:nvPr>
-            <p:ph idx="1" type="body"/>
+            <p:ph type="body" idx="1"/>
           </p:nvPr>
         </p:nvSpPr>
         <p:spPr>
@@ -5784,9 +5987,9 @@
           </a:prstGeom>
         </p:spPr>
         <p:txBody>
-          <a:bodyPr anchorCtr="0" anchor="ctr" bIns="121900" lIns="121900" spcFirstLastPara="1" rIns="121900" wrap="square" tIns="121900"/>
+          <a:bodyPr spcFirstLastPara="1" wrap="square" lIns="121900" tIns="121900" rIns="121900" bIns="121900" anchor="ctr" anchorCtr="0"/>
           <a:lstStyle>
-            <a:lvl1pPr indent="-228600" lvl="0" marL="457200">
+            <a:lvl1pPr marL="457200" lvl="0" indent="-228600">
               <a:lnSpc>
                 <a:spcPct val="100000"/>
               </a:lnSpc>
@@ -5801,15 +6004,19 @@
               <a:defRPr/>
             </a:lvl1pPr>
           </a:lstStyle>
-          <a:p/>
+          <a:p>
+            <a:endParaRPr/>
+          </a:p>
         </p:txBody>
       </p:sp>
       <p:sp>
         <p:nvSpPr>
           <p:cNvPr id="43" name="Google Shape;43;p10"/>
-          <p:cNvSpPr txBox="1"/>
+          <p:cNvSpPr txBox="1">
+            <a:spLocks noGrp="1"/>
+          </p:cNvSpPr>
           <p:nvPr>
-            <p:ph idx="12" type="sldNum"/>
+            <p:ph type="sldNum" idx="12"/>
           </p:nvPr>
         </p:nvSpPr>
         <p:spPr>
@@ -5822,7 +6029,7 @@
           </a:prstGeom>
         </p:spPr>
         <p:txBody>
-          <a:bodyPr anchorCtr="0" anchor="ctr" bIns="121900" lIns="121900" spcFirstLastPara="1" rIns="121900" wrap="square" tIns="121900">
+          <a:bodyPr spcFirstLastPara="1" wrap="square" lIns="121900" tIns="121900" rIns="121900" bIns="121900" anchor="ctr" anchorCtr="0">
             <a:noAutofit/>
           </a:bodyPr>
           <a:lstStyle>
@@ -5864,7 +6071,7 @@
             </a:lvl9pPr>
           </a:lstStyle>
           <a:p>
-            <a:pPr indent="0" lvl="0" marL="0" rtl="0" algn="r">
+            <a:pPr marL="0" lvl="0" indent="0" algn="r" rtl="0">
               <a:spcBef>
                 <a:spcPts val="0"/>
               </a:spcBef>
@@ -5890,18 +6097,19 @@
 </file>
 
 <file path=ppt/slideMasters/slideMaster1.xml><?xml version="1.0" encoding="utf-8"?>
-<p:sldMaster xmlns:a="http://schemas.openxmlformats.org/drawingml/2006/main" xmlns:r="http://schemas.openxmlformats.org/officeDocument/2006/relationships" xmlns:mc="http://schemas.openxmlformats.org/markup-compatibility/2006" xmlns:mv="urn:schemas-microsoft-com:mac:vml" xmlns:p="http://schemas.openxmlformats.org/presentationml/2006/main" xmlns:c="http://schemas.openxmlformats.org/drawingml/2006/chart" xmlns:dgm="http://schemas.openxmlformats.org/drawingml/2006/diagram" xmlns:o="urn:schemas-microsoft-com:office:office" xmlns:v="urn:schemas-microsoft-com:vml" xmlns:pvml="urn:schemas-microsoft-com:office:powerpoint" xmlns:com="http://schemas.openxmlformats.org/drawingml/2006/compatibility" xmlns:p14="http://schemas.microsoft.com/office/powerpoint/2010/main" xmlns:p15="http://schemas.microsoft.com/office/powerpoint/2012/main">
+<p:sldMaster xmlns:a="http://schemas.openxmlformats.org/drawingml/2006/main" xmlns:r="http://schemas.openxmlformats.org/officeDocument/2006/relationships" xmlns:p="http://schemas.openxmlformats.org/presentationml/2006/main">
   <p:cSld name="simple-dark-2">
     <p:bg>
       <p:bgPr>
         <a:solidFill>
           <a:schemeClr val="lt1"/>
         </a:solidFill>
+        <a:effectLst/>
       </p:bgPr>
     </p:bg>
     <p:spTree>
       <p:nvGrpSpPr>
-        <p:cNvPr id="5" name="Shape 5"/>
+        <p:cNvPr id="1" name="Shape 5"/>
         <p:cNvGrpSpPr/>
         <p:nvPr/>
       </p:nvGrpSpPr>
@@ -5916,7 +6124,9 @@
       <p:sp>
         <p:nvSpPr>
           <p:cNvPr id="6" name="Google Shape;6;p1"/>
-          <p:cNvSpPr txBox="1"/>
+          <p:cNvSpPr txBox="1">
+            <a:spLocks noGrp="1"/>
+          </p:cNvSpPr>
           <p:nvPr>
             <p:ph type="title"/>
           </p:nvPr>
@@ -5935,7 +6145,7 @@
           </a:ln>
         </p:spPr>
         <p:txBody>
-          <a:bodyPr anchorCtr="0" anchor="t" bIns="121900" lIns="121900" spcFirstLastPara="1" rIns="121900" wrap="square" tIns="121900"/>
+          <a:bodyPr spcFirstLastPara="1" wrap="square" lIns="121900" tIns="121900" rIns="121900" bIns="121900" anchor="t" anchorCtr="0"/>
           <a:lstStyle>
             <a:lvl1pPr lvl="0">
               <a:spcBef>
@@ -6100,15 +6310,19 @@
               </a:defRPr>
             </a:lvl9pPr>
           </a:lstStyle>
-          <a:p/>
+          <a:p>
+            <a:endParaRPr/>
+          </a:p>
         </p:txBody>
       </p:sp>
       <p:sp>
         <p:nvSpPr>
           <p:cNvPr id="7" name="Google Shape;7;p1"/>
-          <p:cNvSpPr txBox="1"/>
+          <p:cNvSpPr txBox="1">
+            <a:spLocks noGrp="1"/>
+          </p:cNvSpPr>
           <p:nvPr>
-            <p:ph idx="1" type="body"/>
+            <p:ph type="body" idx="1"/>
           </p:nvPr>
         </p:nvSpPr>
         <p:spPr>
@@ -6125,9 +6339,9 @@
           </a:ln>
         </p:spPr>
         <p:txBody>
-          <a:bodyPr anchorCtr="0" anchor="t" bIns="121900" lIns="121900" spcFirstLastPara="1" rIns="121900" wrap="square" tIns="121900"/>
+          <a:bodyPr spcFirstLastPara="1" wrap="square" lIns="121900" tIns="121900" rIns="121900" bIns="121900" anchor="t" anchorCtr="0"/>
           <a:lstStyle>
-            <a:lvl1pPr indent="-381000" lvl="0" marL="457200">
+            <a:lvl1pPr marL="457200" lvl="0" indent="-381000">
               <a:lnSpc>
                 <a:spcPct val="115000"/>
               </a:lnSpc>
@@ -6148,7 +6362,7 @@
                 </a:solidFill>
               </a:defRPr>
             </a:lvl1pPr>
-            <a:lvl2pPr indent="-349250" lvl="1" marL="914400">
+            <a:lvl2pPr marL="914400" lvl="1" indent="-349250">
               <a:lnSpc>
                 <a:spcPct val="115000"/>
               </a:lnSpc>
@@ -6169,7 +6383,7 @@
                 </a:solidFill>
               </a:defRPr>
             </a:lvl2pPr>
-            <a:lvl3pPr indent="-349250" lvl="2" marL="1371600">
+            <a:lvl3pPr marL="1371600" lvl="2" indent="-349250">
               <a:lnSpc>
                 <a:spcPct val="115000"/>
               </a:lnSpc>
@@ -6190,7 +6404,7 @@
                 </a:solidFill>
               </a:defRPr>
             </a:lvl3pPr>
-            <a:lvl4pPr indent="-349250" lvl="3" marL="1828800">
+            <a:lvl4pPr marL="1828800" lvl="3" indent="-349250">
               <a:lnSpc>
                 <a:spcPct val="115000"/>
               </a:lnSpc>
@@ -6211,7 +6425,7 @@
                 </a:solidFill>
               </a:defRPr>
             </a:lvl4pPr>
-            <a:lvl5pPr indent="-349250" lvl="4" marL="2286000">
+            <a:lvl5pPr marL="2286000" lvl="4" indent="-349250">
               <a:lnSpc>
                 <a:spcPct val="115000"/>
               </a:lnSpc>
@@ -6232,7 +6446,7 @@
                 </a:solidFill>
               </a:defRPr>
             </a:lvl5pPr>
-            <a:lvl6pPr indent="-349250" lvl="5" marL="2743200">
+            <a:lvl6pPr marL="2743200" lvl="5" indent="-349250">
               <a:lnSpc>
                 <a:spcPct val="115000"/>
               </a:lnSpc>
@@ -6253,7 +6467,7 @@
                 </a:solidFill>
               </a:defRPr>
             </a:lvl6pPr>
-            <a:lvl7pPr indent="-349250" lvl="6" marL="3200400">
+            <a:lvl7pPr marL="3200400" lvl="6" indent="-349250">
               <a:lnSpc>
                 <a:spcPct val="115000"/>
               </a:lnSpc>
@@ -6274,7 +6488,7 @@
                 </a:solidFill>
               </a:defRPr>
             </a:lvl7pPr>
-            <a:lvl8pPr indent="-349250" lvl="7" marL="3657600">
+            <a:lvl8pPr marL="3657600" lvl="7" indent="-349250">
               <a:lnSpc>
                 <a:spcPct val="115000"/>
               </a:lnSpc>
@@ -6295,7 +6509,7 @@
                 </a:solidFill>
               </a:defRPr>
             </a:lvl8pPr>
-            <a:lvl9pPr indent="-349250" lvl="8" marL="4114800">
+            <a:lvl9pPr marL="4114800" lvl="8" indent="-349250">
               <a:lnSpc>
                 <a:spcPct val="115000"/>
               </a:lnSpc>
@@ -6317,15 +6531,19 @@
               </a:defRPr>
             </a:lvl9pPr>
           </a:lstStyle>
-          <a:p/>
+          <a:p>
+            <a:endParaRPr/>
+          </a:p>
         </p:txBody>
       </p:sp>
       <p:sp>
         <p:nvSpPr>
           <p:cNvPr id="8" name="Google Shape;8;p1"/>
-          <p:cNvSpPr txBox="1"/>
+          <p:cNvSpPr txBox="1">
+            <a:spLocks noGrp="1"/>
+          </p:cNvSpPr>
           <p:nvPr>
-            <p:ph idx="12" type="sldNum"/>
+            <p:ph type="sldNum" idx="12"/>
           </p:nvPr>
         </p:nvSpPr>
         <p:spPr>
@@ -6342,7 +6560,7 @@
           </a:ln>
         </p:spPr>
         <p:txBody>
-          <a:bodyPr anchorCtr="0" anchor="ctr" bIns="121900" lIns="121900" spcFirstLastPara="1" rIns="121900" wrap="square" tIns="121900">
+          <a:bodyPr spcFirstLastPara="1" wrap="square" lIns="121900" tIns="121900" rIns="121900" bIns="121900" anchor="ctr" anchorCtr="0">
             <a:noAutofit/>
           </a:bodyPr>
           <a:lstStyle>
@@ -6420,7 +6638,7 @@
             </a:lvl9pPr>
           </a:lstStyle>
           <a:p>
-            <a:pPr indent="0" lvl="0" marL="0" rtl="0" algn="r">
+            <a:pPr marL="0" lvl="0" indent="0" algn="r" rtl="0">
               <a:spcBef>
                 <a:spcPts val="0"/>
               </a:spcBef>
@@ -6439,7 +6657,7 @@
       </p:sp>
     </p:spTree>
   </p:cSld>
-  <p:clrMap accent1="accent1" accent2="accent2" accent3="accent3" accent4="accent4" accent5="accent5" accent6="accent6" bg1="lt1" bg2="dk2" tx1="dk1" tx2="lt2" folHlink="folHlink" hlink="hlink"/>
+  <p:clrMap bg1="lt1" tx1="dk1" bg2="dk2" tx2="lt2" accent1="accent1" accent2="accent2" accent3="accent3" accent4="accent4" accent5="accent5" accent6="accent6" hlink="hlink" folHlink="folHlink"/>
   <p:sldLayoutIdLst>
     <p:sldLayoutId id="2147483648" r:id="rId1"/>
     <p:sldLayoutId id="2147483649" r:id="rId2"/>
@@ -6454,10 +6672,10 @@
     <p:sldLayoutId id="2147483658" r:id="rId11"/>
     <p:sldLayoutId id="2147483659" r:id="rId12"/>
   </p:sldLayoutIdLst>
-  <p:hf dt="0" ftr="0" hdr="0" sldNum="0"/>
+  <p:hf sldNum="0" hdr="0" ftr="0" dt="0"/>
   <p:txStyles>
     <p:titleStyle>
-      <a:defPPr lvl="0" marR="0" rtl="0" algn="l">
+      <a:defPPr marR="0" lvl="0" algn="l" rtl="0">
         <a:lnSpc>
           <a:spcPct val="100000"/>
         </a:lnSpc>
@@ -6468,7 +6686,7 @@
           <a:spcPts val="0"/>
         </a:spcAft>
       </a:defPPr>
-      <a:lvl1pPr lvl="0" marR="0" rtl="0" algn="l">
+      <a:lvl1pPr marR="0" lvl="0" algn="l" rtl="0">
         <a:lnSpc>
           <a:spcPct val="100000"/>
         </a:lnSpc>
@@ -6482,7 +6700,7 @@
           <a:srgbClr val="000000"/>
         </a:buClr>
         <a:buFont typeface="Arial"/>
-        <a:defRPr b="0" i="0" sz="1400" u="none" cap="none" strike="noStrike">
+        <a:defRPr sz="1400" b="0" i="0" u="none" strike="noStrike" cap="none">
           <a:solidFill>
             <a:srgbClr val="000000"/>
           </a:solidFill>
@@ -6492,7 +6710,7 @@
           <a:sym typeface="Arial"/>
         </a:defRPr>
       </a:lvl1pPr>
-      <a:lvl2pPr lvl="1" marR="0" rtl="0" algn="l">
+      <a:lvl2pPr marR="0" lvl="1" algn="l" rtl="0">
         <a:lnSpc>
           <a:spcPct val="100000"/>
         </a:lnSpc>
@@ -6506,7 +6724,7 @@
           <a:srgbClr val="000000"/>
         </a:buClr>
         <a:buFont typeface="Arial"/>
-        <a:defRPr b="0" i="0" sz="1400" u="none" cap="none" strike="noStrike">
+        <a:defRPr sz="1400" b="0" i="0" u="none" strike="noStrike" cap="none">
           <a:solidFill>
             <a:srgbClr val="000000"/>
           </a:solidFill>
@@ -6516,7 +6734,7 @@
           <a:sym typeface="Arial"/>
         </a:defRPr>
       </a:lvl2pPr>
-      <a:lvl3pPr lvl="2" marR="0" rtl="0" algn="l">
+      <a:lvl3pPr marR="0" lvl="2" algn="l" rtl="0">
         <a:lnSpc>
           <a:spcPct val="100000"/>
         </a:lnSpc>
@@ -6530,7 +6748,7 @@
           <a:srgbClr val="000000"/>
         </a:buClr>
         <a:buFont typeface="Arial"/>
-        <a:defRPr b="0" i="0" sz="1400" u="none" cap="none" strike="noStrike">
+        <a:defRPr sz="1400" b="0" i="0" u="none" strike="noStrike" cap="none">
           <a:solidFill>
             <a:srgbClr val="000000"/>
           </a:solidFill>
@@ -6540,7 +6758,7 @@
           <a:sym typeface="Arial"/>
         </a:defRPr>
       </a:lvl3pPr>
-      <a:lvl4pPr lvl="3" marR="0" rtl="0" algn="l">
+      <a:lvl4pPr marR="0" lvl="3" algn="l" rtl="0">
         <a:lnSpc>
           <a:spcPct val="100000"/>
         </a:lnSpc>
@@ -6554,7 +6772,7 @@
           <a:srgbClr val="000000"/>
         </a:buClr>
         <a:buFont typeface="Arial"/>
-        <a:defRPr b="0" i="0" sz="1400" u="none" cap="none" strike="noStrike">
+        <a:defRPr sz="1400" b="0" i="0" u="none" strike="noStrike" cap="none">
           <a:solidFill>
             <a:srgbClr val="000000"/>
           </a:solidFill>
@@ -6564,7 +6782,7 @@
           <a:sym typeface="Arial"/>
         </a:defRPr>
       </a:lvl4pPr>
-      <a:lvl5pPr lvl="4" marR="0" rtl="0" algn="l">
+      <a:lvl5pPr marR="0" lvl="4" algn="l" rtl="0">
         <a:lnSpc>
           <a:spcPct val="100000"/>
         </a:lnSpc>
@@ -6578,7 +6796,7 @@
           <a:srgbClr val="000000"/>
         </a:buClr>
         <a:buFont typeface="Arial"/>
-        <a:defRPr b="0" i="0" sz="1400" u="none" cap="none" strike="noStrike">
+        <a:defRPr sz="1400" b="0" i="0" u="none" strike="noStrike" cap="none">
           <a:solidFill>
             <a:srgbClr val="000000"/>
           </a:solidFill>
@@ -6588,7 +6806,7 @@
           <a:sym typeface="Arial"/>
         </a:defRPr>
       </a:lvl5pPr>
-      <a:lvl6pPr lvl="5" marR="0" rtl="0" algn="l">
+      <a:lvl6pPr marR="0" lvl="5" algn="l" rtl="0">
         <a:lnSpc>
           <a:spcPct val="100000"/>
         </a:lnSpc>
@@ -6602,7 +6820,7 @@
           <a:srgbClr val="000000"/>
         </a:buClr>
         <a:buFont typeface="Arial"/>
-        <a:defRPr b="0" i="0" sz="1400" u="none" cap="none" strike="noStrike">
+        <a:defRPr sz="1400" b="0" i="0" u="none" strike="noStrike" cap="none">
           <a:solidFill>
             <a:srgbClr val="000000"/>
           </a:solidFill>
@@ -6612,7 +6830,7 @@
           <a:sym typeface="Arial"/>
         </a:defRPr>
       </a:lvl6pPr>
-      <a:lvl7pPr lvl="6" marR="0" rtl="0" algn="l">
+      <a:lvl7pPr marR="0" lvl="6" algn="l" rtl="0">
         <a:lnSpc>
           <a:spcPct val="100000"/>
         </a:lnSpc>
@@ -6626,7 +6844,7 @@
           <a:srgbClr val="000000"/>
         </a:buClr>
         <a:buFont typeface="Arial"/>
-        <a:defRPr b="0" i="0" sz="1400" u="none" cap="none" strike="noStrike">
+        <a:defRPr sz="1400" b="0" i="0" u="none" strike="noStrike" cap="none">
           <a:solidFill>
             <a:srgbClr val="000000"/>
           </a:solidFill>
@@ -6636,7 +6854,7 @@
           <a:sym typeface="Arial"/>
         </a:defRPr>
       </a:lvl7pPr>
-      <a:lvl8pPr lvl="7" marR="0" rtl="0" algn="l">
+      <a:lvl8pPr marR="0" lvl="7" algn="l" rtl="0">
         <a:lnSpc>
           <a:spcPct val="100000"/>
         </a:lnSpc>
@@ -6650,7 +6868,7 @@
           <a:srgbClr val="000000"/>
         </a:buClr>
         <a:buFont typeface="Arial"/>
-        <a:defRPr b="0" i="0" sz="1400" u="none" cap="none" strike="noStrike">
+        <a:defRPr sz="1400" b="0" i="0" u="none" strike="noStrike" cap="none">
           <a:solidFill>
             <a:srgbClr val="000000"/>
           </a:solidFill>
@@ -6660,7 +6878,7 @@
           <a:sym typeface="Arial"/>
         </a:defRPr>
       </a:lvl8pPr>
-      <a:lvl9pPr lvl="8" marR="0" rtl="0" algn="l">
+      <a:lvl9pPr marR="0" lvl="8" algn="l" rtl="0">
         <a:lnSpc>
           <a:spcPct val="100000"/>
         </a:lnSpc>
@@ -6674,7 +6892,7 @@
           <a:srgbClr val="000000"/>
         </a:buClr>
         <a:buFont typeface="Arial"/>
-        <a:defRPr b="0" i="0" sz="1400" u="none" cap="none" strike="noStrike">
+        <a:defRPr sz="1400" b="0" i="0" u="none" strike="noStrike" cap="none">
           <a:solidFill>
             <a:srgbClr val="000000"/>
           </a:solidFill>
@@ -6686,7 +6904,7 @@
       </a:lvl9pPr>
     </p:titleStyle>
     <p:bodyStyle>
-      <a:defPPr lvl="0" marR="0" rtl="0" algn="l">
+      <a:defPPr marR="0" lvl="0" algn="l" rtl="0">
         <a:lnSpc>
           <a:spcPct val="100000"/>
         </a:lnSpc>
@@ -6697,7 +6915,7 @@
           <a:spcPts val="0"/>
         </a:spcAft>
       </a:defPPr>
-      <a:lvl1pPr lvl="0" marR="0" rtl="0" algn="l">
+      <a:lvl1pPr marR="0" lvl="0" algn="l" rtl="0">
         <a:lnSpc>
           <a:spcPct val="100000"/>
         </a:lnSpc>
@@ -6711,7 +6929,7 @@
           <a:srgbClr val="000000"/>
         </a:buClr>
         <a:buFont typeface="Arial"/>
-        <a:defRPr b="0" i="0" sz="1400" u="none" cap="none" strike="noStrike">
+        <a:defRPr sz="1400" b="0" i="0" u="none" strike="noStrike" cap="none">
           <a:solidFill>
             <a:srgbClr val="000000"/>
           </a:solidFill>
@@ -6721,7 +6939,7 @@
           <a:sym typeface="Arial"/>
         </a:defRPr>
       </a:lvl1pPr>
-      <a:lvl2pPr lvl="1" marR="0" rtl="0" algn="l">
+      <a:lvl2pPr marR="0" lvl="1" algn="l" rtl="0">
         <a:lnSpc>
           <a:spcPct val="100000"/>
         </a:lnSpc>
@@ -6735,7 +6953,7 @@
           <a:srgbClr val="000000"/>
         </a:buClr>
         <a:buFont typeface="Arial"/>
-        <a:defRPr b="0" i="0" sz="1400" u="none" cap="none" strike="noStrike">
+        <a:defRPr sz="1400" b="0" i="0" u="none" strike="noStrike" cap="none">
           <a:solidFill>
             <a:srgbClr val="000000"/>
           </a:solidFill>
@@ -6745,7 +6963,7 @@
           <a:sym typeface="Arial"/>
         </a:defRPr>
       </a:lvl2pPr>
-      <a:lvl3pPr lvl="2" marR="0" rtl="0" algn="l">
+      <a:lvl3pPr marR="0" lvl="2" algn="l" rtl="0">
         <a:lnSpc>
           <a:spcPct val="100000"/>
         </a:lnSpc>
@@ -6759,7 +6977,7 @@
           <a:srgbClr val="000000"/>
         </a:buClr>
         <a:buFont typeface="Arial"/>
-        <a:defRPr b="0" i="0" sz="1400" u="none" cap="none" strike="noStrike">
+        <a:defRPr sz="1400" b="0" i="0" u="none" strike="noStrike" cap="none">
           <a:solidFill>
             <a:srgbClr val="000000"/>
           </a:solidFill>
@@ -6769,7 +6987,7 @@
           <a:sym typeface="Arial"/>
         </a:defRPr>
       </a:lvl3pPr>
-      <a:lvl4pPr lvl="3" marR="0" rtl="0" algn="l">
+      <a:lvl4pPr marR="0" lvl="3" algn="l" rtl="0">
         <a:lnSpc>
           <a:spcPct val="100000"/>
         </a:lnSpc>
@@ -6783,7 +7001,7 @@
           <a:srgbClr val="000000"/>
         </a:buClr>
         <a:buFont typeface="Arial"/>
-        <a:defRPr b="0" i="0" sz="1400" u="none" cap="none" strike="noStrike">
+        <a:defRPr sz="1400" b="0" i="0" u="none" strike="noStrike" cap="none">
           <a:solidFill>
             <a:srgbClr val="000000"/>
           </a:solidFill>
@@ -6793,7 +7011,7 @@
           <a:sym typeface="Arial"/>
         </a:defRPr>
       </a:lvl4pPr>
-      <a:lvl5pPr lvl="4" marR="0" rtl="0" algn="l">
+      <a:lvl5pPr marR="0" lvl="4" algn="l" rtl="0">
         <a:lnSpc>
           <a:spcPct val="100000"/>
         </a:lnSpc>
@@ -6807,7 +7025,7 @@
           <a:srgbClr val="000000"/>
         </a:buClr>
         <a:buFont typeface="Arial"/>
-        <a:defRPr b="0" i="0" sz="1400" u="none" cap="none" strike="noStrike">
+        <a:defRPr sz="1400" b="0" i="0" u="none" strike="noStrike" cap="none">
           <a:solidFill>
             <a:srgbClr val="000000"/>
           </a:solidFill>
@@ -6817,7 +7035,7 @@
           <a:sym typeface="Arial"/>
         </a:defRPr>
       </a:lvl5pPr>
-      <a:lvl6pPr lvl="5" marR="0" rtl="0" algn="l">
+      <a:lvl6pPr marR="0" lvl="5" algn="l" rtl="0">
         <a:lnSpc>
           <a:spcPct val="100000"/>
         </a:lnSpc>
@@ -6831,7 +7049,7 @@
           <a:srgbClr val="000000"/>
         </a:buClr>
         <a:buFont typeface="Arial"/>
-        <a:defRPr b="0" i="0" sz="1400" u="none" cap="none" strike="noStrike">
+        <a:defRPr sz="1400" b="0" i="0" u="none" strike="noStrike" cap="none">
           <a:solidFill>
             <a:srgbClr val="000000"/>
           </a:solidFill>
@@ -6841,7 +7059,7 @@
           <a:sym typeface="Arial"/>
         </a:defRPr>
       </a:lvl6pPr>
-      <a:lvl7pPr lvl="6" marR="0" rtl="0" algn="l">
+      <a:lvl7pPr marR="0" lvl="6" algn="l" rtl="0">
         <a:lnSpc>
           <a:spcPct val="100000"/>
         </a:lnSpc>
@@ -6855,7 +7073,7 @@
           <a:srgbClr val="000000"/>
         </a:buClr>
         <a:buFont typeface="Arial"/>
-        <a:defRPr b="0" i="0" sz="1400" u="none" cap="none" strike="noStrike">
+        <a:defRPr sz="1400" b="0" i="0" u="none" strike="noStrike" cap="none">
           <a:solidFill>
             <a:srgbClr val="000000"/>
           </a:solidFill>
@@ -6865,7 +7083,7 @@
           <a:sym typeface="Arial"/>
         </a:defRPr>
       </a:lvl7pPr>
-      <a:lvl8pPr lvl="7" marR="0" rtl="0" algn="l">
+      <a:lvl8pPr marR="0" lvl="7" algn="l" rtl="0">
         <a:lnSpc>
           <a:spcPct val="100000"/>
         </a:lnSpc>
@@ -6879,7 +7097,7 @@
           <a:srgbClr val="000000"/>
         </a:buClr>
         <a:buFont typeface="Arial"/>
-        <a:defRPr b="0" i="0" sz="1400" u="none" cap="none" strike="noStrike">
+        <a:defRPr sz="1400" b="0" i="0" u="none" strike="noStrike" cap="none">
           <a:solidFill>
             <a:srgbClr val="000000"/>
           </a:solidFill>
@@ -6889,7 +7107,7 @@
           <a:sym typeface="Arial"/>
         </a:defRPr>
       </a:lvl8pPr>
-      <a:lvl9pPr lvl="8" marR="0" rtl="0" algn="l">
+      <a:lvl9pPr marR="0" lvl="8" algn="l" rtl="0">
         <a:lnSpc>
           <a:spcPct val="100000"/>
         </a:lnSpc>
@@ -6903,7 +7121,7 @@
           <a:srgbClr val="000000"/>
         </a:buClr>
         <a:buFont typeface="Arial"/>
-        <a:defRPr b="0" i="0" sz="1400" u="none" cap="none" strike="noStrike">
+        <a:defRPr sz="1400" b="0" i="0" u="none" strike="noStrike" cap="none">
           <a:solidFill>
             <a:srgbClr val="000000"/>
           </a:solidFill>
@@ -6915,7 +7133,7 @@
       </a:lvl9pPr>
     </p:bodyStyle>
     <p:otherStyle>
-      <a:defPPr lvl="0" marR="0" rtl="0" algn="l">
+      <a:defPPr marR="0" lvl="0" algn="l" rtl="0">
         <a:lnSpc>
           <a:spcPct val="100000"/>
         </a:lnSpc>
@@ -6926,7 +7144,7 @@
           <a:spcPts val="0"/>
         </a:spcAft>
       </a:defPPr>
-      <a:lvl1pPr lvl="0" marR="0" rtl="0" algn="l">
+      <a:lvl1pPr marR="0" lvl="0" algn="l" rtl="0">
         <a:lnSpc>
           <a:spcPct val="100000"/>
         </a:lnSpc>
@@ -6940,7 +7158,7 @@
           <a:srgbClr val="000000"/>
         </a:buClr>
         <a:buFont typeface="Arial"/>
-        <a:defRPr b="0" i="0" sz="1400" u="none" cap="none" strike="noStrike">
+        <a:defRPr sz="1400" b="0" i="0" u="none" strike="noStrike" cap="none">
           <a:solidFill>
             <a:srgbClr val="000000"/>
           </a:solidFill>
@@ -6950,7 +7168,7 @@
           <a:sym typeface="Arial"/>
         </a:defRPr>
       </a:lvl1pPr>
-      <a:lvl2pPr lvl="1" marR="0" rtl="0" algn="l">
+      <a:lvl2pPr marR="0" lvl="1" algn="l" rtl="0">
         <a:lnSpc>
           <a:spcPct val="100000"/>
         </a:lnSpc>
@@ -6964,7 +7182,7 @@
           <a:srgbClr val="000000"/>
         </a:buClr>
         <a:buFont typeface="Arial"/>
-        <a:defRPr b="0" i="0" sz="1400" u="none" cap="none" strike="noStrike">
+        <a:defRPr sz="1400" b="0" i="0" u="none" strike="noStrike" cap="none">
           <a:solidFill>
             <a:srgbClr val="000000"/>
           </a:solidFill>
@@ -6974,7 +7192,7 @@
           <a:sym typeface="Arial"/>
         </a:defRPr>
       </a:lvl2pPr>
-      <a:lvl3pPr lvl="2" marR="0" rtl="0" algn="l">
+      <a:lvl3pPr marR="0" lvl="2" algn="l" rtl="0">
         <a:lnSpc>
           <a:spcPct val="100000"/>
         </a:lnSpc>
@@ -6988,7 +7206,7 @@
           <a:srgbClr val="000000"/>
         </a:buClr>
         <a:buFont typeface="Arial"/>
-        <a:defRPr b="0" i="0" sz="1400" u="none" cap="none" strike="noStrike">
+        <a:defRPr sz="1400" b="0" i="0" u="none" strike="noStrike" cap="none">
           <a:solidFill>
             <a:srgbClr val="000000"/>
           </a:solidFill>
@@ -6998,7 +7216,7 @@
           <a:sym typeface="Arial"/>
         </a:defRPr>
       </a:lvl3pPr>
-      <a:lvl4pPr lvl="3" marR="0" rtl="0" algn="l">
+      <a:lvl4pPr marR="0" lvl="3" algn="l" rtl="0">
         <a:lnSpc>
           <a:spcPct val="100000"/>
         </a:lnSpc>
@@ -7012,7 +7230,7 @@
           <a:srgbClr val="000000"/>
         </a:buClr>
         <a:buFont typeface="Arial"/>
-        <a:defRPr b="0" i="0" sz="1400" u="none" cap="none" strike="noStrike">
+        <a:defRPr sz="1400" b="0" i="0" u="none" strike="noStrike" cap="none">
           <a:solidFill>
             <a:srgbClr val="000000"/>
           </a:solidFill>
@@ -7022,7 +7240,7 @@
           <a:sym typeface="Arial"/>
         </a:defRPr>
       </a:lvl4pPr>
-      <a:lvl5pPr lvl="4" marR="0" rtl="0" algn="l">
+      <a:lvl5pPr marR="0" lvl="4" algn="l" rtl="0">
         <a:lnSpc>
           <a:spcPct val="100000"/>
         </a:lnSpc>
@@ -7036,7 +7254,7 @@
           <a:srgbClr val="000000"/>
         </a:buClr>
         <a:buFont typeface="Arial"/>
-        <a:defRPr b="0" i="0" sz="1400" u="none" cap="none" strike="noStrike">
+        <a:defRPr sz="1400" b="0" i="0" u="none" strike="noStrike" cap="none">
           <a:solidFill>
             <a:srgbClr val="000000"/>
           </a:solidFill>
@@ -7046,7 +7264,7 @@
           <a:sym typeface="Arial"/>
         </a:defRPr>
       </a:lvl5pPr>
-      <a:lvl6pPr lvl="5" marR="0" rtl="0" algn="l">
+      <a:lvl6pPr marR="0" lvl="5" algn="l" rtl="0">
         <a:lnSpc>
           <a:spcPct val="100000"/>
         </a:lnSpc>
@@ -7060,7 +7278,7 @@
           <a:srgbClr val="000000"/>
         </a:buClr>
         <a:buFont typeface="Arial"/>
-        <a:defRPr b="0" i="0" sz="1400" u="none" cap="none" strike="noStrike">
+        <a:defRPr sz="1400" b="0" i="0" u="none" strike="noStrike" cap="none">
           <a:solidFill>
             <a:srgbClr val="000000"/>
           </a:solidFill>
@@ -7070,7 +7288,7 @@
           <a:sym typeface="Arial"/>
         </a:defRPr>
       </a:lvl6pPr>
-      <a:lvl7pPr lvl="6" marR="0" rtl="0" algn="l">
+      <a:lvl7pPr marR="0" lvl="6" algn="l" rtl="0">
         <a:lnSpc>
           <a:spcPct val="100000"/>
         </a:lnSpc>
@@ -7084,7 +7302,7 @@
           <a:srgbClr val="000000"/>
         </a:buClr>
         <a:buFont typeface="Arial"/>
-        <a:defRPr b="0" i="0" sz="1400" u="none" cap="none" strike="noStrike">
+        <a:defRPr sz="1400" b="0" i="0" u="none" strike="noStrike" cap="none">
           <a:solidFill>
             <a:srgbClr val="000000"/>
           </a:solidFill>
@@ -7094,7 +7312,7 @@
           <a:sym typeface="Arial"/>
         </a:defRPr>
       </a:lvl7pPr>
-      <a:lvl8pPr lvl="7" marR="0" rtl="0" algn="l">
+      <a:lvl8pPr marR="0" lvl="7" algn="l" rtl="0">
         <a:lnSpc>
           <a:spcPct val="100000"/>
         </a:lnSpc>
@@ -7108,7 +7326,7 @@
           <a:srgbClr val="000000"/>
         </a:buClr>
         <a:buFont typeface="Arial"/>
-        <a:defRPr b="0" i="0" sz="1400" u="none" cap="none" strike="noStrike">
+        <a:defRPr sz="1400" b="0" i="0" u="none" strike="noStrike" cap="none">
           <a:solidFill>
             <a:srgbClr val="000000"/>
           </a:solidFill>
@@ -7118,7 +7336,7 @@
           <a:sym typeface="Arial"/>
         </a:defRPr>
       </a:lvl8pPr>
-      <a:lvl9pPr lvl="8" marR="0" rtl="0" algn="l">
+      <a:lvl9pPr marR="0" lvl="8" algn="l" rtl="0">
         <a:lnSpc>
           <a:spcPct val="100000"/>
         </a:lnSpc>
@@ -7132,7 +7350,7 @@
           <a:srgbClr val="000000"/>
         </a:buClr>
         <a:buFont typeface="Arial"/>
-        <a:defRPr b="0" i="0" sz="1400" u="none" cap="none" strike="noStrike">
+        <a:defRPr sz="1400" b="0" i="0" u="none" strike="noStrike" cap="none">
           <a:solidFill>
             <a:srgbClr val="000000"/>
           </a:solidFill>
@@ -7148,11 +7366,11 @@
 </file>
 
 <file path=ppt/slides/slide1.xml><?xml version="1.0" encoding="utf-8"?>
-<p:sld xmlns:a="http://schemas.openxmlformats.org/drawingml/2006/main" xmlns:r="http://schemas.openxmlformats.org/officeDocument/2006/relationships" xmlns:mc="http://schemas.openxmlformats.org/markup-compatibility/2006" xmlns:mv="urn:schemas-microsoft-com:mac:vml" xmlns:p="http://schemas.openxmlformats.org/presentationml/2006/main" xmlns:c="http://schemas.openxmlformats.org/drawingml/2006/chart" xmlns:dgm="http://schemas.openxmlformats.org/drawingml/2006/diagram" xmlns:o="urn:schemas-microsoft-com:office:office" xmlns:v="urn:schemas-microsoft-com:vml" xmlns:pvml="urn:schemas-microsoft-com:office:powerpoint" xmlns:com="http://schemas.openxmlformats.org/drawingml/2006/compatibility" xmlns:p14="http://schemas.microsoft.com/office/powerpoint/2010/main" xmlns:p15="http://schemas.microsoft.com/office/powerpoint/2012/main">
+<p:sld xmlns:a="http://schemas.openxmlformats.org/drawingml/2006/main" xmlns:r="http://schemas.openxmlformats.org/officeDocument/2006/relationships" xmlns:p="http://schemas.openxmlformats.org/presentationml/2006/main">
   <p:cSld>
     <p:spTree>
       <p:nvGrpSpPr>
-        <p:cNvPr id="59" name="Shape 59"/>
+        <p:cNvPr id="1" name="Shape 59"/>
         <p:cNvGrpSpPr/>
         <p:nvPr/>
       </p:nvGrpSpPr>
@@ -7167,7 +7385,9 @@
       <p:sp>
         <p:nvSpPr>
           <p:cNvPr id="60" name="Google Shape;60;p14"/>
-          <p:cNvSpPr txBox="1"/>
+          <p:cNvSpPr txBox="1">
+            <a:spLocks noGrp="1"/>
+          </p:cNvSpPr>
           <p:nvPr>
             <p:ph type="ctrTitle"/>
           </p:nvPr>
@@ -7186,12 +7406,12 @@
           </a:ln>
         </p:spPr>
         <p:txBody>
-          <a:bodyPr anchorCtr="0" anchor="b" bIns="45700" lIns="91425" spcFirstLastPara="1" rIns="91425" wrap="square" tIns="45700">
+          <a:bodyPr spcFirstLastPara="1" wrap="square" lIns="91425" tIns="45700" rIns="91425" bIns="45700" anchor="b" anchorCtr="0">
             <a:noAutofit/>
           </a:bodyPr>
           <a:lstStyle/>
           <a:p>
-            <a:pPr indent="0" lvl="0" marL="0" marR="0" rtl="0" algn="ctr">
+            <a:pPr marL="0" marR="0" lvl="0" indent="0" algn="ctr" rtl="0">
               <a:lnSpc>
                 <a:spcPct val="90000"/>
               </a:lnSpc>
@@ -7215,7 +7435,7 @@
             <a:endParaRPr/>
           </a:p>
           <a:p>
-            <a:pPr indent="0" lvl="0" marL="0" marR="0" rtl="0" algn="ctr">
+            <a:pPr marL="0" marR="0" lvl="0" indent="0" algn="ctr" rtl="0">
               <a:lnSpc>
                 <a:spcPct val="90000"/>
               </a:lnSpc>
@@ -7243,9 +7463,11 @@
       <p:sp>
         <p:nvSpPr>
           <p:cNvPr id="61" name="Google Shape;61;p14"/>
-          <p:cNvSpPr txBox="1"/>
+          <p:cNvSpPr txBox="1">
+            <a:spLocks noGrp="1"/>
+          </p:cNvSpPr>
           <p:nvPr>
-            <p:ph idx="1" type="subTitle"/>
+            <p:ph type="subTitle" idx="1"/>
           </p:nvPr>
         </p:nvSpPr>
         <p:spPr>
@@ -7262,12 +7484,12 @@
           </a:ln>
         </p:spPr>
         <p:txBody>
-          <a:bodyPr anchorCtr="0" anchor="t" bIns="45700" lIns="91425" spcFirstLastPara="1" rIns="91425" wrap="square" tIns="45700">
+          <a:bodyPr spcFirstLastPara="1" wrap="square" lIns="91425" tIns="45700" rIns="91425" bIns="45700" anchor="t" anchorCtr="0">
             <a:noAutofit/>
           </a:bodyPr>
           <a:lstStyle/>
           <a:p>
-            <a:pPr indent="0" lvl="0" marL="0" marR="0" rtl="0" algn="ctr">
+            <a:pPr marL="0" marR="0" lvl="0" indent="0" algn="ctr" rtl="0">
               <a:lnSpc>
                 <a:spcPct val="90000"/>
               </a:lnSpc>
@@ -7285,7 +7507,7 @@
               <a:buNone/>
             </a:pPr>
             <a:r>
-              <a:rPr b="0" i="0" lang="en-US" sz="2400" u="none" cap="none" strike="noStrike">
+              <a:rPr lang="en-US" sz="2400" b="0" i="0" u="none" strike="noStrike" cap="none" dirty="0">
                 <a:solidFill>
                   <a:schemeClr val="dk1"/>
                 </a:solidFill>
@@ -7294,9 +7516,169 @@
                 <a:cs typeface="Calibri"/>
                 <a:sym typeface="Calibri"/>
               </a:rPr>
-              <a:t>Sean Ramocki, Eric Ramocki, Anton Cataldo, Scott Dudley, Alex Alwardt, Hassan Abdullah, Christian Nickolaou</a:t>
+              <a:t>Sean </a:t>
             </a:r>
-            <a:endParaRPr b="0" i="0" sz="2400" u="none" cap="none" strike="noStrike">
+            <a:r>
+              <a:rPr lang="en-US" sz="2400" b="0" i="0" u="none" strike="noStrike" cap="none" dirty="0" err="1">
+                <a:solidFill>
+                  <a:schemeClr val="dk1"/>
+                </a:solidFill>
+                <a:latin typeface="Calibri"/>
+                <a:ea typeface="Calibri"/>
+                <a:cs typeface="Calibri"/>
+                <a:sym typeface="Calibri"/>
+              </a:rPr>
+              <a:t>Ramocki</a:t>
+            </a:r>
+            <a:r>
+              <a:rPr lang="en-US" sz="2400" b="0" i="0" u="none" strike="noStrike" cap="none" dirty="0">
+                <a:solidFill>
+                  <a:schemeClr val="dk1"/>
+                </a:solidFill>
+                <a:latin typeface="Calibri"/>
+                <a:ea typeface="Calibri"/>
+                <a:cs typeface="Calibri"/>
+                <a:sym typeface="Calibri"/>
+              </a:rPr>
+              <a:t>, Eric </a:t>
+            </a:r>
+            <a:r>
+              <a:rPr lang="en-US" sz="2400" b="0" i="0" u="none" strike="noStrike" cap="none" dirty="0" err="1">
+                <a:solidFill>
+                  <a:schemeClr val="dk1"/>
+                </a:solidFill>
+                <a:latin typeface="Calibri"/>
+                <a:ea typeface="Calibri"/>
+                <a:cs typeface="Calibri"/>
+                <a:sym typeface="Calibri"/>
+              </a:rPr>
+              <a:t>Ramocki</a:t>
+            </a:r>
+            <a:r>
+              <a:rPr lang="en-US" sz="2400" b="0" i="0" u="none" strike="noStrike" cap="none" dirty="0">
+                <a:solidFill>
+                  <a:schemeClr val="dk1"/>
+                </a:solidFill>
+                <a:latin typeface="Calibri"/>
+                <a:ea typeface="Calibri"/>
+                <a:cs typeface="Calibri"/>
+                <a:sym typeface="Calibri"/>
+              </a:rPr>
+              <a:t>, Anton </a:t>
+            </a:r>
+            <a:r>
+              <a:rPr lang="en-US" sz="2400" b="0" i="0" u="none" strike="noStrike" cap="none" dirty="0" err="1">
+                <a:solidFill>
+                  <a:schemeClr val="dk1"/>
+                </a:solidFill>
+                <a:latin typeface="Calibri"/>
+                <a:ea typeface="Calibri"/>
+                <a:cs typeface="Calibri"/>
+                <a:sym typeface="Calibri"/>
+              </a:rPr>
+              <a:t>Cataldo</a:t>
+            </a:r>
+            <a:r>
+              <a:rPr lang="en-US" sz="2400" b="0" i="0" u="none" strike="noStrike" cap="none" dirty="0">
+                <a:solidFill>
+                  <a:schemeClr val="dk1"/>
+                </a:solidFill>
+                <a:latin typeface="Calibri"/>
+                <a:ea typeface="Calibri"/>
+                <a:cs typeface="Calibri"/>
+                <a:sym typeface="Calibri"/>
+              </a:rPr>
+              <a:t>, Scott Dudley</a:t>
+            </a:r>
+            <a:r>
+              <a:rPr lang="en-US" sz="2400" b="0" i="0" u="none" strike="noStrike" cap="none">
+                <a:solidFill>
+                  <a:schemeClr val="dk1"/>
+                </a:solidFill>
+                <a:latin typeface="Calibri"/>
+                <a:ea typeface="Calibri"/>
+                <a:cs typeface="Calibri"/>
+                <a:sym typeface="Calibri"/>
+              </a:rPr>
+              <a:t>, </a:t>
+            </a:r>
+            <a:endParaRPr lang="en-US" sz="2400" b="0" i="0" u="none" strike="noStrike" cap="none" smtClean="0">
+              <a:solidFill>
+                <a:schemeClr val="dk1"/>
+              </a:solidFill>
+              <a:latin typeface="Calibri"/>
+              <a:ea typeface="Calibri"/>
+              <a:cs typeface="Calibri"/>
+              <a:sym typeface="Calibri"/>
+            </a:endParaRPr>
+          </a:p>
+          <a:p>
+            <a:pPr marL="0" marR="0" lvl="0" indent="0" algn="ctr" rtl="0">
+              <a:lnSpc>
+                <a:spcPct val="90000"/>
+              </a:lnSpc>
+              <a:spcBef>
+                <a:spcPts val="0"/>
+              </a:spcBef>
+              <a:spcAft>
+                <a:spcPts val="0"/>
+              </a:spcAft>
+              <a:buClr>
+                <a:schemeClr val="dk1"/>
+              </a:buClr>
+              <a:buSzPts val="2400"/>
+              <a:buFont typeface="Arial"/>
+              <a:buNone/>
+            </a:pPr>
+            <a:r>
+              <a:rPr lang="en-US" sz="2400" b="0" i="0" u="none" strike="noStrike" cap="none" smtClean="0">
+                <a:solidFill>
+                  <a:schemeClr val="dk1"/>
+                </a:solidFill>
+                <a:latin typeface="Calibri"/>
+                <a:ea typeface="Calibri"/>
+                <a:cs typeface="Calibri"/>
+                <a:sym typeface="Calibri"/>
+              </a:rPr>
+              <a:t>Alex </a:t>
+            </a:r>
+            <a:r>
+              <a:rPr lang="en-US" sz="2400" b="0" i="0" u="none" strike="noStrike" cap="none" dirty="0" err="1" smtClean="0">
+                <a:solidFill>
+                  <a:schemeClr val="dk1"/>
+                </a:solidFill>
+                <a:latin typeface="Calibri"/>
+                <a:ea typeface="Calibri"/>
+                <a:cs typeface="Calibri"/>
+                <a:sym typeface="Calibri"/>
+              </a:rPr>
+              <a:t>Alwardt</a:t>
+            </a:r>
+            <a:r>
+              <a:rPr lang="en-US" sz="2400" b="0" i="0" u="none" strike="noStrike" cap="none" dirty="0" smtClean="0">
+                <a:solidFill>
+                  <a:schemeClr val="dk1"/>
+                </a:solidFill>
+                <a:latin typeface="Calibri"/>
+                <a:ea typeface="Calibri"/>
+                <a:cs typeface="Calibri"/>
+                <a:sym typeface="Calibri"/>
+              </a:rPr>
+              <a:t>, </a:t>
+            </a:r>
+            <a:r>
+              <a:rPr lang="en-US" sz="2400" b="0" i="0" u="none" strike="noStrike" cap="none" dirty="0">
+                <a:solidFill>
+                  <a:schemeClr val="dk1"/>
+                </a:solidFill>
+                <a:latin typeface="Calibri"/>
+                <a:ea typeface="Calibri"/>
+                <a:cs typeface="Calibri"/>
+                <a:sym typeface="Calibri"/>
+              </a:rPr>
+              <a:t>Christian Nickolaou</a:t>
+            </a:r>
+            <a:endParaRPr sz="2400" b="0" i="0" u="none" strike="noStrike" cap="none" dirty="0">
               <a:solidFill>
                 <a:schemeClr val="dk1"/>
               </a:solidFill>
@@ -7317,11 +7699,11 @@
 </file>
 
 <file path=ppt/slides/slide2.xml><?xml version="1.0" encoding="utf-8"?>
-<p:sld xmlns:a="http://schemas.openxmlformats.org/drawingml/2006/main" xmlns:r="http://schemas.openxmlformats.org/officeDocument/2006/relationships" xmlns:mc="http://schemas.openxmlformats.org/markup-compatibility/2006" xmlns:mv="urn:schemas-microsoft-com:mac:vml" xmlns:p="http://schemas.openxmlformats.org/presentationml/2006/main" xmlns:c="http://schemas.openxmlformats.org/drawingml/2006/chart" xmlns:dgm="http://schemas.openxmlformats.org/drawingml/2006/diagram" xmlns:o="urn:schemas-microsoft-com:office:office" xmlns:v="urn:schemas-microsoft-com:vml" xmlns:pvml="urn:schemas-microsoft-com:office:powerpoint" xmlns:com="http://schemas.openxmlformats.org/drawingml/2006/compatibility" xmlns:p14="http://schemas.microsoft.com/office/powerpoint/2010/main" xmlns:p15="http://schemas.microsoft.com/office/powerpoint/2012/main">
+<p:sld xmlns:a="http://schemas.openxmlformats.org/drawingml/2006/main" xmlns:r="http://schemas.openxmlformats.org/officeDocument/2006/relationships" xmlns:p="http://schemas.openxmlformats.org/presentationml/2006/main">
   <p:cSld>
     <p:spTree>
       <p:nvGrpSpPr>
-        <p:cNvPr id="65" name="Shape 65"/>
+        <p:cNvPr id="1" name="Shape 65"/>
         <p:cNvGrpSpPr/>
         <p:nvPr/>
       </p:nvGrpSpPr>
@@ -7336,7 +7718,9 @@
       <p:sp>
         <p:nvSpPr>
           <p:cNvPr id="66" name="Google Shape;66;p15"/>
-          <p:cNvSpPr txBox="1"/>
+          <p:cNvSpPr txBox="1">
+            <a:spLocks noGrp="1"/>
+          </p:cNvSpPr>
           <p:nvPr>
             <p:ph type="title"/>
           </p:nvPr>
@@ -7355,12 +7739,12 @@
           </a:ln>
         </p:spPr>
         <p:txBody>
-          <a:bodyPr anchorCtr="0" anchor="ctr" bIns="45700" lIns="91425" spcFirstLastPara="1" rIns="91425" wrap="square" tIns="45700">
+          <a:bodyPr spcFirstLastPara="1" wrap="square" lIns="91425" tIns="45700" rIns="91425" bIns="45700" anchor="ctr" anchorCtr="0">
             <a:noAutofit/>
           </a:bodyPr>
           <a:lstStyle/>
           <a:p>
-            <a:pPr indent="0" lvl="0" marL="0" marR="0" rtl="0" algn="l">
+            <a:pPr marL="0" marR="0" lvl="0" indent="0" algn="l" rtl="0">
               <a:lnSpc>
                 <a:spcPct val="90000"/>
               </a:lnSpc>
@@ -7378,7 +7762,7 @@
               <a:buNone/>
             </a:pPr>
             <a:r>
-              <a:rPr b="0" i="0" lang="en-US" sz="4400" u="none" cap="none" strike="noStrike">
+              <a:rPr lang="en-US" sz="4400" b="0" i="0" u="none" strike="noStrike" cap="none">
                 <a:solidFill>
                   <a:schemeClr val="dk1"/>
                 </a:solidFill>
@@ -7396,9 +7780,11 @@
       <p:sp>
         <p:nvSpPr>
           <p:cNvPr id="67" name="Google Shape;67;p15"/>
-          <p:cNvSpPr txBox="1"/>
+          <p:cNvSpPr txBox="1">
+            <a:spLocks noGrp="1"/>
+          </p:cNvSpPr>
           <p:nvPr>
-            <p:ph idx="1" type="body"/>
+            <p:ph type="body" idx="1"/>
           </p:nvPr>
         </p:nvSpPr>
         <p:spPr>
@@ -7415,12 +7801,12 @@
           </a:ln>
         </p:spPr>
         <p:txBody>
-          <a:bodyPr anchorCtr="0" anchor="t" bIns="45700" lIns="91425" spcFirstLastPara="1" rIns="91425" wrap="square" tIns="45700">
+          <a:bodyPr spcFirstLastPara="1" wrap="square" lIns="91425" tIns="45700" rIns="91425" bIns="45700" anchor="t" anchorCtr="0">
             <a:noAutofit/>
           </a:bodyPr>
           <a:lstStyle/>
           <a:p>
-            <a:pPr indent="0" lvl="0" marL="0" rtl="0" algn="l">
+            <a:pPr marL="0" lvl="0" indent="0" algn="l" rtl="0">
               <a:spcBef>
                 <a:spcPts val="1000"/>
               </a:spcBef>
@@ -7441,7 +7827,7 @@
             <a:endParaRPr/>
           </a:p>
           <a:p>
-            <a:pPr indent="-406400" lvl="0" marL="457200" rtl="0" algn="l">
+            <a:pPr marL="457200" lvl="0" indent="-406400" algn="l" rtl="0">
               <a:spcBef>
                 <a:spcPts val="2100"/>
               </a:spcBef>
@@ -7458,7 +7844,7 @@
             <a:endParaRPr/>
           </a:p>
           <a:p>
-            <a:pPr indent="-406400" lvl="0" marL="457200" rtl="0" algn="l">
+            <a:pPr marL="457200" lvl="0" indent="-406400" algn="l" rtl="0">
               <a:spcBef>
                 <a:spcPts val="0"/>
               </a:spcBef>
@@ -7475,7 +7861,7 @@
             <a:endParaRPr/>
           </a:p>
           <a:p>
-            <a:pPr indent="-406400" lvl="0" marL="457200" rtl="0" algn="l">
+            <a:pPr marL="457200" lvl="0" indent="-406400" algn="l" rtl="0">
               <a:spcBef>
                 <a:spcPts val="0"/>
               </a:spcBef>
@@ -7492,7 +7878,7 @@
             <a:endParaRPr/>
           </a:p>
           <a:p>
-            <a:pPr indent="-406400" lvl="0" marL="457200" rtl="0" algn="l">
+            <a:pPr marL="457200" lvl="0" indent="-406400" algn="l" rtl="0">
               <a:spcBef>
                 <a:spcPts val="0"/>
               </a:spcBef>
@@ -7509,7 +7895,7 @@
             <a:endParaRPr/>
           </a:p>
           <a:p>
-            <a:pPr indent="0" lvl="0" marL="0" rtl="0" algn="l">
+            <a:pPr marL="0" lvl="0" indent="0" algn="l" rtl="0">
               <a:spcBef>
                 <a:spcPts val="2100"/>
               </a:spcBef>
@@ -7518,9 +7904,6 @@
               </a:spcAft>
               <a:buNone/>
             </a:pPr>
-            <a:r>
-              <a:t/>
-            </a:r>
             <a:endParaRPr/>
           </a:p>
         </p:txBody>
@@ -7534,11 +7917,11 @@
 </file>
 
 <file path=ppt/slides/slide3.xml><?xml version="1.0" encoding="utf-8"?>
-<p:sld xmlns:a="http://schemas.openxmlformats.org/drawingml/2006/main" xmlns:r="http://schemas.openxmlformats.org/officeDocument/2006/relationships" xmlns:mc="http://schemas.openxmlformats.org/markup-compatibility/2006" xmlns:mv="urn:schemas-microsoft-com:mac:vml" xmlns:p="http://schemas.openxmlformats.org/presentationml/2006/main" xmlns:c="http://schemas.openxmlformats.org/drawingml/2006/chart" xmlns:dgm="http://schemas.openxmlformats.org/drawingml/2006/diagram" xmlns:o="urn:schemas-microsoft-com:office:office" xmlns:v="urn:schemas-microsoft-com:vml" xmlns:pvml="urn:schemas-microsoft-com:office:powerpoint" xmlns:com="http://schemas.openxmlformats.org/drawingml/2006/compatibility" xmlns:p14="http://schemas.microsoft.com/office/powerpoint/2010/main" xmlns:p15="http://schemas.microsoft.com/office/powerpoint/2012/main">
+<p:sld xmlns:a="http://schemas.openxmlformats.org/drawingml/2006/main" xmlns:r="http://schemas.openxmlformats.org/officeDocument/2006/relationships" xmlns:p="http://schemas.openxmlformats.org/presentationml/2006/main">
   <p:cSld>
     <p:spTree>
       <p:nvGrpSpPr>
-        <p:cNvPr id="71" name="Shape 71"/>
+        <p:cNvPr id="1" name="Shape 71"/>
         <p:cNvGrpSpPr/>
         <p:nvPr/>
       </p:nvGrpSpPr>
@@ -7553,7 +7936,9 @@
       <p:sp>
         <p:nvSpPr>
           <p:cNvPr id="72" name="Google Shape;72;p16"/>
-          <p:cNvSpPr txBox="1"/>
+          <p:cNvSpPr txBox="1">
+            <a:spLocks noGrp="1"/>
+          </p:cNvSpPr>
           <p:nvPr>
             <p:ph type="title"/>
           </p:nvPr>
@@ -7572,12 +7957,12 @@
           </a:ln>
         </p:spPr>
         <p:txBody>
-          <a:bodyPr anchorCtr="0" anchor="ctr" bIns="45700" lIns="91425" spcFirstLastPara="1" rIns="91425" wrap="square" tIns="45700">
+          <a:bodyPr spcFirstLastPara="1" wrap="square" lIns="91425" tIns="45700" rIns="91425" bIns="45700" anchor="ctr" anchorCtr="0">
             <a:noAutofit/>
           </a:bodyPr>
           <a:lstStyle/>
           <a:p>
-            <a:pPr indent="0" lvl="0" marL="0" marR="0" rtl="0" algn="l">
+            <a:pPr marL="0" marR="0" lvl="0" indent="0" algn="l" rtl="0">
               <a:lnSpc>
                 <a:spcPct val="90000"/>
               </a:lnSpc>
@@ -7595,7 +7980,7 @@
               <a:buNone/>
             </a:pPr>
             <a:r>
-              <a:rPr b="0" i="0" lang="en-US" sz="4400" u="none" cap="none" strike="noStrike">
+              <a:rPr lang="en-US" sz="4400" b="0" i="0" u="none" strike="noStrike" cap="none">
                 <a:solidFill>
                   <a:schemeClr val="dk1"/>
                 </a:solidFill>
@@ -7613,9 +7998,11 @@
       <p:sp>
         <p:nvSpPr>
           <p:cNvPr id="73" name="Google Shape;73;p16"/>
-          <p:cNvSpPr txBox="1"/>
+          <p:cNvSpPr txBox="1">
+            <a:spLocks noGrp="1"/>
+          </p:cNvSpPr>
           <p:nvPr>
-            <p:ph idx="1" type="body"/>
+            <p:ph type="body" idx="1"/>
           </p:nvPr>
         </p:nvSpPr>
         <p:spPr>
@@ -7632,12 +8019,12 @@
           </a:ln>
         </p:spPr>
         <p:txBody>
-          <a:bodyPr anchorCtr="0" anchor="t" bIns="45700" lIns="91425" spcFirstLastPara="1" rIns="91425" wrap="square" tIns="45700">
+          <a:bodyPr spcFirstLastPara="1" wrap="square" lIns="91425" tIns="45700" rIns="91425" bIns="45700" anchor="t" anchorCtr="0">
             <a:noAutofit/>
           </a:bodyPr>
           <a:lstStyle/>
           <a:p>
-            <a:pPr indent="-406400" lvl="0" marL="457200" marR="0" rtl="0" algn="l">
+            <a:pPr marL="457200" marR="0" lvl="0" indent="-406400" algn="l" rtl="0">
               <a:lnSpc>
                 <a:spcPct val="90000"/>
               </a:lnSpc>
@@ -7661,7 +8048,7 @@
             <a:endParaRPr/>
           </a:p>
           <a:p>
-            <a:pPr indent="-381000" lvl="1" marL="914400" marR="0" rtl="0" algn="l">
+            <a:pPr marL="914400" marR="0" lvl="1" indent="-381000" algn="l" rtl="0">
               <a:lnSpc>
                 <a:spcPct val="90000"/>
               </a:lnSpc>
@@ -7681,7 +8068,7 @@
             <a:endParaRPr/>
           </a:p>
           <a:p>
-            <a:pPr indent="-406400" lvl="0" marL="457200" marR="0" rtl="0" algn="l">
+            <a:pPr marL="457200" marR="0" lvl="0" indent="-406400" algn="l" rtl="0">
               <a:lnSpc>
                 <a:spcPct val="90000"/>
               </a:lnSpc>
@@ -7701,7 +8088,7 @@
             <a:endParaRPr/>
           </a:p>
           <a:p>
-            <a:pPr indent="-381000" lvl="1" marL="914400" marR="0" rtl="0" algn="l">
+            <a:pPr marL="914400" marR="0" lvl="1" indent="-381000" algn="l" rtl="0">
               <a:lnSpc>
                 <a:spcPct val="90000"/>
               </a:lnSpc>
@@ -7721,7 +8108,7 @@
             <a:endParaRPr/>
           </a:p>
           <a:p>
-            <a:pPr indent="-381000" lvl="1" marL="914400" marR="0" rtl="0" algn="l">
+            <a:pPr marL="914400" marR="0" lvl="1" indent="-381000" algn="l" rtl="0">
               <a:lnSpc>
                 <a:spcPct val="90000"/>
               </a:lnSpc>
@@ -7741,7 +8128,7 @@
             <a:endParaRPr/>
           </a:p>
           <a:p>
-            <a:pPr indent="-381000" lvl="1" marL="914400" marR="0" rtl="0" algn="l">
+            <a:pPr marL="914400" marR="0" lvl="1" indent="-381000" algn="l" rtl="0">
               <a:lnSpc>
                 <a:spcPct val="90000"/>
               </a:lnSpc>
@@ -7761,7 +8148,7 @@
             <a:endParaRPr/>
           </a:p>
           <a:p>
-            <a:pPr indent="-381000" lvl="1" marL="914400" marR="0" rtl="0" algn="l">
+            <a:pPr marL="914400" marR="0" lvl="1" indent="-381000" algn="l" rtl="0">
               <a:lnSpc>
                 <a:spcPct val="90000"/>
               </a:lnSpc>
@@ -7781,7 +8168,7 @@
             <a:endParaRPr/>
           </a:p>
           <a:p>
-            <a:pPr indent="0" lvl="0" marL="457200" marR="0" rtl="0" algn="l">
+            <a:pPr marL="457200" marR="0" lvl="0" indent="0" algn="l" rtl="0">
               <a:lnSpc>
                 <a:spcPct val="90000"/>
               </a:lnSpc>
@@ -7793,9 +8180,6 @@
               </a:spcAft>
               <a:buNone/>
             </a:pPr>
-            <a:r>
-              <a:t/>
-            </a:r>
             <a:endParaRPr/>
           </a:p>
         </p:txBody>
@@ -7809,11 +8193,11 @@
 </file>
 
 <file path=ppt/slides/slide4.xml><?xml version="1.0" encoding="utf-8"?>
-<p:sld xmlns:a="http://schemas.openxmlformats.org/drawingml/2006/main" xmlns:r="http://schemas.openxmlformats.org/officeDocument/2006/relationships" xmlns:mc="http://schemas.openxmlformats.org/markup-compatibility/2006" xmlns:mv="urn:schemas-microsoft-com:mac:vml" xmlns:p="http://schemas.openxmlformats.org/presentationml/2006/main" xmlns:c="http://schemas.openxmlformats.org/drawingml/2006/chart" xmlns:dgm="http://schemas.openxmlformats.org/drawingml/2006/diagram" xmlns:o="urn:schemas-microsoft-com:office:office" xmlns:v="urn:schemas-microsoft-com:vml" xmlns:pvml="urn:schemas-microsoft-com:office:powerpoint" xmlns:com="http://schemas.openxmlformats.org/drawingml/2006/compatibility" xmlns:p14="http://schemas.microsoft.com/office/powerpoint/2010/main" xmlns:p15="http://schemas.microsoft.com/office/powerpoint/2012/main">
+<p:sld xmlns:a="http://schemas.openxmlformats.org/drawingml/2006/main" xmlns:r="http://schemas.openxmlformats.org/officeDocument/2006/relationships" xmlns:p="http://schemas.openxmlformats.org/presentationml/2006/main">
   <p:cSld>
     <p:spTree>
       <p:nvGrpSpPr>
-        <p:cNvPr id="77" name="Shape 77"/>
+        <p:cNvPr id="1" name="Shape 77"/>
         <p:cNvGrpSpPr/>
         <p:nvPr/>
       </p:nvGrpSpPr>
@@ -7828,7 +8212,9 @@
       <p:sp>
         <p:nvSpPr>
           <p:cNvPr id="78" name="Google Shape;78;p17"/>
-          <p:cNvSpPr txBox="1"/>
+          <p:cNvSpPr txBox="1">
+            <a:spLocks noGrp="1"/>
+          </p:cNvSpPr>
           <p:nvPr>
             <p:ph type="title"/>
           </p:nvPr>
@@ -7843,12 +8229,12 @@
           </a:prstGeom>
         </p:spPr>
         <p:txBody>
-          <a:bodyPr anchorCtr="0" anchor="ctr" bIns="45700" lIns="91425" spcFirstLastPara="1" rIns="91425" wrap="square" tIns="45700">
+          <a:bodyPr spcFirstLastPara="1" wrap="square" lIns="91425" tIns="45700" rIns="91425" bIns="45700" anchor="ctr" anchorCtr="0">
             <a:noAutofit/>
           </a:bodyPr>
           <a:lstStyle/>
           <a:p>
-            <a:pPr indent="0" lvl="0" marL="0" rtl="0" algn="ctr">
+            <a:pPr marL="0" lvl="0" indent="0" algn="ctr" rtl="0">
               <a:spcBef>
                 <a:spcPts val="0"/>
               </a:spcBef>
@@ -7902,11 +8288,11 @@
 </file>
 
 <file path=ppt/slides/slide5.xml><?xml version="1.0" encoding="utf-8"?>
-<p:sld xmlns:a="http://schemas.openxmlformats.org/drawingml/2006/main" xmlns:r="http://schemas.openxmlformats.org/officeDocument/2006/relationships" xmlns:mc="http://schemas.openxmlformats.org/markup-compatibility/2006" xmlns:mv="urn:schemas-microsoft-com:mac:vml" xmlns:p="http://schemas.openxmlformats.org/presentationml/2006/main" xmlns:c="http://schemas.openxmlformats.org/drawingml/2006/chart" xmlns:dgm="http://schemas.openxmlformats.org/drawingml/2006/diagram" xmlns:o="urn:schemas-microsoft-com:office:office" xmlns:v="urn:schemas-microsoft-com:vml" xmlns:pvml="urn:schemas-microsoft-com:office:powerpoint" xmlns:com="http://schemas.openxmlformats.org/drawingml/2006/compatibility" xmlns:p14="http://schemas.microsoft.com/office/powerpoint/2010/main" xmlns:p15="http://schemas.microsoft.com/office/powerpoint/2012/main">
+<p:sld xmlns:a="http://schemas.openxmlformats.org/drawingml/2006/main" xmlns:r="http://schemas.openxmlformats.org/officeDocument/2006/relationships" xmlns:p="http://schemas.openxmlformats.org/presentationml/2006/main">
   <p:cSld>
     <p:spTree>
       <p:nvGrpSpPr>
-        <p:cNvPr id="83" name="Shape 83"/>
+        <p:cNvPr id="1" name="Shape 83"/>
         <p:cNvGrpSpPr/>
         <p:nvPr/>
       </p:nvGrpSpPr>
@@ -7921,7 +8307,9 @@
       <p:sp>
         <p:nvSpPr>
           <p:cNvPr id="84" name="Google Shape;84;p18"/>
-          <p:cNvSpPr txBox="1"/>
+          <p:cNvSpPr txBox="1">
+            <a:spLocks noGrp="1"/>
+          </p:cNvSpPr>
           <p:nvPr>
             <p:ph type="title"/>
           </p:nvPr>
@@ -7940,12 +8328,12 @@
           </a:ln>
         </p:spPr>
         <p:txBody>
-          <a:bodyPr anchorCtr="0" anchor="ctr" bIns="45700" lIns="91425" spcFirstLastPara="1" rIns="91425" wrap="square" tIns="45700">
+          <a:bodyPr spcFirstLastPara="1" wrap="square" lIns="91425" tIns="45700" rIns="91425" bIns="45700" anchor="ctr" anchorCtr="0">
             <a:noAutofit/>
           </a:bodyPr>
           <a:lstStyle/>
           <a:p>
-            <a:pPr indent="0" lvl="0" marL="0" marR="0" rtl="0" algn="l">
+            <a:pPr marL="0" marR="0" lvl="0" indent="0" algn="l" rtl="0">
               <a:lnSpc>
                 <a:spcPct val="90000"/>
               </a:lnSpc>
@@ -7963,7 +8351,7 @@
               <a:buNone/>
             </a:pPr>
             <a:r>
-              <a:rPr b="0" i="0" lang="en-US" sz="4400" u="none" cap="none" strike="noStrike">
+              <a:rPr lang="en-US" sz="4400" b="0" i="0" u="none" strike="noStrike" cap="none">
                 <a:solidFill>
                   <a:schemeClr val="dk1"/>
                 </a:solidFill>
@@ -7981,9 +8369,11 @@
       <p:sp>
         <p:nvSpPr>
           <p:cNvPr id="85" name="Google Shape;85;p18"/>
-          <p:cNvSpPr txBox="1"/>
+          <p:cNvSpPr txBox="1">
+            <a:spLocks noGrp="1"/>
+          </p:cNvSpPr>
           <p:nvPr>
-            <p:ph idx="1" type="body"/>
+            <p:ph type="body" idx="1"/>
           </p:nvPr>
         </p:nvSpPr>
         <p:spPr>
@@ -8000,12 +8390,12 @@
           </a:ln>
         </p:spPr>
         <p:txBody>
-          <a:bodyPr anchorCtr="0" anchor="t" bIns="45700" lIns="91425" spcFirstLastPara="1" rIns="91425" wrap="square" tIns="45700">
+          <a:bodyPr spcFirstLastPara="1" wrap="square" lIns="91425" tIns="45700" rIns="91425" bIns="45700" anchor="t" anchorCtr="0">
             <a:noAutofit/>
           </a:bodyPr>
           <a:lstStyle/>
           <a:p>
-            <a:pPr indent="-406400" lvl="0" marL="457200" marR="0" rtl="0" algn="l">
+            <a:pPr marL="457200" marR="0" lvl="0" indent="-406400" algn="l" rtl="0">
               <a:lnSpc>
                 <a:spcPct val="90000"/>
               </a:lnSpc>
@@ -8025,7 +8415,7 @@
             <a:endParaRPr/>
           </a:p>
           <a:p>
-            <a:pPr indent="-381000" lvl="1" marL="914400" marR="0" rtl="0" algn="l">
+            <a:pPr marL="914400" marR="0" lvl="1" indent="-381000" algn="l" rtl="0">
               <a:lnSpc>
                 <a:spcPct val="90000"/>
               </a:lnSpc>
@@ -8045,7 +8435,7 @@
             <a:endParaRPr/>
           </a:p>
           <a:p>
-            <a:pPr indent="-406400" lvl="0" marL="457200" marR="0" rtl="0" algn="l">
+            <a:pPr marL="457200" marR="0" lvl="0" indent="-406400" algn="l" rtl="0">
               <a:lnSpc>
                 <a:spcPct val="90000"/>
               </a:lnSpc>
@@ -8065,7 +8455,7 @@
             <a:endParaRPr/>
           </a:p>
           <a:p>
-            <a:pPr indent="-381000" lvl="1" marL="914400" marR="0" rtl="0" algn="l">
+            <a:pPr marL="914400" marR="0" lvl="1" indent="-381000" algn="l" rtl="0">
               <a:lnSpc>
                 <a:spcPct val="90000"/>
               </a:lnSpc>
@@ -8085,7 +8475,7 @@
             <a:endParaRPr/>
           </a:p>
           <a:p>
-            <a:pPr indent="-406400" lvl="0" marL="457200" marR="0" rtl="0" algn="l">
+            <a:pPr marL="457200" marR="0" lvl="0" indent="-406400" algn="l" rtl="0">
               <a:lnSpc>
                 <a:spcPct val="90000"/>
               </a:lnSpc>
@@ -8105,7 +8495,7 @@
             <a:endParaRPr/>
           </a:p>
           <a:p>
-            <a:pPr indent="-381000" lvl="1" marL="914400" marR="0" rtl="0" algn="l">
+            <a:pPr marL="914400" marR="0" lvl="1" indent="-381000" algn="l" rtl="0">
               <a:lnSpc>
                 <a:spcPct val="90000"/>
               </a:lnSpc>
@@ -8120,20 +8510,12 @@
             </a:pPr>
             <a:r>
               <a:rPr lang="en-US"/>
-              <a:t>Follower Vehicle Follows Leader, Collision </a:t>
-            </a:r>
-            <a:r>
-              <a:rPr lang="en-US"/>
-              <a:t>Detection</a:t>
-            </a:r>
-            <a:r>
-              <a:rPr lang="en-US"/>
-              <a:t>/Prevention</a:t>
+              <a:t>Follower Vehicle Follows Leader, Collision Detection/Prevention</a:t>
             </a:r>
             <a:endParaRPr/>
           </a:p>
           <a:p>
-            <a:pPr indent="-406400" lvl="0" marL="457200" marR="0" rtl="0" algn="l">
+            <a:pPr marL="457200" marR="0" lvl="0" indent="-406400" algn="l" rtl="0">
               <a:lnSpc>
                 <a:spcPct val="90000"/>
               </a:lnSpc>
@@ -8153,7 +8535,7 @@
             <a:endParaRPr/>
           </a:p>
           <a:p>
-            <a:pPr indent="-381000" lvl="1" marL="914400" marR="0" rtl="0" algn="l">
+            <a:pPr marL="914400" marR="0" lvl="1" indent="-381000" algn="l" rtl="0">
               <a:lnSpc>
                 <a:spcPct val="90000"/>
               </a:lnSpc>
@@ -8168,16 +8550,12 @@
             </a:pPr>
             <a:r>
               <a:rPr lang="en-US"/>
-              <a:t>Blocked Follower, </a:t>
-            </a:r>
-            <a:r>
-              <a:rPr lang="en-US"/>
-              <a:t>Follower Vehicle Loses Line-of-Sight</a:t>
+              <a:t>Blocked Follower, Follower Vehicle Loses Line-of-Sight</a:t>
             </a:r>
             <a:endParaRPr/>
           </a:p>
           <a:p>
-            <a:pPr indent="0" lvl="0" marL="0" marR="0" rtl="0" algn="l">
+            <a:pPr marL="0" marR="0" lvl="0" indent="0" algn="l" rtl="0">
               <a:lnSpc>
                 <a:spcPct val="90000"/>
               </a:lnSpc>
@@ -8189,13 +8567,10 @@
               </a:spcAft>
               <a:buNone/>
             </a:pPr>
-            <a:r>
-              <a:t/>
-            </a:r>
             <a:endParaRPr/>
           </a:p>
           <a:p>
-            <a:pPr indent="0" lvl="0" marL="457200" marR="0" rtl="0" algn="l">
+            <a:pPr marL="457200" marR="0" lvl="0" indent="0" algn="l" rtl="0">
               <a:lnSpc>
                 <a:spcPct val="90000"/>
               </a:lnSpc>
@@ -8207,9 +8582,6 @@
               </a:spcAft>
               <a:buNone/>
             </a:pPr>
-            <a:r>
-              <a:t/>
-            </a:r>
             <a:endParaRPr/>
           </a:p>
         </p:txBody>
@@ -8223,11 +8595,11 @@
 </file>
 
 <file path=ppt/slides/slide6.xml><?xml version="1.0" encoding="utf-8"?>
-<p:sld xmlns:a="http://schemas.openxmlformats.org/drawingml/2006/main" xmlns:r="http://schemas.openxmlformats.org/officeDocument/2006/relationships" xmlns:mc="http://schemas.openxmlformats.org/markup-compatibility/2006" xmlns:mv="urn:schemas-microsoft-com:mac:vml" xmlns:p="http://schemas.openxmlformats.org/presentationml/2006/main" xmlns:c="http://schemas.openxmlformats.org/drawingml/2006/chart" xmlns:dgm="http://schemas.openxmlformats.org/drawingml/2006/diagram" xmlns:o="urn:schemas-microsoft-com:office:office" xmlns:v="urn:schemas-microsoft-com:vml" xmlns:pvml="urn:schemas-microsoft-com:office:powerpoint" xmlns:com="http://schemas.openxmlformats.org/drawingml/2006/compatibility" xmlns:p14="http://schemas.microsoft.com/office/powerpoint/2010/main" xmlns:p15="http://schemas.microsoft.com/office/powerpoint/2012/main">
+<p:sld xmlns:a="http://schemas.openxmlformats.org/drawingml/2006/main" xmlns:r="http://schemas.openxmlformats.org/officeDocument/2006/relationships" xmlns:p="http://schemas.openxmlformats.org/presentationml/2006/main">
   <p:cSld>
     <p:spTree>
       <p:nvGrpSpPr>
-        <p:cNvPr id="89" name="Shape 89"/>
+        <p:cNvPr id="1" name="Shape 89"/>
         <p:cNvGrpSpPr/>
         <p:nvPr/>
       </p:nvGrpSpPr>
@@ -8242,9 +8614,11 @@
       <p:sp>
         <p:nvSpPr>
           <p:cNvPr id="90" name="Google Shape;90;p19"/>
-          <p:cNvSpPr txBox="1"/>
+          <p:cNvSpPr txBox="1">
+            <a:spLocks noGrp="1"/>
+          </p:cNvSpPr>
           <p:nvPr>
-            <p:ph idx="1" type="body"/>
+            <p:ph type="body" idx="1"/>
           </p:nvPr>
         </p:nvSpPr>
         <p:spPr>
@@ -8257,12 +8631,12 @@
           </a:prstGeom>
         </p:spPr>
         <p:txBody>
-          <a:bodyPr anchorCtr="0" anchor="t" bIns="45700" lIns="91425" spcFirstLastPara="1" rIns="91425" wrap="square" tIns="45700">
+          <a:bodyPr spcFirstLastPara="1" wrap="square" lIns="91425" tIns="45700" rIns="91425" bIns="45700" anchor="t" anchorCtr="0">
             <a:noAutofit/>
           </a:bodyPr>
           <a:lstStyle/>
           <a:p>
-            <a:pPr indent="-406400" lvl="0" marL="457200" rtl="0" algn="l">
+            <a:pPr marL="457200" lvl="0" indent="-406400" algn="l" rtl="0">
               <a:spcBef>
                 <a:spcPts val="1000"/>
               </a:spcBef>
@@ -8279,7 +8653,7 @@
             <a:endParaRPr/>
           </a:p>
           <a:p>
-            <a:pPr indent="-381000" lvl="1" marL="914400" rtl="0" algn="l">
+            <a:pPr marL="914400" lvl="1" indent="-381000" algn="l" rtl="0">
               <a:spcBef>
                 <a:spcPts val="0"/>
               </a:spcBef>
@@ -8296,7 +8670,7 @@
             <a:endParaRPr/>
           </a:p>
           <a:p>
-            <a:pPr indent="-406400" lvl="0" marL="457200" rtl="0" algn="l">
+            <a:pPr marL="457200" lvl="0" indent="-406400" algn="l" rtl="0">
               <a:spcBef>
                 <a:spcPts val="0"/>
               </a:spcBef>
@@ -8313,7 +8687,7 @@
             <a:endParaRPr/>
           </a:p>
           <a:p>
-            <a:pPr indent="-381000" lvl="1" marL="914400" rtl="0" algn="l">
+            <a:pPr marL="914400" lvl="1" indent="-381000" algn="l" rtl="0">
               <a:spcBef>
                 <a:spcPts val="0"/>
               </a:spcBef>
@@ -8330,7 +8704,7 @@
             <a:endParaRPr/>
           </a:p>
           <a:p>
-            <a:pPr indent="-406400" lvl="0" marL="457200" rtl="0" algn="l">
+            <a:pPr marL="457200" lvl="0" indent="-406400" algn="l" rtl="0">
               <a:spcBef>
                 <a:spcPts val="0"/>
               </a:spcBef>
@@ -8347,7 +8721,7 @@
             <a:endParaRPr/>
           </a:p>
           <a:p>
-            <a:pPr indent="-381000" lvl="1" marL="914400" rtl="0" algn="l">
+            <a:pPr marL="914400" lvl="1" indent="-381000" algn="l" rtl="0">
               <a:spcBef>
                 <a:spcPts val="0"/>
               </a:spcBef>
@@ -8364,7 +8738,7 @@
             <a:endParaRPr/>
           </a:p>
           <a:p>
-            <a:pPr indent="-406400" lvl="0" marL="457200" rtl="0" algn="l">
+            <a:pPr marL="457200" lvl="0" indent="-406400" algn="l" rtl="0">
               <a:spcBef>
                 <a:spcPts val="0"/>
               </a:spcBef>
@@ -8381,7 +8755,7 @@
             <a:endParaRPr/>
           </a:p>
           <a:p>
-            <a:pPr indent="-381000" lvl="1" marL="914400" rtl="0" algn="l">
+            <a:pPr marL="914400" lvl="1" indent="-381000" algn="l" rtl="0">
               <a:spcBef>
                 <a:spcPts val="0"/>
               </a:spcBef>
@@ -8402,7 +8776,9 @@
       <p:sp>
         <p:nvSpPr>
           <p:cNvPr id="91" name="Google Shape;91;p19"/>
-          <p:cNvSpPr txBox="1"/>
+          <p:cNvSpPr txBox="1">
+            <a:spLocks noGrp="1"/>
+          </p:cNvSpPr>
           <p:nvPr>
             <p:ph type="title"/>
           </p:nvPr>
@@ -8421,12 +8797,12 @@
           </a:ln>
         </p:spPr>
         <p:txBody>
-          <a:bodyPr anchorCtr="0" anchor="ctr" bIns="45700" lIns="91425" spcFirstLastPara="1" rIns="91425" wrap="square" tIns="45700">
+          <a:bodyPr spcFirstLastPara="1" wrap="square" lIns="91425" tIns="45700" rIns="91425" bIns="45700" anchor="ctr" anchorCtr="0">
             <a:noAutofit/>
           </a:bodyPr>
           <a:lstStyle/>
           <a:p>
-            <a:pPr indent="0" lvl="0" marL="0" marR="0" rtl="0" algn="l">
+            <a:pPr marL="0" marR="0" lvl="0" indent="0" algn="l" rtl="0">
               <a:lnSpc>
                 <a:spcPct val="90000"/>
               </a:lnSpc>
@@ -8444,7 +8820,7 @@
               <a:buNone/>
             </a:pPr>
             <a:r>
-              <a:rPr b="0" i="0" lang="en-US" sz="4400" u="none" cap="none" strike="noStrike">
+              <a:rPr lang="en-US" sz="4400" b="0" i="0" u="none" strike="noStrike" cap="none">
                 <a:solidFill>
                   <a:schemeClr val="dk1"/>
                 </a:solidFill>
@@ -8468,11 +8844,11 @@
 </file>
 
 <file path=ppt/slides/slide7.xml><?xml version="1.0" encoding="utf-8"?>
-<p:sld xmlns:a="http://schemas.openxmlformats.org/drawingml/2006/main" xmlns:r="http://schemas.openxmlformats.org/officeDocument/2006/relationships" xmlns:mc="http://schemas.openxmlformats.org/markup-compatibility/2006" xmlns:mv="urn:schemas-microsoft-com:mac:vml" xmlns:p="http://schemas.openxmlformats.org/presentationml/2006/main" xmlns:c="http://schemas.openxmlformats.org/drawingml/2006/chart" xmlns:dgm="http://schemas.openxmlformats.org/drawingml/2006/diagram" xmlns:o="urn:schemas-microsoft-com:office:office" xmlns:v="urn:schemas-microsoft-com:vml" xmlns:pvml="urn:schemas-microsoft-com:office:powerpoint" xmlns:com="http://schemas.openxmlformats.org/drawingml/2006/compatibility" xmlns:p14="http://schemas.microsoft.com/office/powerpoint/2010/main" xmlns:p15="http://schemas.microsoft.com/office/powerpoint/2012/main">
+<p:sld xmlns:a="http://schemas.openxmlformats.org/drawingml/2006/main" xmlns:r="http://schemas.openxmlformats.org/officeDocument/2006/relationships" xmlns:p="http://schemas.openxmlformats.org/presentationml/2006/main">
   <p:cSld>
     <p:spTree>
       <p:nvGrpSpPr>
-        <p:cNvPr id="95" name="Shape 95"/>
+        <p:cNvPr id="1" name="Shape 95"/>
         <p:cNvGrpSpPr/>
         <p:nvPr/>
       </p:nvGrpSpPr>
@@ -8487,7 +8863,9 @@
       <p:sp>
         <p:nvSpPr>
           <p:cNvPr id="96" name="Google Shape;96;p20"/>
-          <p:cNvSpPr txBox="1"/>
+          <p:cNvSpPr txBox="1">
+            <a:spLocks noGrp="1"/>
+          </p:cNvSpPr>
           <p:nvPr>
             <p:ph type="title"/>
           </p:nvPr>
@@ -8506,12 +8884,12 @@
           </a:ln>
         </p:spPr>
         <p:txBody>
-          <a:bodyPr anchorCtr="0" anchor="ctr" bIns="45700" lIns="91425" spcFirstLastPara="1" rIns="91425" wrap="square" tIns="45700">
+          <a:bodyPr spcFirstLastPara="1" wrap="square" lIns="91425" tIns="45700" rIns="91425" bIns="45700" anchor="ctr" anchorCtr="0">
             <a:noAutofit/>
           </a:bodyPr>
           <a:lstStyle/>
           <a:p>
-            <a:pPr indent="0" lvl="0" marL="0" marR="0" rtl="0" algn="l">
+            <a:pPr marL="0" marR="0" lvl="0" indent="0" algn="l" rtl="0">
               <a:lnSpc>
                 <a:spcPct val="90000"/>
               </a:lnSpc>
@@ -8529,7 +8907,7 @@
               <a:buNone/>
             </a:pPr>
             <a:r>
-              <a:rPr b="0" i="0" lang="en-US" sz="4400" u="none" cap="none" strike="noStrike">
+              <a:rPr lang="en-US" sz="4400" b="0" i="0" u="none" strike="noStrike" cap="none">
                 <a:solidFill>
                   <a:schemeClr val="dk1"/>
                 </a:solidFill>
@@ -8547,9 +8925,11 @@
       <p:sp>
         <p:nvSpPr>
           <p:cNvPr id="97" name="Google Shape;97;p20"/>
-          <p:cNvSpPr txBox="1"/>
+          <p:cNvSpPr txBox="1">
+            <a:spLocks noGrp="1"/>
+          </p:cNvSpPr>
           <p:nvPr>
-            <p:ph idx="1" type="body"/>
+            <p:ph type="body" idx="1"/>
           </p:nvPr>
         </p:nvSpPr>
         <p:spPr>
@@ -8566,12 +8946,12 @@
           </a:ln>
         </p:spPr>
         <p:txBody>
-          <a:bodyPr anchorCtr="0" anchor="t" bIns="45700" lIns="91425" spcFirstLastPara="1" rIns="91425" wrap="square" tIns="45700">
+          <a:bodyPr spcFirstLastPara="1" wrap="square" lIns="91425" tIns="45700" rIns="91425" bIns="45700" anchor="t" anchorCtr="0">
             <a:noAutofit/>
           </a:bodyPr>
           <a:lstStyle/>
           <a:p>
-            <a:pPr indent="-406400" lvl="0" marL="457200" marR="0" rtl="0" algn="l">
+            <a:pPr marL="457200" marR="0" lvl="0" indent="-406400" algn="l" rtl="0">
               <a:lnSpc>
                 <a:spcPct val="90000"/>
               </a:lnSpc>
@@ -8595,7 +8975,7 @@
             <a:endParaRPr/>
           </a:p>
           <a:p>
-            <a:pPr indent="-406400" lvl="0" marL="457200" marR="0" rtl="0" algn="l">
+            <a:pPr marL="457200" marR="0" lvl="0" indent="-406400" algn="l" rtl="0">
               <a:lnSpc>
                 <a:spcPct val="90000"/>
               </a:lnSpc>
@@ -8615,7 +8995,7 @@
             <a:endParaRPr/>
           </a:p>
           <a:p>
-            <a:pPr indent="-406400" lvl="0" marL="457200" marR="0" rtl="0" algn="l">
+            <a:pPr marL="457200" marR="0" lvl="0" indent="-406400" algn="l" rtl="0">
               <a:lnSpc>
                 <a:spcPct val="90000"/>
               </a:lnSpc>
@@ -8645,11 +9025,11 @@
 </file>
 
 <file path=ppt/slides/slide8.xml><?xml version="1.0" encoding="utf-8"?>
-<p:sld xmlns:a="http://schemas.openxmlformats.org/drawingml/2006/main" xmlns:r="http://schemas.openxmlformats.org/officeDocument/2006/relationships" xmlns:mc="http://schemas.openxmlformats.org/markup-compatibility/2006" xmlns:mv="urn:schemas-microsoft-com:mac:vml" xmlns:p="http://schemas.openxmlformats.org/presentationml/2006/main" xmlns:c="http://schemas.openxmlformats.org/drawingml/2006/chart" xmlns:dgm="http://schemas.openxmlformats.org/drawingml/2006/diagram" xmlns:o="urn:schemas-microsoft-com:office:office" xmlns:v="urn:schemas-microsoft-com:vml" xmlns:pvml="urn:schemas-microsoft-com:office:powerpoint" xmlns:com="http://schemas.openxmlformats.org/drawingml/2006/compatibility" xmlns:p14="http://schemas.microsoft.com/office/powerpoint/2010/main" xmlns:p15="http://schemas.microsoft.com/office/powerpoint/2012/main">
+<p:sld xmlns:a="http://schemas.openxmlformats.org/drawingml/2006/main" xmlns:r="http://schemas.openxmlformats.org/officeDocument/2006/relationships" xmlns:p="http://schemas.openxmlformats.org/presentationml/2006/main">
   <p:cSld>
     <p:spTree>
       <p:nvGrpSpPr>
-        <p:cNvPr id="101" name="Shape 101"/>
+        <p:cNvPr id="1" name="Shape 101"/>
         <p:cNvGrpSpPr/>
         <p:nvPr/>
       </p:nvGrpSpPr>
@@ -8664,7 +9044,9 @@
       <p:sp>
         <p:nvSpPr>
           <p:cNvPr id="102" name="Google Shape;102;p21"/>
-          <p:cNvSpPr txBox="1"/>
+          <p:cNvSpPr txBox="1">
+            <a:spLocks noGrp="1"/>
+          </p:cNvSpPr>
           <p:nvPr>
             <p:ph type="title"/>
           </p:nvPr>
@@ -8683,12 +9065,12 @@
           </a:ln>
         </p:spPr>
         <p:txBody>
-          <a:bodyPr anchorCtr="0" anchor="ctr" bIns="45700" lIns="91425" spcFirstLastPara="1" rIns="91425" wrap="square" tIns="45700">
+          <a:bodyPr spcFirstLastPara="1" wrap="square" lIns="91425" tIns="45700" rIns="91425" bIns="45700" anchor="ctr" anchorCtr="0">
             <a:noAutofit/>
           </a:bodyPr>
           <a:lstStyle/>
           <a:p>
-            <a:pPr indent="0" lvl="0" marL="0" marR="0" rtl="0" algn="l">
+            <a:pPr marL="0" marR="0" lvl="0" indent="0" algn="l" rtl="0">
               <a:lnSpc>
                 <a:spcPct val="90000"/>
               </a:lnSpc>
@@ -8710,7 +9092,7 @@
               <a:t>Potential </a:t>
             </a:r>
             <a:r>
-              <a:rPr b="0" i="0" lang="en-US" sz="4400" u="none" cap="none" strike="noStrike">
+              <a:rPr lang="en-US" sz="4400" b="0" i="0" u="none" strike="noStrike" cap="none">
                 <a:solidFill>
                   <a:schemeClr val="dk1"/>
                 </a:solidFill>
@@ -8732,9 +9114,11 @@
       <p:sp>
         <p:nvSpPr>
           <p:cNvPr id="103" name="Google Shape;103;p21"/>
-          <p:cNvSpPr txBox="1"/>
+          <p:cNvSpPr txBox="1">
+            <a:spLocks noGrp="1"/>
+          </p:cNvSpPr>
           <p:nvPr>
-            <p:ph idx="1" type="body"/>
+            <p:ph type="body" idx="1"/>
           </p:nvPr>
         </p:nvSpPr>
         <p:spPr>
@@ -8751,12 +9135,12 @@
           </a:ln>
         </p:spPr>
         <p:txBody>
-          <a:bodyPr anchorCtr="0" anchor="t" bIns="45700" lIns="91425" spcFirstLastPara="1" rIns="91425" wrap="square" tIns="45700">
+          <a:bodyPr spcFirstLastPara="1" wrap="square" lIns="91425" tIns="45700" rIns="91425" bIns="45700" anchor="t" anchorCtr="0">
             <a:noAutofit/>
           </a:bodyPr>
           <a:lstStyle/>
           <a:p>
-            <a:pPr indent="-406400" lvl="0" marL="457200" marR="0" rtl="0" algn="l">
+            <a:pPr marL="457200" marR="0" lvl="0" indent="-406400" algn="l" rtl="0">
               <a:lnSpc>
                 <a:spcPct val="90000"/>
               </a:lnSpc>
@@ -8776,7 +9160,7 @@
             <a:endParaRPr/>
           </a:p>
           <a:p>
-            <a:pPr indent="-406400" lvl="0" marL="457200" marR="0" rtl="0" algn="l">
+            <a:pPr marL="457200" marR="0" lvl="0" indent="-406400" algn="l" rtl="0">
               <a:lnSpc>
                 <a:spcPct val="90000"/>
               </a:lnSpc>
@@ -8796,7 +9180,7 @@
             <a:endParaRPr/>
           </a:p>
           <a:p>
-            <a:pPr indent="-406400" lvl="0" marL="457200" marR="0" rtl="0" algn="l">
+            <a:pPr marL="457200" marR="0" lvl="0" indent="-406400" algn="l" rtl="0">
               <a:lnSpc>
                 <a:spcPct val="90000"/>
               </a:lnSpc>
@@ -8826,7 +9210,7 @@
 </file>
 
 <file path=ppt/theme/theme1.xml><?xml version="1.0" encoding="utf-8"?>
-<a:theme xmlns:a="http://schemas.openxmlformats.org/drawingml/2006/main" xmlns:r="http://schemas.openxmlformats.org/officeDocument/2006/relationships" name="Simple Dark">
+<a:theme xmlns:a="http://schemas.openxmlformats.org/drawingml/2006/main" name="Simple Dark">
   <a:themeElements>
     <a:clrScheme name="Simple Dark">
       <a:dk1>
@@ -9101,11 +9485,13 @@
       </a:bgFillStyleLst>
     </a:fmtScheme>
   </a:themeElements>
+  <a:objectDefaults/>
+  <a:extraClrSchemeLst/>
 </a:theme>
 </file>
 
 <file path=ppt/theme/theme2.xml><?xml version="1.0" encoding="utf-8"?>
-<a:theme xmlns:a="http://schemas.openxmlformats.org/drawingml/2006/main" xmlns:r="http://schemas.openxmlformats.org/officeDocument/2006/relationships">
+<a:theme xmlns:a="http://schemas.openxmlformats.org/drawingml/2006/main">
   <a:themeElements>
     <a:clrScheme name="Default">
       <a:dk1>
@@ -9380,5 +9766,7 @@
       </a:bgFillStyleLst>
     </a:fmtScheme>
   </a:themeElements>
+  <a:objectDefaults/>
+  <a:extraClrSchemeLst/>
 </a:theme>
 </file>